--- a/materials/slides/3.3.pptx
+++ b/materials/slides/3.3.pptx
@@ -5,45 +5,47 @@
     <p:sldMasterId id="2147483648" r:id="rId1"/>
   </p:sldMasterIdLst>
   <p:notesMasterIdLst>
-    <p:notesMasterId r:id="rId35"/>
+    <p:notesMasterId r:id="rId37"/>
   </p:notesMasterIdLst>
   <p:handoutMasterIdLst>
-    <p:handoutMasterId r:id="rId36"/>
+    <p:handoutMasterId r:id="rId38"/>
   </p:handoutMasterIdLst>
   <p:sldIdLst>
     <p:sldId id="588" r:id="rId2"/>
-    <p:sldId id="589" r:id="rId3"/>
-    <p:sldId id="590" r:id="rId4"/>
-    <p:sldId id="591" r:id="rId5"/>
-    <p:sldId id="592" r:id="rId6"/>
-    <p:sldId id="593" r:id="rId7"/>
-    <p:sldId id="594" r:id="rId8"/>
-    <p:sldId id="595" r:id="rId9"/>
-    <p:sldId id="596" r:id="rId10"/>
-    <p:sldId id="597" r:id="rId11"/>
-    <p:sldId id="598" r:id="rId12"/>
-    <p:sldId id="599" r:id="rId13"/>
-    <p:sldId id="600" r:id="rId14"/>
-    <p:sldId id="601" r:id="rId15"/>
-    <p:sldId id="602" r:id="rId16"/>
-    <p:sldId id="603" r:id="rId17"/>
-    <p:sldId id="604" r:id="rId18"/>
-    <p:sldId id="605" r:id="rId19"/>
-    <p:sldId id="606" r:id="rId20"/>
-    <p:sldId id="607" r:id="rId21"/>
-    <p:sldId id="608" r:id="rId22"/>
-    <p:sldId id="609" r:id="rId23"/>
-    <p:sldId id="610" r:id="rId24"/>
-    <p:sldId id="611" r:id="rId25"/>
-    <p:sldId id="612" r:id="rId26"/>
-    <p:sldId id="613" r:id="rId27"/>
-    <p:sldId id="614" r:id="rId28"/>
-    <p:sldId id="615" r:id="rId29"/>
-    <p:sldId id="616" r:id="rId30"/>
-    <p:sldId id="617" r:id="rId31"/>
-    <p:sldId id="618" r:id="rId32"/>
-    <p:sldId id="619" r:id="rId33"/>
-    <p:sldId id="620" r:id="rId34"/>
+    <p:sldId id="621" r:id="rId3"/>
+    <p:sldId id="622" r:id="rId4"/>
+    <p:sldId id="589" r:id="rId5"/>
+    <p:sldId id="590" r:id="rId6"/>
+    <p:sldId id="591" r:id="rId7"/>
+    <p:sldId id="592" r:id="rId8"/>
+    <p:sldId id="593" r:id="rId9"/>
+    <p:sldId id="594" r:id="rId10"/>
+    <p:sldId id="595" r:id="rId11"/>
+    <p:sldId id="596" r:id="rId12"/>
+    <p:sldId id="597" r:id="rId13"/>
+    <p:sldId id="598" r:id="rId14"/>
+    <p:sldId id="599" r:id="rId15"/>
+    <p:sldId id="600" r:id="rId16"/>
+    <p:sldId id="601" r:id="rId17"/>
+    <p:sldId id="602" r:id="rId18"/>
+    <p:sldId id="603" r:id="rId19"/>
+    <p:sldId id="604" r:id="rId20"/>
+    <p:sldId id="605" r:id="rId21"/>
+    <p:sldId id="606" r:id="rId22"/>
+    <p:sldId id="607" r:id="rId23"/>
+    <p:sldId id="608" r:id="rId24"/>
+    <p:sldId id="609" r:id="rId25"/>
+    <p:sldId id="610" r:id="rId26"/>
+    <p:sldId id="611" r:id="rId27"/>
+    <p:sldId id="612" r:id="rId28"/>
+    <p:sldId id="613" r:id="rId29"/>
+    <p:sldId id="614" r:id="rId30"/>
+    <p:sldId id="615" r:id="rId31"/>
+    <p:sldId id="616" r:id="rId32"/>
+    <p:sldId id="617" r:id="rId33"/>
+    <p:sldId id="618" r:id="rId34"/>
+    <p:sldId id="619" r:id="rId35"/>
+    <p:sldId id="620" r:id="rId36"/>
   </p:sldIdLst>
   <p:sldSz cx="12192000" cy="6858000"/>
   <p:notesSz cx="6858000" cy="9144000"/>
@@ -174,7 +176,7 @@
   </p:defaultTextStyle>
   <p:extLst>
     <p:ext uri="{EFAFB233-063F-42B5-8137-9DF3F51BA10A}">
-      <p15:sldGuideLst xmlns="" xmlns:p15="http://schemas.microsoft.com/office/powerpoint/2012/main">
+      <p15:sldGuideLst xmlns:p15="http://schemas.microsoft.com/office/powerpoint/2012/main">
         <p15:guide id="1" orient="horz" pos="2160">
           <p15:clr>
             <a:srgbClr val="A4A3A4"/>
@@ -188,7 +190,7 @@
       </p15:sldGuideLst>
     </p:ext>
     <p:ext uri="{2D200454-40CA-4A62-9FC3-DE9A4176ACB9}">
-      <p15:notesGuideLst xmlns="" xmlns:p15="http://schemas.microsoft.com/office/powerpoint/2012/main">
+      <p15:notesGuideLst xmlns:p15="http://schemas.microsoft.com/office/powerpoint/2012/main">
         <p15:guide id="1" orient="horz" pos="2880">
           <p15:clr>
             <a:srgbClr val="A4A3A4"/>
@@ -4117,6 +4119,1000 @@
       </p:grpSpPr>
       <p:sp>
         <p:nvSpPr>
+          <p:cNvPr id="4099" name="Rectangle 2"/>
+          <p:cNvSpPr>
+            <a:spLocks noGrp="1" noChangeArrowheads="1"/>
+          </p:cNvSpPr>
+          <p:nvPr>
+            <p:ph type="title"/>
+          </p:nvPr>
+        </p:nvSpPr>
+        <p:spPr/>
+        <p:txBody>
+          <a:bodyPr/>
+          <a:lstStyle/>
+          <a:p>
+            <a:pPr algn="ctr" eaLnBrk="1" hangingPunct="1"/>
+            <a:r>
+              <a:rPr lang="zh-CN" altLang="en-US" b="1" dirty="0" smtClean="0">
+                <a:latin typeface="楷体" panose="02010609060101010101" pitchFamily="49" charset="-122"/>
+              </a:rPr>
+              <a:t>目 录</a:t>
+            </a:r>
+          </a:p>
+        </p:txBody>
+      </p:sp>
+      <p:sp>
+        <p:nvSpPr>
+          <p:cNvPr id="4100" name="Rectangle 3"/>
+          <p:cNvSpPr>
+            <a:spLocks noGrp="1" noChangeArrowheads="1"/>
+          </p:cNvSpPr>
+          <p:nvPr>
+            <p:ph type="body" idx="1"/>
+          </p:nvPr>
+        </p:nvSpPr>
+        <p:spPr>
+          <a:xfrm>
+            <a:off x="3503712" y="1412776"/>
+            <a:ext cx="5517430" cy="4267200"/>
+          </a:xfrm>
+        </p:spPr>
+        <p:txBody>
+          <a:bodyPr/>
+          <a:lstStyle/>
+          <a:p>
+            <a:pPr lvl="1" eaLnBrk="1" hangingPunct="1">
+              <a:buFont typeface="Wingdings" panose="05000000000000000000" pitchFamily="2" charset="2"/>
+              <a:buChar char="Ø"/>
+              <a:defRPr/>
+            </a:pPr>
+            <a:r>
+              <a:rPr lang="zh-CN" altLang="en-US" sz="2800" dirty="0" smtClean="0">
+                <a:solidFill>
+                  <a:schemeClr val="tx1">
+                    <a:lumMod val="10000"/>
+                  </a:schemeClr>
+                </a:solidFill>
+                <a:latin typeface="楷体" panose="02010609060101010101" pitchFamily="49" charset="-122"/>
+              </a:rPr>
+              <a:t>认识正交表</a:t>
+            </a:r>
+            <a:endParaRPr lang="en-US" altLang="zh-CN" sz="2800" dirty="0" smtClean="0">
+              <a:solidFill>
+                <a:schemeClr val="tx1">
+                  <a:lumMod val="10000"/>
+                </a:schemeClr>
+              </a:solidFill>
+              <a:latin typeface="楷体" panose="02010609060101010101" pitchFamily="49" charset="-122"/>
+            </a:endParaRPr>
+          </a:p>
+          <a:p>
+            <a:pPr lvl="1" eaLnBrk="1" hangingPunct="1">
+              <a:buFont typeface="Wingdings" panose="05000000000000000000" pitchFamily="2" charset="2"/>
+              <a:buChar char="Ø"/>
+              <a:defRPr/>
+            </a:pPr>
+            <a:r>
+              <a:rPr lang="zh-CN" altLang="en-US" sz="2800" dirty="0" smtClean="0">
+                <a:solidFill>
+                  <a:schemeClr val="tx1">
+                    <a:lumMod val="10000"/>
+                  </a:schemeClr>
+                </a:solidFill>
+                <a:latin typeface="楷体" panose="02010609060101010101" pitchFamily="49" charset="-122"/>
+              </a:rPr>
+              <a:t>正交表法设计测试用例</a:t>
+            </a:r>
+            <a:endParaRPr lang="en-US" altLang="zh-CN" sz="2800" dirty="0">
+              <a:solidFill>
+                <a:schemeClr val="tx1">
+                  <a:lumMod val="10000"/>
+                </a:schemeClr>
+              </a:solidFill>
+              <a:latin typeface="楷体" panose="02010609060101010101" pitchFamily="49" charset="-122"/>
+            </a:endParaRPr>
+          </a:p>
+        </p:txBody>
+      </p:sp>
+    </p:spTree>
+  </p:cSld>
+  <p:clrMapOvr>
+    <a:masterClrMapping/>
+  </p:clrMapOvr>
+  <p:transition/>
+  <p:timing>
+    <p:tnLst>
+      <p:par>
+        <p:cTn id="1" dur="indefinite" restart="never" nodeType="tmRoot">
+          <p:childTnLst>
+            <p:seq concurrent="1" nextAc="seek">
+              <p:cTn id="2" dur="indefinite" nodeType="mainSeq">
+                <p:childTnLst>
+                  <p:par>
+                    <p:cTn id="3" fill="hold">
+                      <p:stCondLst>
+                        <p:cond delay="indefinite"/>
+                      </p:stCondLst>
+                      <p:childTnLst>
+                        <p:par>
+                          <p:cTn id="4" fill="hold">
+                            <p:stCondLst>
+                              <p:cond delay="0"/>
+                            </p:stCondLst>
+                            <p:childTnLst>
+                              <p:par>
+                                <p:cTn id="5" presetID="3" presetClass="emph" presetSubtype="2" fill="hold" nodeType="clickEffect">
+                                  <p:stCondLst>
+                                    <p:cond delay="0"/>
+                                  </p:stCondLst>
+                                  <p:childTnLst>
+                                    <p:animClr clrSpc="rgb" dir="cw">
+                                      <p:cBhvr override="childStyle">
+                                        <p:cTn id="6" dur="1250" fill="hold"/>
+                                        <p:tgtEl>
+                                          <p:spTgt spid="4100">
+                                            <p:txEl>
+                                              <p:pRg st="0" end="0"/>
+                                            </p:txEl>
+                                          </p:spTgt>
+                                        </p:tgtEl>
+                                        <p:attrNameLst>
+                                          <p:attrName>style.color</p:attrName>
+                                        </p:attrNameLst>
+                                      </p:cBhvr>
+                                      <p:to>
+                                        <a:srgbClr val="FF0000"/>
+                                      </p:to>
+                                    </p:animClr>
+                                  </p:childTnLst>
+                                </p:cTn>
+                              </p:par>
+                            </p:childTnLst>
+                          </p:cTn>
+                        </p:par>
+                      </p:childTnLst>
+                    </p:cTn>
+                  </p:par>
+                </p:childTnLst>
+              </p:cTn>
+              <p:prevCondLst>
+                <p:cond evt="onPrev" delay="0">
+                  <p:tgtEl>
+                    <p:sldTgt/>
+                  </p:tgtEl>
+                </p:cond>
+              </p:prevCondLst>
+              <p:nextCondLst>
+                <p:cond evt="onNext" delay="0">
+                  <p:tgtEl>
+                    <p:sldTgt/>
+                  </p:tgtEl>
+                </p:cond>
+              </p:nextCondLst>
+            </p:seq>
+          </p:childTnLst>
+        </p:cTn>
+      </p:par>
+    </p:tnLst>
+  </p:timing>
+</p:sld>
+</file>
+
+<file path=ppt/slides/slide11.xml><?xml version="1.0" encoding="utf-8"?>
+<p:sld xmlns:a="http://schemas.openxmlformats.org/drawingml/2006/main" xmlns:r="http://schemas.openxmlformats.org/officeDocument/2006/relationships" xmlns:p="http://schemas.openxmlformats.org/presentationml/2006/main">
+  <p:cSld>
+    <p:spTree>
+      <p:nvGrpSpPr>
+        <p:cNvPr id="1" name=""/>
+        <p:cNvGrpSpPr/>
+        <p:nvPr/>
+      </p:nvGrpSpPr>
+      <p:grpSpPr>
+        <a:xfrm>
+          <a:off x="0" y="0"/>
+          <a:ext cx="0" cy="0"/>
+          <a:chOff x="0" y="0"/>
+          <a:chExt cx="0" cy="0"/>
+        </a:xfrm>
+      </p:grpSpPr>
+      <p:sp>
+        <p:nvSpPr>
+          <p:cNvPr id="2" name="标题 1"/>
+          <p:cNvSpPr>
+            <a:spLocks noGrp="1"/>
+          </p:cNvSpPr>
+          <p:nvPr>
+            <p:ph type="title"/>
+          </p:nvPr>
+        </p:nvSpPr>
+        <p:spPr/>
+        <p:txBody>
+          <a:bodyPr/>
+          <a:lstStyle/>
+          <a:p>
+            <a:r>
+              <a:rPr lang="zh-CN" altLang="en-US" dirty="0"/>
+              <a:t>认识正交表</a:t>
+            </a:r>
+          </a:p>
+        </p:txBody>
+      </p:sp>
+      <p:sp>
+        <p:nvSpPr>
+          <p:cNvPr id="3" name="内容占位符 2"/>
+          <p:cNvSpPr>
+            <a:spLocks noGrp="1"/>
+          </p:cNvSpPr>
+          <p:nvPr>
+            <p:ph idx="1"/>
+          </p:nvPr>
+        </p:nvSpPr>
+        <p:spPr>
+          <a:xfrm>
+            <a:off x="695400" y="1268760"/>
+            <a:ext cx="11017224" cy="4267200"/>
+          </a:xfrm>
+        </p:spPr>
+        <p:txBody>
+          <a:bodyPr/>
+          <a:lstStyle/>
+          <a:p>
+            <a:pPr>
+              <a:lnSpc>
+                <a:spcPct val="120000"/>
+              </a:lnSpc>
+            </a:pPr>
+            <a:r>
+              <a:rPr lang="zh-CN" altLang="en-US" dirty="0" smtClean="0"/>
+              <a:t>为提高某化工产品的转化率，选择三个有关因素进行条件试验，反应温度（</a:t>
+            </a:r>
+            <a:r>
+              <a:rPr lang="en-US" altLang="zh-CN" dirty="0" smtClean="0"/>
+              <a:t>A</a:t>
+            </a:r>
+            <a:r>
+              <a:rPr lang="zh-CN" altLang="en-US" dirty="0" smtClean="0"/>
+              <a:t>），反应时间（</a:t>
+            </a:r>
+            <a:r>
+              <a:rPr lang="en-US" altLang="zh-CN" dirty="0" smtClean="0"/>
+              <a:t>B</a:t>
+            </a:r>
+            <a:r>
+              <a:rPr lang="zh-CN" altLang="en-US" dirty="0" smtClean="0"/>
+              <a:t>）</a:t>
+            </a:r>
+            <a:r>
+              <a:rPr lang="en-US" altLang="zh-CN" dirty="0" smtClean="0"/>
+              <a:t>,</a:t>
+            </a:r>
+            <a:r>
+              <a:rPr lang="zh-CN" altLang="en-US" dirty="0" smtClean="0"/>
+              <a:t>用碱量（</a:t>
+            </a:r>
+            <a:r>
+              <a:rPr lang="en-US" altLang="zh-CN" dirty="0" smtClean="0"/>
+              <a:t>C</a:t>
+            </a:r>
+            <a:r>
+              <a:rPr lang="zh-CN" altLang="en-US" dirty="0" smtClean="0"/>
+              <a:t>），并确定了它们的实验范围如下：</a:t>
+            </a:r>
+            <a:endParaRPr lang="en-US" altLang="zh-CN" dirty="0" smtClean="0"/>
+          </a:p>
+          <a:p>
+            <a:pPr lvl="2">
+              <a:lnSpc>
+                <a:spcPct val="120000"/>
+              </a:lnSpc>
+            </a:pPr>
+            <a:r>
+              <a:rPr lang="en-US" altLang="zh-CN" dirty="0" smtClean="0"/>
+              <a:t>A:   A1 = 80</a:t>
+            </a:r>
+            <a:r>
+              <a:rPr lang="zh-CN" altLang="en-US" dirty="0" smtClean="0"/>
+              <a:t>℃，</a:t>
+            </a:r>
+            <a:r>
+              <a:rPr lang="en-US" altLang="zh-CN" dirty="0" smtClean="0"/>
+              <a:t> A2 = 85</a:t>
+            </a:r>
+            <a:r>
+              <a:rPr lang="zh-CN" altLang="en-US" dirty="0" smtClean="0"/>
+              <a:t>℃，</a:t>
+            </a:r>
+            <a:r>
+              <a:rPr lang="en-US" altLang="zh-CN" dirty="0" smtClean="0"/>
+              <a:t> A3 = 90</a:t>
+            </a:r>
+            <a:r>
+              <a:rPr lang="zh-CN" altLang="en-US" dirty="0" smtClean="0"/>
+              <a:t>℃</a:t>
+            </a:r>
+            <a:endParaRPr lang="en-US" altLang="zh-CN" dirty="0" smtClean="0"/>
+          </a:p>
+          <a:p>
+            <a:pPr lvl="2">
+              <a:lnSpc>
+                <a:spcPct val="120000"/>
+              </a:lnSpc>
+            </a:pPr>
+            <a:r>
+              <a:rPr lang="en-US" altLang="zh-CN" dirty="0" smtClean="0"/>
+              <a:t>B:   B1 = 90</a:t>
+            </a:r>
+            <a:r>
+              <a:rPr lang="zh-CN" altLang="en-US" dirty="0" smtClean="0"/>
+              <a:t>分钟，</a:t>
+            </a:r>
+            <a:r>
+              <a:rPr lang="en-US" altLang="zh-CN" dirty="0" smtClean="0"/>
+              <a:t>B2 = 120</a:t>
+            </a:r>
+            <a:r>
+              <a:rPr lang="zh-CN" altLang="en-US" dirty="0" smtClean="0"/>
+              <a:t>分钟，</a:t>
+            </a:r>
+            <a:r>
+              <a:rPr lang="en-US" altLang="zh-CN" dirty="0" smtClean="0"/>
+              <a:t>B3 = 150</a:t>
+            </a:r>
+            <a:r>
+              <a:rPr lang="zh-CN" altLang="en-US" dirty="0" smtClean="0"/>
+              <a:t>分钟</a:t>
+            </a:r>
+            <a:endParaRPr lang="en-US" altLang="zh-CN" dirty="0" smtClean="0"/>
+          </a:p>
+          <a:p>
+            <a:pPr lvl="2">
+              <a:lnSpc>
+                <a:spcPct val="120000"/>
+              </a:lnSpc>
+            </a:pPr>
+            <a:r>
+              <a:rPr lang="en-US" altLang="zh-CN" dirty="0" smtClean="0"/>
+              <a:t>C</a:t>
+            </a:r>
+            <a:r>
+              <a:rPr lang="zh-CN" altLang="en-US" dirty="0" smtClean="0"/>
+              <a:t>：</a:t>
+            </a:r>
+            <a:r>
+              <a:rPr lang="en-US" altLang="zh-CN" dirty="0" smtClean="0"/>
+              <a:t>C1 = 5%,  C2 = 6% </a:t>
+            </a:r>
+            <a:r>
+              <a:rPr lang="zh-CN" altLang="en-US" dirty="0" smtClean="0"/>
+              <a:t>，</a:t>
+            </a:r>
+            <a:r>
+              <a:rPr lang="en-US" altLang="zh-CN" dirty="0" smtClean="0"/>
+              <a:t>C3 = 7%</a:t>
+            </a:r>
+          </a:p>
+          <a:p>
+            <a:pPr lvl="1">
+              <a:lnSpc>
+                <a:spcPct val="120000"/>
+              </a:lnSpc>
+            </a:pPr>
+            <a:r>
+              <a:rPr lang="zh-CN" altLang="en-US" dirty="0" smtClean="0"/>
+              <a:t>实验目的：搞清楚因子</a:t>
+            </a:r>
+            <a:r>
+              <a:rPr lang="en-US" altLang="zh-CN" dirty="0" smtClean="0"/>
+              <a:t>A</a:t>
+            </a:r>
+            <a:r>
+              <a:rPr lang="zh-CN" altLang="en-US" dirty="0" smtClean="0"/>
+              <a:t>、</a:t>
+            </a:r>
+            <a:r>
+              <a:rPr lang="en-US" altLang="zh-CN" dirty="0" smtClean="0"/>
+              <a:t>B</a:t>
+            </a:r>
+            <a:r>
+              <a:rPr lang="zh-CN" altLang="en-US" dirty="0" smtClean="0"/>
+              <a:t>、</a:t>
+            </a:r>
+            <a:r>
+              <a:rPr lang="en-US" altLang="zh-CN" dirty="0" smtClean="0"/>
+              <a:t>C</a:t>
+            </a:r>
+            <a:r>
+              <a:rPr lang="zh-CN" altLang="en-US" dirty="0" smtClean="0"/>
+              <a:t>对转化率有什么影响，哪些是主要的，哪些是次要的，从而确定最适生产条件，即温度、时间、用碱量各多少转化率最高</a:t>
+            </a:r>
+            <a:endParaRPr lang="en-US" altLang="zh-CN" dirty="0" smtClean="0"/>
+          </a:p>
+          <a:p>
+            <a:pPr>
+              <a:lnSpc>
+                <a:spcPct val="120000"/>
+              </a:lnSpc>
+            </a:pPr>
+            <a:endParaRPr lang="zh-CN" altLang="en-US" dirty="0"/>
+          </a:p>
+        </p:txBody>
+      </p:sp>
+    </p:spTree>
+  </p:cSld>
+  <p:clrMapOvr>
+    <a:masterClrMapping/>
+  </p:clrMapOvr>
+  <p:transition>
+    <p:blinds dir="vert"/>
+  </p:transition>
+  <p:timing>
+    <p:tnLst>
+      <p:par>
+        <p:cTn id="1" dur="indefinite" restart="never" nodeType="tmRoot">
+          <p:childTnLst>
+            <p:seq concurrent="1" nextAc="seek">
+              <p:cTn id="2" dur="indefinite" nodeType="mainSeq">
+                <p:childTnLst>
+                  <p:par>
+                    <p:cTn id="3" fill="hold">
+                      <p:stCondLst>
+                        <p:cond delay="indefinite"/>
+                      </p:stCondLst>
+                      <p:childTnLst>
+                        <p:par>
+                          <p:cTn id="4" fill="hold">
+                            <p:stCondLst>
+                              <p:cond delay="0"/>
+                            </p:stCondLst>
+                            <p:childTnLst>
+                              <p:par>
+                                <p:cTn id="5" presetID="2" presetClass="entr" presetSubtype="4" fill="hold" nodeType="clickEffect">
+                                  <p:stCondLst>
+                                    <p:cond delay="0"/>
+                                  </p:stCondLst>
+                                  <p:childTnLst>
+                                    <p:set>
+                                      <p:cBhvr>
+                                        <p:cTn id="6" dur="1" fill="hold">
+                                          <p:stCondLst>
+                                            <p:cond delay="0"/>
+                                          </p:stCondLst>
+                                        </p:cTn>
+                                        <p:tgtEl>
+                                          <p:spTgt spid="3">
+                                            <p:txEl>
+                                              <p:pRg st="0" end="0"/>
+                                            </p:txEl>
+                                          </p:spTgt>
+                                        </p:tgtEl>
+                                        <p:attrNameLst>
+                                          <p:attrName>style.visibility</p:attrName>
+                                        </p:attrNameLst>
+                                      </p:cBhvr>
+                                      <p:to>
+                                        <p:strVal val="visible"/>
+                                      </p:to>
+                                    </p:set>
+                                    <p:anim calcmode="lin" valueType="num">
+                                      <p:cBhvr additive="base">
+                                        <p:cTn id="7" dur="500" fill="hold"/>
+                                        <p:tgtEl>
+                                          <p:spTgt spid="3">
+                                            <p:txEl>
+                                              <p:pRg st="0" end="0"/>
+                                            </p:txEl>
+                                          </p:spTgt>
+                                        </p:tgtEl>
+                                        <p:attrNameLst>
+                                          <p:attrName>ppt_x</p:attrName>
+                                        </p:attrNameLst>
+                                      </p:cBhvr>
+                                      <p:tavLst>
+                                        <p:tav tm="0">
+                                          <p:val>
+                                            <p:strVal val="#ppt_x"/>
+                                          </p:val>
+                                        </p:tav>
+                                        <p:tav tm="100000">
+                                          <p:val>
+                                            <p:strVal val="#ppt_x"/>
+                                          </p:val>
+                                        </p:tav>
+                                      </p:tavLst>
+                                    </p:anim>
+                                    <p:anim calcmode="lin" valueType="num">
+                                      <p:cBhvr additive="base">
+                                        <p:cTn id="8" dur="500" fill="hold"/>
+                                        <p:tgtEl>
+                                          <p:spTgt spid="3">
+                                            <p:txEl>
+                                              <p:pRg st="0" end="0"/>
+                                            </p:txEl>
+                                          </p:spTgt>
+                                        </p:tgtEl>
+                                        <p:attrNameLst>
+                                          <p:attrName>ppt_y</p:attrName>
+                                        </p:attrNameLst>
+                                      </p:cBhvr>
+                                      <p:tavLst>
+                                        <p:tav tm="0">
+                                          <p:val>
+                                            <p:strVal val="1+#ppt_h/2"/>
+                                          </p:val>
+                                        </p:tav>
+                                        <p:tav tm="100000">
+                                          <p:val>
+                                            <p:strVal val="#ppt_y"/>
+                                          </p:val>
+                                        </p:tav>
+                                      </p:tavLst>
+                                    </p:anim>
+                                  </p:childTnLst>
+                                </p:cTn>
+                              </p:par>
+                            </p:childTnLst>
+                          </p:cTn>
+                        </p:par>
+                      </p:childTnLst>
+                    </p:cTn>
+                  </p:par>
+                  <p:par>
+                    <p:cTn id="9" fill="hold">
+                      <p:stCondLst>
+                        <p:cond delay="indefinite"/>
+                      </p:stCondLst>
+                      <p:childTnLst>
+                        <p:par>
+                          <p:cTn id="10" fill="hold">
+                            <p:stCondLst>
+                              <p:cond delay="0"/>
+                            </p:stCondLst>
+                            <p:childTnLst>
+                              <p:par>
+                                <p:cTn id="11" presetID="2" presetClass="entr" presetSubtype="4" fill="hold" nodeType="clickEffect">
+                                  <p:stCondLst>
+                                    <p:cond delay="0"/>
+                                  </p:stCondLst>
+                                  <p:childTnLst>
+                                    <p:set>
+                                      <p:cBhvr>
+                                        <p:cTn id="12" dur="1" fill="hold">
+                                          <p:stCondLst>
+                                            <p:cond delay="0"/>
+                                          </p:stCondLst>
+                                        </p:cTn>
+                                        <p:tgtEl>
+                                          <p:spTgt spid="3">
+                                            <p:txEl>
+                                              <p:pRg st="1" end="1"/>
+                                            </p:txEl>
+                                          </p:spTgt>
+                                        </p:tgtEl>
+                                        <p:attrNameLst>
+                                          <p:attrName>style.visibility</p:attrName>
+                                        </p:attrNameLst>
+                                      </p:cBhvr>
+                                      <p:to>
+                                        <p:strVal val="visible"/>
+                                      </p:to>
+                                    </p:set>
+                                    <p:anim calcmode="lin" valueType="num">
+                                      <p:cBhvr additive="base">
+                                        <p:cTn id="13" dur="500" fill="hold"/>
+                                        <p:tgtEl>
+                                          <p:spTgt spid="3">
+                                            <p:txEl>
+                                              <p:pRg st="1" end="1"/>
+                                            </p:txEl>
+                                          </p:spTgt>
+                                        </p:tgtEl>
+                                        <p:attrNameLst>
+                                          <p:attrName>ppt_x</p:attrName>
+                                        </p:attrNameLst>
+                                      </p:cBhvr>
+                                      <p:tavLst>
+                                        <p:tav tm="0">
+                                          <p:val>
+                                            <p:strVal val="#ppt_x"/>
+                                          </p:val>
+                                        </p:tav>
+                                        <p:tav tm="100000">
+                                          <p:val>
+                                            <p:strVal val="#ppt_x"/>
+                                          </p:val>
+                                        </p:tav>
+                                      </p:tavLst>
+                                    </p:anim>
+                                    <p:anim calcmode="lin" valueType="num">
+                                      <p:cBhvr additive="base">
+                                        <p:cTn id="14" dur="500" fill="hold"/>
+                                        <p:tgtEl>
+                                          <p:spTgt spid="3">
+                                            <p:txEl>
+                                              <p:pRg st="1" end="1"/>
+                                            </p:txEl>
+                                          </p:spTgt>
+                                        </p:tgtEl>
+                                        <p:attrNameLst>
+                                          <p:attrName>ppt_y</p:attrName>
+                                        </p:attrNameLst>
+                                      </p:cBhvr>
+                                      <p:tavLst>
+                                        <p:tav tm="0">
+                                          <p:val>
+                                            <p:strVal val="1+#ppt_h/2"/>
+                                          </p:val>
+                                        </p:tav>
+                                        <p:tav tm="100000">
+                                          <p:val>
+                                            <p:strVal val="#ppt_y"/>
+                                          </p:val>
+                                        </p:tav>
+                                      </p:tavLst>
+                                    </p:anim>
+                                  </p:childTnLst>
+                                </p:cTn>
+                              </p:par>
+                            </p:childTnLst>
+                          </p:cTn>
+                        </p:par>
+                      </p:childTnLst>
+                    </p:cTn>
+                  </p:par>
+                  <p:par>
+                    <p:cTn id="15" fill="hold">
+                      <p:stCondLst>
+                        <p:cond delay="indefinite"/>
+                      </p:stCondLst>
+                      <p:childTnLst>
+                        <p:par>
+                          <p:cTn id="16" fill="hold">
+                            <p:stCondLst>
+                              <p:cond delay="0"/>
+                            </p:stCondLst>
+                            <p:childTnLst>
+                              <p:par>
+                                <p:cTn id="17" presetID="2" presetClass="entr" presetSubtype="4" fill="hold" nodeType="clickEffect">
+                                  <p:stCondLst>
+                                    <p:cond delay="0"/>
+                                  </p:stCondLst>
+                                  <p:childTnLst>
+                                    <p:set>
+                                      <p:cBhvr>
+                                        <p:cTn id="18" dur="1" fill="hold">
+                                          <p:stCondLst>
+                                            <p:cond delay="0"/>
+                                          </p:stCondLst>
+                                        </p:cTn>
+                                        <p:tgtEl>
+                                          <p:spTgt spid="3">
+                                            <p:txEl>
+                                              <p:pRg st="2" end="2"/>
+                                            </p:txEl>
+                                          </p:spTgt>
+                                        </p:tgtEl>
+                                        <p:attrNameLst>
+                                          <p:attrName>style.visibility</p:attrName>
+                                        </p:attrNameLst>
+                                      </p:cBhvr>
+                                      <p:to>
+                                        <p:strVal val="visible"/>
+                                      </p:to>
+                                    </p:set>
+                                    <p:anim calcmode="lin" valueType="num">
+                                      <p:cBhvr additive="base">
+                                        <p:cTn id="19" dur="500" fill="hold"/>
+                                        <p:tgtEl>
+                                          <p:spTgt spid="3">
+                                            <p:txEl>
+                                              <p:pRg st="2" end="2"/>
+                                            </p:txEl>
+                                          </p:spTgt>
+                                        </p:tgtEl>
+                                        <p:attrNameLst>
+                                          <p:attrName>ppt_x</p:attrName>
+                                        </p:attrNameLst>
+                                      </p:cBhvr>
+                                      <p:tavLst>
+                                        <p:tav tm="0">
+                                          <p:val>
+                                            <p:strVal val="#ppt_x"/>
+                                          </p:val>
+                                        </p:tav>
+                                        <p:tav tm="100000">
+                                          <p:val>
+                                            <p:strVal val="#ppt_x"/>
+                                          </p:val>
+                                        </p:tav>
+                                      </p:tavLst>
+                                    </p:anim>
+                                    <p:anim calcmode="lin" valueType="num">
+                                      <p:cBhvr additive="base">
+                                        <p:cTn id="20" dur="500" fill="hold"/>
+                                        <p:tgtEl>
+                                          <p:spTgt spid="3">
+                                            <p:txEl>
+                                              <p:pRg st="2" end="2"/>
+                                            </p:txEl>
+                                          </p:spTgt>
+                                        </p:tgtEl>
+                                        <p:attrNameLst>
+                                          <p:attrName>ppt_y</p:attrName>
+                                        </p:attrNameLst>
+                                      </p:cBhvr>
+                                      <p:tavLst>
+                                        <p:tav tm="0">
+                                          <p:val>
+                                            <p:strVal val="1+#ppt_h/2"/>
+                                          </p:val>
+                                        </p:tav>
+                                        <p:tav tm="100000">
+                                          <p:val>
+                                            <p:strVal val="#ppt_y"/>
+                                          </p:val>
+                                        </p:tav>
+                                      </p:tavLst>
+                                    </p:anim>
+                                  </p:childTnLst>
+                                </p:cTn>
+                              </p:par>
+                            </p:childTnLst>
+                          </p:cTn>
+                        </p:par>
+                      </p:childTnLst>
+                    </p:cTn>
+                  </p:par>
+                  <p:par>
+                    <p:cTn id="21" fill="hold">
+                      <p:stCondLst>
+                        <p:cond delay="indefinite"/>
+                      </p:stCondLst>
+                      <p:childTnLst>
+                        <p:par>
+                          <p:cTn id="22" fill="hold">
+                            <p:stCondLst>
+                              <p:cond delay="0"/>
+                            </p:stCondLst>
+                            <p:childTnLst>
+                              <p:par>
+                                <p:cTn id="23" presetID="2" presetClass="entr" presetSubtype="4" fill="hold" nodeType="clickEffect">
+                                  <p:stCondLst>
+                                    <p:cond delay="0"/>
+                                  </p:stCondLst>
+                                  <p:childTnLst>
+                                    <p:set>
+                                      <p:cBhvr>
+                                        <p:cTn id="24" dur="1" fill="hold">
+                                          <p:stCondLst>
+                                            <p:cond delay="0"/>
+                                          </p:stCondLst>
+                                        </p:cTn>
+                                        <p:tgtEl>
+                                          <p:spTgt spid="3">
+                                            <p:txEl>
+                                              <p:pRg st="3" end="3"/>
+                                            </p:txEl>
+                                          </p:spTgt>
+                                        </p:tgtEl>
+                                        <p:attrNameLst>
+                                          <p:attrName>style.visibility</p:attrName>
+                                        </p:attrNameLst>
+                                      </p:cBhvr>
+                                      <p:to>
+                                        <p:strVal val="visible"/>
+                                      </p:to>
+                                    </p:set>
+                                    <p:anim calcmode="lin" valueType="num">
+                                      <p:cBhvr additive="base">
+                                        <p:cTn id="25" dur="500" fill="hold"/>
+                                        <p:tgtEl>
+                                          <p:spTgt spid="3">
+                                            <p:txEl>
+                                              <p:pRg st="3" end="3"/>
+                                            </p:txEl>
+                                          </p:spTgt>
+                                        </p:tgtEl>
+                                        <p:attrNameLst>
+                                          <p:attrName>ppt_x</p:attrName>
+                                        </p:attrNameLst>
+                                      </p:cBhvr>
+                                      <p:tavLst>
+                                        <p:tav tm="0">
+                                          <p:val>
+                                            <p:strVal val="#ppt_x"/>
+                                          </p:val>
+                                        </p:tav>
+                                        <p:tav tm="100000">
+                                          <p:val>
+                                            <p:strVal val="#ppt_x"/>
+                                          </p:val>
+                                        </p:tav>
+                                      </p:tavLst>
+                                    </p:anim>
+                                    <p:anim calcmode="lin" valueType="num">
+                                      <p:cBhvr additive="base">
+                                        <p:cTn id="26" dur="500" fill="hold"/>
+                                        <p:tgtEl>
+                                          <p:spTgt spid="3">
+                                            <p:txEl>
+                                              <p:pRg st="3" end="3"/>
+                                            </p:txEl>
+                                          </p:spTgt>
+                                        </p:tgtEl>
+                                        <p:attrNameLst>
+                                          <p:attrName>ppt_y</p:attrName>
+                                        </p:attrNameLst>
+                                      </p:cBhvr>
+                                      <p:tavLst>
+                                        <p:tav tm="0">
+                                          <p:val>
+                                            <p:strVal val="1+#ppt_h/2"/>
+                                          </p:val>
+                                        </p:tav>
+                                        <p:tav tm="100000">
+                                          <p:val>
+                                            <p:strVal val="#ppt_y"/>
+                                          </p:val>
+                                        </p:tav>
+                                      </p:tavLst>
+                                    </p:anim>
+                                  </p:childTnLst>
+                                </p:cTn>
+                              </p:par>
+                            </p:childTnLst>
+                          </p:cTn>
+                        </p:par>
+                      </p:childTnLst>
+                    </p:cTn>
+                  </p:par>
+                  <p:par>
+                    <p:cTn id="27" fill="hold">
+                      <p:stCondLst>
+                        <p:cond delay="indefinite"/>
+                      </p:stCondLst>
+                      <p:childTnLst>
+                        <p:par>
+                          <p:cTn id="28" fill="hold">
+                            <p:stCondLst>
+                              <p:cond delay="0"/>
+                            </p:stCondLst>
+                            <p:childTnLst>
+                              <p:par>
+                                <p:cTn id="29" presetID="2" presetClass="entr" presetSubtype="4" fill="hold" nodeType="clickEffect">
+                                  <p:stCondLst>
+                                    <p:cond delay="0"/>
+                                  </p:stCondLst>
+                                  <p:childTnLst>
+                                    <p:set>
+                                      <p:cBhvr>
+                                        <p:cTn id="30" dur="1" fill="hold">
+                                          <p:stCondLst>
+                                            <p:cond delay="0"/>
+                                          </p:stCondLst>
+                                        </p:cTn>
+                                        <p:tgtEl>
+                                          <p:spTgt spid="3">
+                                            <p:txEl>
+                                              <p:pRg st="4" end="4"/>
+                                            </p:txEl>
+                                          </p:spTgt>
+                                        </p:tgtEl>
+                                        <p:attrNameLst>
+                                          <p:attrName>style.visibility</p:attrName>
+                                        </p:attrNameLst>
+                                      </p:cBhvr>
+                                      <p:to>
+                                        <p:strVal val="visible"/>
+                                      </p:to>
+                                    </p:set>
+                                    <p:anim calcmode="lin" valueType="num">
+                                      <p:cBhvr additive="base">
+                                        <p:cTn id="31" dur="500" fill="hold"/>
+                                        <p:tgtEl>
+                                          <p:spTgt spid="3">
+                                            <p:txEl>
+                                              <p:pRg st="4" end="4"/>
+                                            </p:txEl>
+                                          </p:spTgt>
+                                        </p:tgtEl>
+                                        <p:attrNameLst>
+                                          <p:attrName>ppt_x</p:attrName>
+                                        </p:attrNameLst>
+                                      </p:cBhvr>
+                                      <p:tavLst>
+                                        <p:tav tm="0">
+                                          <p:val>
+                                            <p:strVal val="#ppt_x"/>
+                                          </p:val>
+                                        </p:tav>
+                                        <p:tav tm="100000">
+                                          <p:val>
+                                            <p:strVal val="#ppt_x"/>
+                                          </p:val>
+                                        </p:tav>
+                                      </p:tavLst>
+                                    </p:anim>
+                                    <p:anim calcmode="lin" valueType="num">
+                                      <p:cBhvr additive="base">
+                                        <p:cTn id="32" dur="500" fill="hold"/>
+                                        <p:tgtEl>
+                                          <p:spTgt spid="3">
+                                            <p:txEl>
+                                              <p:pRg st="4" end="4"/>
+                                            </p:txEl>
+                                          </p:spTgt>
+                                        </p:tgtEl>
+                                        <p:attrNameLst>
+                                          <p:attrName>ppt_y</p:attrName>
+                                        </p:attrNameLst>
+                                      </p:cBhvr>
+                                      <p:tavLst>
+                                        <p:tav tm="0">
+                                          <p:val>
+                                            <p:strVal val="1+#ppt_h/2"/>
+                                          </p:val>
+                                        </p:tav>
+                                        <p:tav tm="100000">
+                                          <p:val>
+                                            <p:strVal val="#ppt_y"/>
+                                          </p:val>
+                                        </p:tav>
+                                      </p:tavLst>
+                                    </p:anim>
+                                  </p:childTnLst>
+                                </p:cTn>
+                              </p:par>
+                            </p:childTnLst>
+                          </p:cTn>
+                        </p:par>
+                      </p:childTnLst>
+                    </p:cTn>
+                  </p:par>
+                </p:childTnLst>
+              </p:cTn>
+              <p:prevCondLst>
+                <p:cond evt="onPrev" delay="0">
+                  <p:tgtEl>
+                    <p:sldTgt/>
+                  </p:tgtEl>
+                </p:cond>
+              </p:prevCondLst>
+              <p:nextCondLst>
+                <p:cond evt="onNext" delay="0">
+                  <p:tgtEl>
+                    <p:sldTgt/>
+                  </p:tgtEl>
+                </p:cond>
+              </p:nextCondLst>
+            </p:seq>
+          </p:childTnLst>
+        </p:cTn>
+      </p:par>
+    </p:tnLst>
+  </p:timing>
+</p:sld>
+</file>
+
+<file path=ppt/slides/slide12.xml><?xml version="1.0" encoding="utf-8"?>
+<p:sld xmlns:a="http://schemas.openxmlformats.org/drawingml/2006/main" xmlns:r="http://schemas.openxmlformats.org/officeDocument/2006/relationships" xmlns:p="http://schemas.openxmlformats.org/presentationml/2006/main">
+  <p:cSld>
+    <p:spTree>
+      <p:nvGrpSpPr>
+        <p:cNvPr id="1" name=""/>
+        <p:cNvGrpSpPr/>
+        <p:nvPr/>
+      </p:nvGrpSpPr>
+      <p:grpSpPr>
+        <a:xfrm>
+          <a:off x="0" y="0"/>
+          <a:ext cx="0" cy="0"/>
+          <a:chOff x="0" y="0"/>
+          <a:chExt cx="0" cy="0"/>
+        </a:xfrm>
+      </p:grpSpPr>
+      <p:sp>
+        <p:nvSpPr>
           <p:cNvPr id="2" name="标题 1"/>
           <p:cNvSpPr>
             <a:spLocks noGrp="1"/>
@@ -4319,7 +5315,7 @@
 </p:sld>
 </file>
 
-<file path=ppt/slides/slide11.xml><?xml version="1.0" encoding="utf-8"?>
+<file path=ppt/slides/slide13.xml><?xml version="1.0" encoding="utf-8"?>
 <p:sld xmlns:a="http://schemas.openxmlformats.org/drawingml/2006/main" xmlns:r="http://schemas.openxmlformats.org/officeDocument/2006/relationships" xmlns:p="http://schemas.openxmlformats.org/presentationml/2006/main">
   <p:cSld>
     <p:spTree>
@@ -5238,7 +6234,7 @@
 </p:sld>
 </file>
 
-<file path=ppt/slides/slide12.xml><?xml version="1.0" encoding="utf-8"?>
+<file path=ppt/slides/slide14.xml><?xml version="1.0" encoding="utf-8"?>
 <p:sld xmlns:a="http://schemas.openxmlformats.org/drawingml/2006/main" xmlns:r="http://schemas.openxmlformats.org/officeDocument/2006/relationships" xmlns:p="http://schemas.openxmlformats.org/presentationml/2006/main">
   <p:cSld>
     <p:spTree>
@@ -6363,7 +7359,7 @@
 </p:sld>
 </file>
 
-<file path=ppt/slides/slide13.xml><?xml version="1.0" encoding="utf-8"?>
+<file path=ppt/slides/slide15.xml><?xml version="1.0" encoding="utf-8"?>
 <p:sld xmlns:a="http://schemas.openxmlformats.org/drawingml/2006/main" xmlns:r="http://schemas.openxmlformats.org/officeDocument/2006/relationships" xmlns:p="http://schemas.openxmlformats.org/presentationml/2006/main">
   <p:cSld>
     <p:spTree>
@@ -7257,7 +8253,7 @@
 </p:sld>
 </file>
 
-<file path=ppt/slides/slide14.xml><?xml version="1.0" encoding="utf-8"?>
+<file path=ppt/slides/slide16.xml><?xml version="1.0" encoding="utf-8"?>
 <p:sld xmlns:a="http://schemas.openxmlformats.org/drawingml/2006/main" xmlns:r="http://schemas.openxmlformats.org/officeDocument/2006/relationships" xmlns:p="http://schemas.openxmlformats.org/presentationml/2006/main">
   <p:cSld>
     <p:spTree>
@@ -7618,7 +8614,7 @@
 </p:sld>
 </file>
 
-<file path=ppt/slides/slide15.xml><?xml version="1.0" encoding="utf-8"?>
+<file path=ppt/slides/slide17.xml><?xml version="1.0" encoding="utf-8"?>
 <p:sld xmlns:a="http://schemas.openxmlformats.org/drawingml/2006/main" xmlns:r="http://schemas.openxmlformats.org/officeDocument/2006/relationships" xmlns:p="http://schemas.openxmlformats.org/presentationml/2006/main">
   <p:cSld>
     <p:spTree>
@@ -8351,7 +9347,7 @@
 </p:sld>
 </file>
 
-<file path=ppt/slides/slide16.xml><?xml version="1.0" encoding="utf-8"?>
+<file path=ppt/slides/slide18.xml><?xml version="1.0" encoding="utf-8"?>
 <p:sld xmlns:a="http://schemas.openxmlformats.org/drawingml/2006/main" xmlns:r="http://schemas.openxmlformats.org/officeDocument/2006/relationships" xmlns:p="http://schemas.openxmlformats.org/presentationml/2006/main">
   <p:cSld>
     <p:spTree>
@@ -8483,7 +9479,7 @@
 </p:sld>
 </file>
 
-<file path=ppt/slides/slide17.xml><?xml version="1.0" encoding="utf-8"?>
+<file path=ppt/slides/slide19.xml><?xml version="1.0" encoding="utf-8"?>
 <p:sld xmlns:a="http://schemas.openxmlformats.org/drawingml/2006/main" xmlns:r="http://schemas.openxmlformats.org/officeDocument/2006/relationships" xmlns:p="http://schemas.openxmlformats.org/presentationml/2006/main">
   <p:cSld>
     <p:spTree>
@@ -8610,7 +9606,671 @@
 </p:sld>
 </file>
 
-<file path=ppt/slides/slide18.xml><?xml version="1.0" encoding="utf-8"?>
+<file path=ppt/slides/slide2.xml><?xml version="1.0" encoding="utf-8"?>
+<p:sld xmlns:a="http://schemas.openxmlformats.org/drawingml/2006/main" xmlns:r="http://schemas.openxmlformats.org/officeDocument/2006/relationships" xmlns:p="http://schemas.openxmlformats.org/presentationml/2006/main">
+  <p:cSld>
+    <p:spTree>
+      <p:nvGrpSpPr>
+        <p:cNvPr id="1" name=""/>
+        <p:cNvGrpSpPr/>
+        <p:nvPr/>
+      </p:nvGrpSpPr>
+      <p:grpSpPr>
+        <a:xfrm>
+          <a:off x="0" y="0"/>
+          <a:ext cx="0" cy="0"/>
+          <a:chOff x="0" y="0"/>
+          <a:chExt cx="0" cy="0"/>
+        </a:xfrm>
+      </p:grpSpPr>
+      <p:sp>
+        <p:nvSpPr>
+          <p:cNvPr id="2" name="标题 1"/>
+          <p:cNvSpPr>
+            <a:spLocks noGrp="1"/>
+          </p:cNvSpPr>
+          <p:nvPr>
+            <p:ph type="title"/>
+          </p:nvPr>
+        </p:nvSpPr>
+        <p:spPr/>
+        <p:txBody>
+          <a:bodyPr/>
+          <a:lstStyle/>
+          <a:p>
+            <a:r>
+              <a:rPr lang="zh-CN" altLang="en-US" dirty="0"/>
+              <a:t>内容回顾</a:t>
+            </a:r>
+          </a:p>
+        </p:txBody>
+      </p:sp>
+      <p:sp>
+        <p:nvSpPr>
+          <p:cNvPr id="3" name="内容占位符 2"/>
+          <p:cNvSpPr>
+            <a:spLocks noGrp="1"/>
+          </p:cNvSpPr>
+          <p:nvPr>
+            <p:ph idx="1"/>
+          </p:nvPr>
+        </p:nvSpPr>
+        <p:spPr>
+          <a:xfrm>
+            <a:off x="717551" y="1124744"/>
+            <a:ext cx="10668000" cy="4267200"/>
+          </a:xfrm>
+        </p:spPr>
+        <p:txBody>
+          <a:bodyPr/>
+          <a:lstStyle/>
+          <a:p>
+            <a:r>
+              <a:rPr lang="zh-CN" altLang="en-US" dirty="0"/>
+              <a:t>决策表法设计测试用例</a:t>
+            </a:r>
+            <a:endParaRPr lang="en-US" altLang="zh-CN" dirty="0"/>
+          </a:p>
+          <a:p>
+            <a:pPr lvl="1"/>
+            <a:r>
+              <a:rPr lang="zh-CN" altLang="en-US" dirty="0"/>
+              <a:t>什么是决策表法设计测试用例</a:t>
+            </a:r>
+            <a:endParaRPr lang="en-US" altLang="zh-CN" dirty="0"/>
+          </a:p>
+          <a:p>
+            <a:pPr lvl="1"/>
+            <a:r>
+              <a:rPr lang="zh-CN" altLang="en-US" dirty="0"/>
+              <a:t>什么是条件桩、动作桩、条件项、动作项</a:t>
+            </a:r>
+            <a:endParaRPr lang="en-US" altLang="zh-CN" dirty="0"/>
+          </a:p>
+          <a:p>
+            <a:pPr lvl="1"/>
+            <a:r>
+              <a:rPr lang="zh-CN" altLang="en-US" dirty="0"/>
+              <a:t>决策表法设计测试用例适用场景</a:t>
+            </a:r>
+            <a:endParaRPr lang="en-US" altLang="zh-CN" dirty="0"/>
+          </a:p>
+          <a:p>
+            <a:pPr lvl="1"/>
+            <a:r>
+              <a:rPr lang="zh-CN" altLang="en-US" dirty="0"/>
+              <a:t>决策表法设计测试用例步骤</a:t>
+            </a:r>
+            <a:endParaRPr lang="en-US" altLang="zh-CN" dirty="0"/>
+          </a:p>
+          <a:p>
+            <a:pPr lvl="1"/>
+            <a:endParaRPr lang="zh-CN" altLang="en-US" dirty="0"/>
+          </a:p>
+        </p:txBody>
+      </p:sp>
+    </p:spTree>
+    <p:extLst>
+      <p:ext uri="{BB962C8B-B14F-4D97-AF65-F5344CB8AC3E}">
+        <p14:creationId xmlns:p14="http://schemas.microsoft.com/office/powerpoint/2010/main" val="4078345114"/>
+      </p:ext>
+    </p:extLst>
+  </p:cSld>
+  <p:clrMapOvr>
+    <a:masterClrMapping/>
+  </p:clrMapOvr>
+  <p:transition>
+    <p:blinds dir="vert"/>
+  </p:transition>
+  <p:timing>
+    <p:tnLst>
+      <p:par>
+        <p:cTn id="1" dur="indefinite" restart="never" nodeType="tmRoot">
+          <p:childTnLst>
+            <p:seq concurrent="1" nextAc="seek">
+              <p:cTn id="2" dur="indefinite" nodeType="mainSeq">
+                <p:childTnLst>
+                  <p:par>
+                    <p:cTn id="3" fill="hold">
+                      <p:stCondLst>
+                        <p:cond delay="indefinite"/>
+                      </p:stCondLst>
+                      <p:childTnLst>
+                        <p:par>
+                          <p:cTn id="4" fill="hold">
+                            <p:stCondLst>
+                              <p:cond delay="0"/>
+                            </p:stCondLst>
+                            <p:childTnLst>
+                              <p:par>
+                                <p:cTn id="5" presetID="2" presetClass="entr" presetSubtype="4" fill="hold" nodeType="clickEffect">
+                                  <p:stCondLst>
+                                    <p:cond delay="0"/>
+                                  </p:stCondLst>
+                                  <p:childTnLst>
+                                    <p:set>
+                                      <p:cBhvr>
+                                        <p:cTn id="6" dur="1" fill="hold">
+                                          <p:stCondLst>
+                                            <p:cond delay="0"/>
+                                          </p:stCondLst>
+                                        </p:cTn>
+                                        <p:tgtEl>
+                                          <p:spTgt spid="3">
+                                            <p:txEl>
+                                              <p:pRg st="0" end="0"/>
+                                            </p:txEl>
+                                          </p:spTgt>
+                                        </p:tgtEl>
+                                        <p:attrNameLst>
+                                          <p:attrName>style.visibility</p:attrName>
+                                        </p:attrNameLst>
+                                      </p:cBhvr>
+                                      <p:to>
+                                        <p:strVal val="visible"/>
+                                      </p:to>
+                                    </p:set>
+                                    <p:anim calcmode="lin" valueType="num">
+                                      <p:cBhvr additive="base">
+                                        <p:cTn id="7" dur="500" fill="hold"/>
+                                        <p:tgtEl>
+                                          <p:spTgt spid="3">
+                                            <p:txEl>
+                                              <p:pRg st="0" end="0"/>
+                                            </p:txEl>
+                                          </p:spTgt>
+                                        </p:tgtEl>
+                                        <p:attrNameLst>
+                                          <p:attrName>ppt_x</p:attrName>
+                                        </p:attrNameLst>
+                                      </p:cBhvr>
+                                      <p:tavLst>
+                                        <p:tav tm="0">
+                                          <p:val>
+                                            <p:strVal val="#ppt_x"/>
+                                          </p:val>
+                                        </p:tav>
+                                        <p:tav tm="100000">
+                                          <p:val>
+                                            <p:strVal val="#ppt_x"/>
+                                          </p:val>
+                                        </p:tav>
+                                      </p:tavLst>
+                                    </p:anim>
+                                    <p:anim calcmode="lin" valueType="num">
+                                      <p:cBhvr additive="base">
+                                        <p:cTn id="8" dur="500" fill="hold"/>
+                                        <p:tgtEl>
+                                          <p:spTgt spid="3">
+                                            <p:txEl>
+                                              <p:pRg st="0" end="0"/>
+                                            </p:txEl>
+                                          </p:spTgt>
+                                        </p:tgtEl>
+                                        <p:attrNameLst>
+                                          <p:attrName>ppt_y</p:attrName>
+                                        </p:attrNameLst>
+                                      </p:cBhvr>
+                                      <p:tavLst>
+                                        <p:tav tm="0">
+                                          <p:val>
+                                            <p:strVal val="1+#ppt_h/2"/>
+                                          </p:val>
+                                        </p:tav>
+                                        <p:tav tm="100000">
+                                          <p:val>
+                                            <p:strVal val="#ppt_y"/>
+                                          </p:val>
+                                        </p:tav>
+                                      </p:tavLst>
+                                    </p:anim>
+                                  </p:childTnLst>
+                                </p:cTn>
+                              </p:par>
+                            </p:childTnLst>
+                          </p:cTn>
+                        </p:par>
+                      </p:childTnLst>
+                    </p:cTn>
+                  </p:par>
+                  <p:par>
+                    <p:cTn id="9" fill="hold">
+                      <p:stCondLst>
+                        <p:cond delay="indefinite"/>
+                      </p:stCondLst>
+                      <p:childTnLst>
+                        <p:par>
+                          <p:cTn id="10" fill="hold">
+                            <p:stCondLst>
+                              <p:cond delay="0"/>
+                            </p:stCondLst>
+                            <p:childTnLst>
+                              <p:par>
+                                <p:cTn id="11" presetID="2" presetClass="entr" presetSubtype="4" fill="hold" nodeType="clickEffect">
+                                  <p:stCondLst>
+                                    <p:cond delay="0"/>
+                                  </p:stCondLst>
+                                  <p:childTnLst>
+                                    <p:set>
+                                      <p:cBhvr>
+                                        <p:cTn id="12" dur="1" fill="hold">
+                                          <p:stCondLst>
+                                            <p:cond delay="0"/>
+                                          </p:stCondLst>
+                                        </p:cTn>
+                                        <p:tgtEl>
+                                          <p:spTgt spid="3">
+                                            <p:txEl>
+                                              <p:pRg st="1" end="1"/>
+                                            </p:txEl>
+                                          </p:spTgt>
+                                        </p:tgtEl>
+                                        <p:attrNameLst>
+                                          <p:attrName>style.visibility</p:attrName>
+                                        </p:attrNameLst>
+                                      </p:cBhvr>
+                                      <p:to>
+                                        <p:strVal val="visible"/>
+                                      </p:to>
+                                    </p:set>
+                                    <p:anim calcmode="lin" valueType="num">
+                                      <p:cBhvr additive="base">
+                                        <p:cTn id="13" dur="500" fill="hold"/>
+                                        <p:tgtEl>
+                                          <p:spTgt spid="3">
+                                            <p:txEl>
+                                              <p:pRg st="1" end="1"/>
+                                            </p:txEl>
+                                          </p:spTgt>
+                                        </p:tgtEl>
+                                        <p:attrNameLst>
+                                          <p:attrName>ppt_x</p:attrName>
+                                        </p:attrNameLst>
+                                      </p:cBhvr>
+                                      <p:tavLst>
+                                        <p:tav tm="0">
+                                          <p:val>
+                                            <p:strVal val="#ppt_x"/>
+                                          </p:val>
+                                        </p:tav>
+                                        <p:tav tm="100000">
+                                          <p:val>
+                                            <p:strVal val="#ppt_x"/>
+                                          </p:val>
+                                        </p:tav>
+                                      </p:tavLst>
+                                    </p:anim>
+                                    <p:anim calcmode="lin" valueType="num">
+                                      <p:cBhvr additive="base">
+                                        <p:cTn id="14" dur="500" fill="hold"/>
+                                        <p:tgtEl>
+                                          <p:spTgt spid="3">
+                                            <p:txEl>
+                                              <p:pRg st="1" end="1"/>
+                                            </p:txEl>
+                                          </p:spTgt>
+                                        </p:tgtEl>
+                                        <p:attrNameLst>
+                                          <p:attrName>ppt_y</p:attrName>
+                                        </p:attrNameLst>
+                                      </p:cBhvr>
+                                      <p:tavLst>
+                                        <p:tav tm="0">
+                                          <p:val>
+                                            <p:strVal val="1+#ppt_h/2"/>
+                                          </p:val>
+                                        </p:tav>
+                                        <p:tav tm="100000">
+                                          <p:val>
+                                            <p:strVal val="#ppt_y"/>
+                                          </p:val>
+                                        </p:tav>
+                                      </p:tavLst>
+                                    </p:anim>
+                                  </p:childTnLst>
+                                </p:cTn>
+                              </p:par>
+                            </p:childTnLst>
+                          </p:cTn>
+                        </p:par>
+                      </p:childTnLst>
+                    </p:cTn>
+                  </p:par>
+                  <p:par>
+                    <p:cTn id="15" fill="hold">
+                      <p:stCondLst>
+                        <p:cond delay="indefinite"/>
+                      </p:stCondLst>
+                      <p:childTnLst>
+                        <p:par>
+                          <p:cTn id="16" fill="hold">
+                            <p:stCondLst>
+                              <p:cond delay="0"/>
+                            </p:stCondLst>
+                            <p:childTnLst>
+                              <p:par>
+                                <p:cTn id="17" presetID="2" presetClass="entr" presetSubtype="4" fill="hold" nodeType="clickEffect">
+                                  <p:stCondLst>
+                                    <p:cond delay="0"/>
+                                  </p:stCondLst>
+                                  <p:childTnLst>
+                                    <p:set>
+                                      <p:cBhvr>
+                                        <p:cTn id="18" dur="1" fill="hold">
+                                          <p:stCondLst>
+                                            <p:cond delay="0"/>
+                                          </p:stCondLst>
+                                        </p:cTn>
+                                        <p:tgtEl>
+                                          <p:spTgt spid="3">
+                                            <p:txEl>
+                                              <p:pRg st="2" end="2"/>
+                                            </p:txEl>
+                                          </p:spTgt>
+                                        </p:tgtEl>
+                                        <p:attrNameLst>
+                                          <p:attrName>style.visibility</p:attrName>
+                                        </p:attrNameLst>
+                                      </p:cBhvr>
+                                      <p:to>
+                                        <p:strVal val="visible"/>
+                                      </p:to>
+                                    </p:set>
+                                    <p:anim calcmode="lin" valueType="num">
+                                      <p:cBhvr additive="base">
+                                        <p:cTn id="19" dur="500" fill="hold"/>
+                                        <p:tgtEl>
+                                          <p:spTgt spid="3">
+                                            <p:txEl>
+                                              <p:pRg st="2" end="2"/>
+                                            </p:txEl>
+                                          </p:spTgt>
+                                        </p:tgtEl>
+                                        <p:attrNameLst>
+                                          <p:attrName>ppt_x</p:attrName>
+                                        </p:attrNameLst>
+                                      </p:cBhvr>
+                                      <p:tavLst>
+                                        <p:tav tm="0">
+                                          <p:val>
+                                            <p:strVal val="#ppt_x"/>
+                                          </p:val>
+                                        </p:tav>
+                                        <p:tav tm="100000">
+                                          <p:val>
+                                            <p:strVal val="#ppt_x"/>
+                                          </p:val>
+                                        </p:tav>
+                                      </p:tavLst>
+                                    </p:anim>
+                                    <p:anim calcmode="lin" valueType="num">
+                                      <p:cBhvr additive="base">
+                                        <p:cTn id="20" dur="500" fill="hold"/>
+                                        <p:tgtEl>
+                                          <p:spTgt spid="3">
+                                            <p:txEl>
+                                              <p:pRg st="2" end="2"/>
+                                            </p:txEl>
+                                          </p:spTgt>
+                                        </p:tgtEl>
+                                        <p:attrNameLst>
+                                          <p:attrName>ppt_y</p:attrName>
+                                        </p:attrNameLst>
+                                      </p:cBhvr>
+                                      <p:tavLst>
+                                        <p:tav tm="0">
+                                          <p:val>
+                                            <p:strVal val="1+#ppt_h/2"/>
+                                          </p:val>
+                                        </p:tav>
+                                        <p:tav tm="100000">
+                                          <p:val>
+                                            <p:strVal val="#ppt_y"/>
+                                          </p:val>
+                                        </p:tav>
+                                      </p:tavLst>
+                                    </p:anim>
+                                  </p:childTnLst>
+                                </p:cTn>
+                              </p:par>
+                            </p:childTnLst>
+                          </p:cTn>
+                        </p:par>
+                      </p:childTnLst>
+                    </p:cTn>
+                  </p:par>
+                  <p:par>
+                    <p:cTn id="21" fill="hold">
+                      <p:stCondLst>
+                        <p:cond delay="indefinite"/>
+                      </p:stCondLst>
+                      <p:childTnLst>
+                        <p:par>
+                          <p:cTn id="22" fill="hold">
+                            <p:stCondLst>
+                              <p:cond delay="0"/>
+                            </p:stCondLst>
+                            <p:childTnLst>
+                              <p:par>
+                                <p:cTn id="23" presetID="2" presetClass="entr" presetSubtype="4" fill="hold" nodeType="clickEffect">
+                                  <p:stCondLst>
+                                    <p:cond delay="0"/>
+                                  </p:stCondLst>
+                                  <p:childTnLst>
+                                    <p:set>
+                                      <p:cBhvr>
+                                        <p:cTn id="24" dur="1" fill="hold">
+                                          <p:stCondLst>
+                                            <p:cond delay="0"/>
+                                          </p:stCondLst>
+                                        </p:cTn>
+                                        <p:tgtEl>
+                                          <p:spTgt spid="3">
+                                            <p:txEl>
+                                              <p:pRg st="3" end="3"/>
+                                            </p:txEl>
+                                          </p:spTgt>
+                                        </p:tgtEl>
+                                        <p:attrNameLst>
+                                          <p:attrName>style.visibility</p:attrName>
+                                        </p:attrNameLst>
+                                      </p:cBhvr>
+                                      <p:to>
+                                        <p:strVal val="visible"/>
+                                      </p:to>
+                                    </p:set>
+                                    <p:anim calcmode="lin" valueType="num">
+                                      <p:cBhvr additive="base">
+                                        <p:cTn id="25" dur="500" fill="hold"/>
+                                        <p:tgtEl>
+                                          <p:spTgt spid="3">
+                                            <p:txEl>
+                                              <p:pRg st="3" end="3"/>
+                                            </p:txEl>
+                                          </p:spTgt>
+                                        </p:tgtEl>
+                                        <p:attrNameLst>
+                                          <p:attrName>ppt_x</p:attrName>
+                                        </p:attrNameLst>
+                                      </p:cBhvr>
+                                      <p:tavLst>
+                                        <p:tav tm="0">
+                                          <p:val>
+                                            <p:strVal val="#ppt_x"/>
+                                          </p:val>
+                                        </p:tav>
+                                        <p:tav tm="100000">
+                                          <p:val>
+                                            <p:strVal val="#ppt_x"/>
+                                          </p:val>
+                                        </p:tav>
+                                      </p:tavLst>
+                                    </p:anim>
+                                    <p:anim calcmode="lin" valueType="num">
+                                      <p:cBhvr additive="base">
+                                        <p:cTn id="26" dur="500" fill="hold"/>
+                                        <p:tgtEl>
+                                          <p:spTgt spid="3">
+                                            <p:txEl>
+                                              <p:pRg st="3" end="3"/>
+                                            </p:txEl>
+                                          </p:spTgt>
+                                        </p:tgtEl>
+                                        <p:attrNameLst>
+                                          <p:attrName>ppt_y</p:attrName>
+                                        </p:attrNameLst>
+                                      </p:cBhvr>
+                                      <p:tavLst>
+                                        <p:tav tm="0">
+                                          <p:val>
+                                            <p:strVal val="1+#ppt_h/2"/>
+                                          </p:val>
+                                        </p:tav>
+                                        <p:tav tm="100000">
+                                          <p:val>
+                                            <p:strVal val="#ppt_y"/>
+                                          </p:val>
+                                        </p:tav>
+                                      </p:tavLst>
+                                    </p:anim>
+                                  </p:childTnLst>
+                                </p:cTn>
+                              </p:par>
+                            </p:childTnLst>
+                          </p:cTn>
+                        </p:par>
+                      </p:childTnLst>
+                    </p:cTn>
+                  </p:par>
+                  <p:par>
+                    <p:cTn id="27" fill="hold">
+                      <p:stCondLst>
+                        <p:cond delay="indefinite"/>
+                      </p:stCondLst>
+                      <p:childTnLst>
+                        <p:par>
+                          <p:cTn id="28" fill="hold">
+                            <p:stCondLst>
+                              <p:cond delay="0"/>
+                            </p:stCondLst>
+                            <p:childTnLst>
+                              <p:par>
+                                <p:cTn id="29" presetID="2" presetClass="entr" presetSubtype="4" fill="hold" nodeType="clickEffect">
+                                  <p:stCondLst>
+                                    <p:cond delay="0"/>
+                                  </p:stCondLst>
+                                  <p:childTnLst>
+                                    <p:set>
+                                      <p:cBhvr>
+                                        <p:cTn id="30" dur="1" fill="hold">
+                                          <p:stCondLst>
+                                            <p:cond delay="0"/>
+                                          </p:stCondLst>
+                                        </p:cTn>
+                                        <p:tgtEl>
+                                          <p:spTgt spid="3">
+                                            <p:txEl>
+                                              <p:pRg st="4" end="4"/>
+                                            </p:txEl>
+                                          </p:spTgt>
+                                        </p:tgtEl>
+                                        <p:attrNameLst>
+                                          <p:attrName>style.visibility</p:attrName>
+                                        </p:attrNameLst>
+                                      </p:cBhvr>
+                                      <p:to>
+                                        <p:strVal val="visible"/>
+                                      </p:to>
+                                    </p:set>
+                                    <p:anim calcmode="lin" valueType="num">
+                                      <p:cBhvr additive="base">
+                                        <p:cTn id="31" dur="500" fill="hold"/>
+                                        <p:tgtEl>
+                                          <p:spTgt spid="3">
+                                            <p:txEl>
+                                              <p:pRg st="4" end="4"/>
+                                            </p:txEl>
+                                          </p:spTgt>
+                                        </p:tgtEl>
+                                        <p:attrNameLst>
+                                          <p:attrName>ppt_x</p:attrName>
+                                        </p:attrNameLst>
+                                      </p:cBhvr>
+                                      <p:tavLst>
+                                        <p:tav tm="0">
+                                          <p:val>
+                                            <p:strVal val="#ppt_x"/>
+                                          </p:val>
+                                        </p:tav>
+                                        <p:tav tm="100000">
+                                          <p:val>
+                                            <p:strVal val="#ppt_x"/>
+                                          </p:val>
+                                        </p:tav>
+                                      </p:tavLst>
+                                    </p:anim>
+                                    <p:anim calcmode="lin" valueType="num">
+                                      <p:cBhvr additive="base">
+                                        <p:cTn id="32" dur="500" fill="hold"/>
+                                        <p:tgtEl>
+                                          <p:spTgt spid="3">
+                                            <p:txEl>
+                                              <p:pRg st="4" end="4"/>
+                                            </p:txEl>
+                                          </p:spTgt>
+                                        </p:tgtEl>
+                                        <p:attrNameLst>
+                                          <p:attrName>ppt_y</p:attrName>
+                                        </p:attrNameLst>
+                                      </p:cBhvr>
+                                      <p:tavLst>
+                                        <p:tav tm="0">
+                                          <p:val>
+                                            <p:strVal val="1+#ppt_h/2"/>
+                                          </p:val>
+                                        </p:tav>
+                                        <p:tav tm="100000">
+                                          <p:val>
+                                            <p:strVal val="#ppt_y"/>
+                                          </p:val>
+                                        </p:tav>
+                                      </p:tavLst>
+                                    </p:anim>
+                                  </p:childTnLst>
+                                </p:cTn>
+                              </p:par>
+                            </p:childTnLst>
+                          </p:cTn>
+                        </p:par>
+                      </p:childTnLst>
+                    </p:cTn>
+                  </p:par>
+                </p:childTnLst>
+              </p:cTn>
+              <p:prevCondLst>
+                <p:cond evt="onPrev" delay="0">
+                  <p:tgtEl>
+                    <p:sldTgt/>
+                  </p:tgtEl>
+                </p:cond>
+              </p:prevCondLst>
+              <p:nextCondLst>
+                <p:cond evt="onNext" delay="0">
+                  <p:tgtEl>
+                    <p:sldTgt/>
+                  </p:tgtEl>
+                </p:cond>
+              </p:nextCondLst>
+            </p:seq>
+          </p:childTnLst>
+        </p:cTn>
+      </p:par>
+    </p:tnLst>
+  </p:timing>
+</p:sld>
+</file>
+
+<file path=ppt/slides/slide20.xml><?xml version="1.0" encoding="utf-8"?>
 <p:sld xmlns:a="http://schemas.openxmlformats.org/drawingml/2006/main" xmlns:r="http://schemas.openxmlformats.org/officeDocument/2006/relationships" xmlns:p="http://schemas.openxmlformats.org/presentationml/2006/main">
   <p:cSld>
     <p:spTree>
@@ -9385,7 +11045,7 @@
 </p:sld>
 </file>
 
-<file path=ppt/slides/slide19.xml><?xml version="1.0" encoding="utf-8"?>
+<file path=ppt/slides/slide21.xml><?xml version="1.0" encoding="utf-8"?>
 <p:sld xmlns:a="http://schemas.openxmlformats.org/drawingml/2006/main" xmlns:r="http://schemas.openxmlformats.org/officeDocument/2006/relationships" xmlns:p="http://schemas.openxmlformats.org/presentationml/2006/main">
   <p:cSld>
     <p:spTree>
@@ -9493,772 +11153,7 @@
 </p:sld>
 </file>
 
-<file path=ppt/slides/slide2.xml><?xml version="1.0" encoding="utf-8"?>
-<p:sld xmlns:a="http://schemas.openxmlformats.org/drawingml/2006/main" xmlns:r="http://schemas.openxmlformats.org/officeDocument/2006/relationships" xmlns:p="http://schemas.openxmlformats.org/presentationml/2006/main">
-  <p:cSld>
-    <p:spTree>
-      <p:nvGrpSpPr>
-        <p:cNvPr id="1" name=""/>
-        <p:cNvGrpSpPr/>
-        <p:nvPr/>
-      </p:nvGrpSpPr>
-      <p:grpSpPr>
-        <a:xfrm>
-          <a:off x="0" y="0"/>
-          <a:ext cx="0" cy="0"/>
-          <a:chOff x="0" y="0"/>
-          <a:chExt cx="0" cy="0"/>
-        </a:xfrm>
-      </p:grpSpPr>
-      <p:sp>
-        <p:nvSpPr>
-          <p:cNvPr id="2" name="标题 1"/>
-          <p:cNvSpPr>
-            <a:spLocks noGrp="1"/>
-          </p:cNvSpPr>
-          <p:nvPr>
-            <p:ph type="title"/>
-          </p:nvPr>
-        </p:nvSpPr>
-        <p:spPr/>
-        <p:txBody>
-          <a:bodyPr/>
-          <a:lstStyle/>
-          <a:p>
-            <a:r>
-              <a:rPr lang="zh-CN" altLang="en-US" dirty="0"/>
-              <a:t>内容回顾</a:t>
-            </a:r>
-          </a:p>
-        </p:txBody>
-      </p:sp>
-      <p:sp>
-        <p:nvSpPr>
-          <p:cNvPr id="3" name="内容占位符 2"/>
-          <p:cNvSpPr>
-            <a:spLocks noGrp="1"/>
-          </p:cNvSpPr>
-          <p:nvPr>
-            <p:ph idx="1"/>
-          </p:nvPr>
-        </p:nvSpPr>
-        <p:spPr/>
-        <p:txBody>
-          <a:bodyPr/>
-          <a:lstStyle/>
-          <a:p>
-            <a:r>
-              <a:rPr lang="zh-CN" altLang="en-US" dirty="0" smtClean="0"/>
-              <a:t>边界值分析法设计测试用例</a:t>
-            </a:r>
-            <a:endParaRPr lang="en-US" altLang="zh-CN" dirty="0" smtClean="0"/>
-          </a:p>
-          <a:p>
-            <a:pPr lvl="1"/>
-            <a:r>
-              <a:rPr lang="zh-CN" altLang="en-US" dirty="0" smtClean="0"/>
-              <a:t>什么是边界值测试？</a:t>
-            </a:r>
-            <a:endParaRPr lang="en-US" altLang="zh-CN" dirty="0" smtClean="0"/>
-          </a:p>
-          <a:p>
-            <a:pPr lvl="2"/>
-            <a:r>
-              <a:rPr lang="zh-CN" altLang="en-US" dirty="0" smtClean="0"/>
-              <a:t>对被测对象的边界及边界附近进行测试</a:t>
-            </a:r>
-            <a:endParaRPr lang="en-US" altLang="zh-CN" dirty="0" smtClean="0"/>
-          </a:p>
-          <a:p>
-            <a:pPr lvl="1"/>
-            <a:r>
-              <a:rPr lang="zh-CN" altLang="en-US" dirty="0" smtClean="0"/>
-              <a:t>为什么进行边界值测试</a:t>
-            </a:r>
-            <a:endParaRPr lang="en-US" altLang="zh-CN" dirty="0" smtClean="0"/>
-          </a:p>
-          <a:p>
-            <a:pPr lvl="2"/>
-            <a:r>
-              <a:rPr lang="zh-CN" altLang="en-US" dirty="0" smtClean="0"/>
-              <a:t>大量研究表明，边界附近容易出现问题</a:t>
-            </a:r>
-            <a:endParaRPr lang="en-US" altLang="zh-CN" dirty="0" smtClean="0"/>
-          </a:p>
-          <a:p>
-            <a:pPr lvl="1"/>
-            <a:r>
-              <a:rPr lang="zh-CN" altLang="en-US" dirty="0"/>
-              <a:t>边界</a:t>
-            </a:r>
-            <a:r>
-              <a:rPr lang="zh-CN" altLang="en-US" dirty="0" smtClean="0"/>
-              <a:t>值测试怎样做</a:t>
-            </a:r>
-            <a:endParaRPr lang="zh-CN" altLang="en-US" dirty="0"/>
-          </a:p>
-        </p:txBody>
-      </p:sp>
-    </p:spTree>
-  </p:cSld>
-  <p:clrMapOvr>
-    <a:masterClrMapping/>
-  </p:clrMapOvr>
-  <p:transition>
-    <p:blinds dir="vert"/>
-  </p:transition>
-  <p:timing>
-    <p:tnLst>
-      <p:par>
-        <p:cTn id="1" dur="indefinite" restart="never" nodeType="tmRoot">
-          <p:childTnLst>
-            <p:seq concurrent="1" nextAc="seek">
-              <p:cTn id="2" dur="indefinite" nodeType="mainSeq">
-                <p:childTnLst>
-                  <p:par>
-                    <p:cTn id="3" fill="hold">
-                      <p:stCondLst>
-                        <p:cond delay="indefinite"/>
-                      </p:stCondLst>
-                      <p:childTnLst>
-                        <p:par>
-                          <p:cTn id="4" fill="hold">
-                            <p:stCondLst>
-                              <p:cond delay="0"/>
-                            </p:stCondLst>
-                            <p:childTnLst>
-                              <p:par>
-                                <p:cTn id="5" presetID="2" presetClass="entr" presetSubtype="4" fill="hold" nodeType="clickEffect">
-                                  <p:stCondLst>
-                                    <p:cond delay="0"/>
-                                  </p:stCondLst>
-                                  <p:childTnLst>
-                                    <p:set>
-                                      <p:cBhvr>
-                                        <p:cTn id="6" dur="1" fill="hold">
-                                          <p:stCondLst>
-                                            <p:cond delay="0"/>
-                                          </p:stCondLst>
-                                        </p:cTn>
-                                        <p:tgtEl>
-                                          <p:spTgt spid="3">
-                                            <p:txEl>
-                                              <p:pRg st="0" end="0"/>
-                                            </p:txEl>
-                                          </p:spTgt>
-                                        </p:tgtEl>
-                                        <p:attrNameLst>
-                                          <p:attrName>style.visibility</p:attrName>
-                                        </p:attrNameLst>
-                                      </p:cBhvr>
-                                      <p:to>
-                                        <p:strVal val="visible"/>
-                                      </p:to>
-                                    </p:set>
-                                    <p:anim calcmode="lin" valueType="num">
-                                      <p:cBhvr additive="base">
-                                        <p:cTn id="7" dur="500" fill="hold"/>
-                                        <p:tgtEl>
-                                          <p:spTgt spid="3">
-                                            <p:txEl>
-                                              <p:pRg st="0" end="0"/>
-                                            </p:txEl>
-                                          </p:spTgt>
-                                        </p:tgtEl>
-                                        <p:attrNameLst>
-                                          <p:attrName>ppt_x</p:attrName>
-                                        </p:attrNameLst>
-                                      </p:cBhvr>
-                                      <p:tavLst>
-                                        <p:tav tm="0">
-                                          <p:val>
-                                            <p:strVal val="#ppt_x"/>
-                                          </p:val>
-                                        </p:tav>
-                                        <p:tav tm="100000">
-                                          <p:val>
-                                            <p:strVal val="#ppt_x"/>
-                                          </p:val>
-                                        </p:tav>
-                                      </p:tavLst>
-                                    </p:anim>
-                                    <p:anim calcmode="lin" valueType="num">
-                                      <p:cBhvr additive="base">
-                                        <p:cTn id="8" dur="500" fill="hold"/>
-                                        <p:tgtEl>
-                                          <p:spTgt spid="3">
-                                            <p:txEl>
-                                              <p:pRg st="0" end="0"/>
-                                            </p:txEl>
-                                          </p:spTgt>
-                                        </p:tgtEl>
-                                        <p:attrNameLst>
-                                          <p:attrName>ppt_y</p:attrName>
-                                        </p:attrNameLst>
-                                      </p:cBhvr>
-                                      <p:tavLst>
-                                        <p:tav tm="0">
-                                          <p:val>
-                                            <p:strVal val="1+#ppt_h/2"/>
-                                          </p:val>
-                                        </p:tav>
-                                        <p:tav tm="100000">
-                                          <p:val>
-                                            <p:strVal val="#ppt_y"/>
-                                          </p:val>
-                                        </p:tav>
-                                      </p:tavLst>
-                                    </p:anim>
-                                  </p:childTnLst>
-                                </p:cTn>
-                              </p:par>
-                            </p:childTnLst>
-                          </p:cTn>
-                        </p:par>
-                      </p:childTnLst>
-                    </p:cTn>
-                  </p:par>
-                  <p:par>
-                    <p:cTn id="9" fill="hold">
-                      <p:stCondLst>
-                        <p:cond delay="indefinite"/>
-                      </p:stCondLst>
-                      <p:childTnLst>
-                        <p:par>
-                          <p:cTn id="10" fill="hold">
-                            <p:stCondLst>
-                              <p:cond delay="0"/>
-                            </p:stCondLst>
-                            <p:childTnLst>
-                              <p:par>
-                                <p:cTn id="11" presetID="2" presetClass="entr" presetSubtype="4" fill="hold" nodeType="clickEffect">
-                                  <p:stCondLst>
-                                    <p:cond delay="0"/>
-                                  </p:stCondLst>
-                                  <p:childTnLst>
-                                    <p:set>
-                                      <p:cBhvr>
-                                        <p:cTn id="12" dur="1" fill="hold">
-                                          <p:stCondLst>
-                                            <p:cond delay="0"/>
-                                          </p:stCondLst>
-                                        </p:cTn>
-                                        <p:tgtEl>
-                                          <p:spTgt spid="3">
-                                            <p:txEl>
-                                              <p:pRg st="1" end="1"/>
-                                            </p:txEl>
-                                          </p:spTgt>
-                                        </p:tgtEl>
-                                        <p:attrNameLst>
-                                          <p:attrName>style.visibility</p:attrName>
-                                        </p:attrNameLst>
-                                      </p:cBhvr>
-                                      <p:to>
-                                        <p:strVal val="visible"/>
-                                      </p:to>
-                                    </p:set>
-                                    <p:anim calcmode="lin" valueType="num">
-                                      <p:cBhvr additive="base">
-                                        <p:cTn id="13" dur="500" fill="hold"/>
-                                        <p:tgtEl>
-                                          <p:spTgt spid="3">
-                                            <p:txEl>
-                                              <p:pRg st="1" end="1"/>
-                                            </p:txEl>
-                                          </p:spTgt>
-                                        </p:tgtEl>
-                                        <p:attrNameLst>
-                                          <p:attrName>ppt_x</p:attrName>
-                                        </p:attrNameLst>
-                                      </p:cBhvr>
-                                      <p:tavLst>
-                                        <p:tav tm="0">
-                                          <p:val>
-                                            <p:strVal val="#ppt_x"/>
-                                          </p:val>
-                                        </p:tav>
-                                        <p:tav tm="100000">
-                                          <p:val>
-                                            <p:strVal val="#ppt_x"/>
-                                          </p:val>
-                                        </p:tav>
-                                      </p:tavLst>
-                                    </p:anim>
-                                    <p:anim calcmode="lin" valueType="num">
-                                      <p:cBhvr additive="base">
-                                        <p:cTn id="14" dur="500" fill="hold"/>
-                                        <p:tgtEl>
-                                          <p:spTgt spid="3">
-                                            <p:txEl>
-                                              <p:pRg st="1" end="1"/>
-                                            </p:txEl>
-                                          </p:spTgt>
-                                        </p:tgtEl>
-                                        <p:attrNameLst>
-                                          <p:attrName>ppt_y</p:attrName>
-                                        </p:attrNameLst>
-                                      </p:cBhvr>
-                                      <p:tavLst>
-                                        <p:tav tm="0">
-                                          <p:val>
-                                            <p:strVal val="1+#ppt_h/2"/>
-                                          </p:val>
-                                        </p:tav>
-                                        <p:tav tm="100000">
-                                          <p:val>
-                                            <p:strVal val="#ppt_y"/>
-                                          </p:val>
-                                        </p:tav>
-                                      </p:tavLst>
-                                    </p:anim>
-                                  </p:childTnLst>
-                                </p:cTn>
-                              </p:par>
-                            </p:childTnLst>
-                          </p:cTn>
-                        </p:par>
-                      </p:childTnLst>
-                    </p:cTn>
-                  </p:par>
-                  <p:par>
-                    <p:cTn id="15" fill="hold">
-                      <p:stCondLst>
-                        <p:cond delay="indefinite"/>
-                      </p:stCondLst>
-                      <p:childTnLst>
-                        <p:par>
-                          <p:cTn id="16" fill="hold">
-                            <p:stCondLst>
-                              <p:cond delay="0"/>
-                            </p:stCondLst>
-                            <p:childTnLst>
-                              <p:par>
-                                <p:cTn id="17" presetID="2" presetClass="entr" presetSubtype="4" fill="hold" nodeType="clickEffect">
-                                  <p:stCondLst>
-                                    <p:cond delay="0"/>
-                                  </p:stCondLst>
-                                  <p:childTnLst>
-                                    <p:set>
-                                      <p:cBhvr>
-                                        <p:cTn id="18" dur="1" fill="hold">
-                                          <p:stCondLst>
-                                            <p:cond delay="0"/>
-                                          </p:stCondLst>
-                                        </p:cTn>
-                                        <p:tgtEl>
-                                          <p:spTgt spid="3">
-                                            <p:txEl>
-                                              <p:pRg st="2" end="2"/>
-                                            </p:txEl>
-                                          </p:spTgt>
-                                        </p:tgtEl>
-                                        <p:attrNameLst>
-                                          <p:attrName>style.visibility</p:attrName>
-                                        </p:attrNameLst>
-                                      </p:cBhvr>
-                                      <p:to>
-                                        <p:strVal val="visible"/>
-                                      </p:to>
-                                    </p:set>
-                                    <p:anim calcmode="lin" valueType="num">
-                                      <p:cBhvr additive="base">
-                                        <p:cTn id="19" dur="500" fill="hold"/>
-                                        <p:tgtEl>
-                                          <p:spTgt spid="3">
-                                            <p:txEl>
-                                              <p:pRg st="2" end="2"/>
-                                            </p:txEl>
-                                          </p:spTgt>
-                                        </p:tgtEl>
-                                        <p:attrNameLst>
-                                          <p:attrName>ppt_x</p:attrName>
-                                        </p:attrNameLst>
-                                      </p:cBhvr>
-                                      <p:tavLst>
-                                        <p:tav tm="0">
-                                          <p:val>
-                                            <p:strVal val="#ppt_x"/>
-                                          </p:val>
-                                        </p:tav>
-                                        <p:tav tm="100000">
-                                          <p:val>
-                                            <p:strVal val="#ppt_x"/>
-                                          </p:val>
-                                        </p:tav>
-                                      </p:tavLst>
-                                    </p:anim>
-                                    <p:anim calcmode="lin" valueType="num">
-                                      <p:cBhvr additive="base">
-                                        <p:cTn id="20" dur="500" fill="hold"/>
-                                        <p:tgtEl>
-                                          <p:spTgt spid="3">
-                                            <p:txEl>
-                                              <p:pRg st="2" end="2"/>
-                                            </p:txEl>
-                                          </p:spTgt>
-                                        </p:tgtEl>
-                                        <p:attrNameLst>
-                                          <p:attrName>ppt_y</p:attrName>
-                                        </p:attrNameLst>
-                                      </p:cBhvr>
-                                      <p:tavLst>
-                                        <p:tav tm="0">
-                                          <p:val>
-                                            <p:strVal val="1+#ppt_h/2"/>
-                                          </p:val>
-                                        </p:tav>
-                                        <p:tav tm="100000">
-                                          <p:val>
-                                            <p:strVal val="#ppt_y"/>
-                                          </p:val>
-                                        </p:tav>
-                                      </p:tavLst>
-                                    </p:anim>
-                                  </p:childTnLst>
-                                </p:cTn>
-                              </p:par>
-                            </p:childTnLst>
-                          </p:cTn>
-                        </p:par>
-                      </p:childTnLst>
-                    </p:cTn>
-                  </p:par>
-                  <p:par>
-                    <p:cTn id="21" fill="hold">
-                      <p:stCondLst>
-                        <p:cond delay="indefinite"/>
-                      </p:stCondLst>
-                      <p:childTnLst>
-                        <p:par>
-                          <p:cTn id="22" fill="hold">
-                            <p:stCondLst>
-                              <p:cond delay="0"/>
-                            </p:stCondLst>
-                            <p:childTnLst>
-                              <p:par>
-                                <p:cTn id="23" presetID="2" presetClass="entr" presetSubtype="4" fill="hold" nodeType="clickEffect">
-                                  <p:stCondLst>
-                                    <p:cond delay="0"/>
-                                  </p:stCondLst>
-                                  <p:childTnLst>
-                                    <p:set>
-                                      <p:cBhvr>
-                                        <p:cTn id="24" dur="1" fill="hold">
-                                          <p:stCondLst>
-                                            <p:cond delay="0"/>
-                                          </p:stCondLst>
-                                        </p:cTn>
-                                        <p:tgtEl>
-                                          <p:spTgt spid="3">
-                                            <p:txEl>
-                                              <p:pRg st="3" end="3"/>
-                                            </p:txEl>
-                                          </p:spTgt>
-                                        </p:tgtEl>
-                                        <p:attrNameLst>
-                                          <p:attrName>style.visibility</p:attrName>
-                                        </p:attrNameLst>
-                                      </p:cBhvr>
-                                      <p:to>
-                                        <p:strVal val="visible"/>
-                                      </p:to>
-                                    </p:set>
-                                    <p:anim calcmode="lin" valueType="num">
-                                      <p:cBhvr additive="base">
-                                        <p:cTn id="25" dur="500" fill="hold"/>
-                                        <p:tgtEl>
-                                          <p:spTgt spid="3">
-                                            <p:txEl>
-                                              <p:pRg st="3" end="3"/>
-                                            </p:txEl>
-                                          </p:spTgt>
-                                        </p:tgtEl>
-                                        <p:attrNameLst>
-                                          <p:attrName>ppt_x</p:attrName>
-                                        </p:attrNameLst>
-                                      </p:cBhvr>
-                                      <p:tavLst>
-                                        <p:tav tm="0">
-                                          <p:val>
-                                            <p:strVal val="#ppt_x"/>
-                                          </p:val>
-                                        </p:tav>
-                                        <p:tav tm="100000">
-                                          <p:val>
-                                            <p:strVal val="#ppt_x"/>
-                                          </p:val>
-                                        </p:tav>
-                                      </p:tavLst>
-                                    </p:anim>
-                                    <p:anim calcmode="lin" valueType="num">
-                                      <p:cBhvr additive="base">
-                                        <p:cTn id="26" dur="500" fill="hold"/>
-                                        <p:tgtEl>
-                                          <p:spTgt spid="3">
-                                            <p:txEl>
-                                              <p:pRg st="3" end="3"/>
-                                            </p:txEl>
-                                          </p:spTgt>
-                                        </p:tgtEl>
-                                        <p:attrNameLst>
-                                          <p:attrName>ppt_y</p:attrName>
-                                        </p:attrNameLst>
-                                      </p:cBhvr>
-                                      <p:tavLst>
-                                        <p:tav tm="0">
-                                          <p:val>
-                                            <p:strVal val="1+#ppt_h/2"/>
-                                          </p:val>
-                                        </p:tav>
-                                        <p:tav tm="100000">
-                                          <p:val>
-                                            <p:strVal val="#ppt_y"/>
-                                          </p:val>
-                                        </p:tav>
-                                      </p:tavLst>
-                                    </p:anim>
-                                  </p:childTnLst>
-                                </p:cTn>
-                              </p:par>
-                            </p:childTnLst>
-                          </p:cTn>
-                        </p:par>
-                      </p:childTnLst>
-                    </p:cTn>
-                  </p:par>
-                  <p:par>
-                    <p:cTn id="27" fill="hold">
-                      <p:stCondLst>
-                        <p:cond delay="indefinite"/>
-                      </p:stCondLst>
-                      <p:childTnLst>
-                        <p:par>
-                          <p:cTn id="28" fill="hold">
-                            <p:stCondLst>
-                              <p:cond delay="0"/>
-                            </p:stCondLst>
-                            <p:childTnLst>
-                              <p:par>
-                                <p:cTn id="29" presetID="2" presetClass="entr" presetSubtype="4" fill="hold" nodeType="clickEffect">
-                                  <p:stCondLst>
-                                    <p:cond delay="0"/>
-                                  </p:stCondLst>
-                                  <p:childTnLst>
-                                    <p:set>
-                                      <p:cBhvr>
-                                        <p:cTn id="30" dur="1" fill="hold">
-                                          <p:stCondLst>
-                                            <p:cond delay="0"/>
-                                          </p:stCondLst>
-                                        </p:cTn>
-                                        <p:tgtEl>
-                                          <p:spTgt spid="3">
-                                            <p:txEl>
-                                              <p:pRg st="4" end="4"/>
-                                            </p:txEl>
-                                          </p:spTgt>
-                                        </p:tgtEl>
-                                        <p:attrNameLst>
-                                          <p:attrName>style.visibility</p:attrName>
-                                        </p:attrNameLst>
-                                      </p:cBhvr>
-                                      <p:to>
-                                        <p:strVal val="visible"/>
-                                      </p:to>
-                                    </p:set>
-                                    <p:anim calcmode="lin" valueType="num">
-                                      <p:cBhvr additive="base">
-                                        <p:cTn id="31" dur="500" fill="hold"/>
-                                        <p:tgtEl>
-                                          <p:spTgt spid="3">
-                                            <p:txEl>
-                                              <p:pRg st="4" end="4"/>
-                                            </p:txEl>
-                                          </p:spTgt>
-                                        </p:tgtEl>
-                                        <p:attrNameLst>
-                                          <p:attrName>ppt_x</p:attrName>
-                                        </p:attrNameLst>
-                                      </p:cBhvr>
-                                      <p:tavLst>
-                                        <p:tav tm="0">
-                                          <p:val>
-                                            <p:strVal val="#ppt_x"/>
-                                          </p:val>
-                                        </p:tav>
-                                        <p:tav tm="100000">
-                                          <p:val>
-                                            <p:strVal val="#ppt_x"/>
-                                          </p:val>
-                                        </p:tav>
-                                      </p:tavLst>
-                                    </p:anim>
-                                    <p:anim calcmode="lin" valueType="num">
-                                      <p:cBhvr additive="base">
-                                        <p:cTn id="32" dur="500" fill="hold"/>
-                                        <p:tgtEl>
-                                          <p:spTgt spid="3">
-                                            <p:txEl>
-                                              <p:pRg st="4" end="4"/>
-                                            </p:txEl>
-                                          </p:spTgt>
-                                        </p:tgtEl>
-                                        <p:attrNameLst>
-                                          <p:attrName>ppt_y</p:attrName>
-                                        </p:attrNameLst>
-                                      </p:cBhvr>
-                                      <p:tavLst>
-                                        <p:tav tm="0">
-                                          <p:val>
-                                            <p:strVal val="1+#ppt_h/2"/>
-                                          </p:val>
-                                        </p:tav>
-                                        <p:tav tm="100000">
-                                          <p:val>
-                                            <p:strVal val="#ppt_y"/>
-                                          </p:val>
-                                        </p:tav>
-                                      </p:tavLst>
-                                    </p:anim>
-                                  </p:childTnLst>
-                                </p:cTn>
-                              </p:par>
-                            </p:childTnLst>
-                          </p:cTn>
-                        </p:par>
-                      </p:childTnLst>
-                    </p:cTn>
-                  </p:par>
-                  <p:par>
-                    <p:cTn id="33" fill="hold">
-                      <p:stCondLst>
-                        <p:cond delay="indefinite"/>
-                      </p:stCondLst>
-                      <p:childTnLst>
-                        <p:par>
-                          <p:cTn id="34" fill="hold">
-                            <p:stCondLst>
-                              <p:cond delay="0"/>
-                            </p:stCondLst>
-                            <p:childTnLst>
-                              <p:par>
-                                <p:cTn id="35" presetID="2" presetClass="entr" presetSubtype="4" fill="hold" nodeType="clickEffect">
-                                  <p:stCondLst>
-                                    <p:cond delay="0"/>
-                                  </p:stCondLst>
-                                  <p:childTnLst>
-                                    <p:set>
-                                      <p:cBhvr>
-                                        <p:cTn id="36" dur="1" fill="hold">
-                                          <p:stCondLst>
-                                            <p:cond delay="0"/>
-                                          </p:stCondLst>
-                                        </p:cTn>
-                                        <p:tgtEl>
-                                          <p:spTgt spid="3">
-                                            <p:txEl>
-                                              <p:pRg st="5" end="5"/>
-                                            </p:txEl>
-                                          </p:spTgt>
-                                        </p:tgtEl>
-                                        <p:attrNameLst>
-                                          <p:attrName>style.visibility</p:attrName>
-                                        </p:attrNameLst>
-                                      </p:cBhvr>
-                                      <p:to>
-                                        <p:strVal val="visible"/>
-                                      </p:to>
-                                    </p:set>
-                                    <p:anim calcmode="lin" valueType="num">
-                                      <p:cBhvr additive="base">
-                                        <p:cTn id="37" dur="500" fill="hold"/>
-                                        <p:tgtEl>
-                                          <p:spTgt spid="3">
-                                            <p:txEl>
-                                              <p:pRg st="5" end="5"/>
-                                            </p:txEl>
-                                          </p:spTgt>
-                                        </p:tgtEl>
-                                        <p:attrNameLst>
-                                          <p:attrName>ppt_x</p:attrName>
-                                        </p:attrNameLst>
-                                      </p:cBhvr>
-                                      <p:tavLst>
-                                        <p:tav tm="0">
-                                          <p:val>
-                                            <p:strVal val="#ppt_x"/>
-                                          </p:val>
-                                        </p:tav>
-                                        <p:tav tm="100000">
-                                          <p:val>
-                                            <p:strVal val="#ppt_x"/>
-                                          </p:val>
-                                        </p:tav>
-                                      </p:tavLst>
-                                    </p:anim>
-                                    <p:anim calcmode="lin" valueType="num">
-                                      <p:cBhvr additive="base">
-                                        <p:cTn id="38" dur="500" fill="hold"/>
-                                        <p:tgtEl>
-                                          <p:spTgt spid="3">
-                                            <p:txEl>
-                                              <p:pRg st="5" end="5"/>
-                                            </p:txEl>
-                                          </p:spTgt>
-                                        </p:tgtEl>
-                                        <p:attrNameLst>
-                                          <p:attrName>ppt_y</p:attrName>
-                                        </p:attrNameLst>
-                                      </p:cBhvr>
-                                      <p:tavLst>
-                                        <p:tav tm="0">
-                                          <p:val>
-                                            <p:strVal val="1+#ppt_h/2"/>
-                                          </p:val>
-                                        </p:tav>
-                                        <p:tav tm="100000">
-                                          <p:val>
-                                            <p:strVal val="#ppt_y"/>
-                                          </p:val>
-                                        </p:tav>
-                                      </p:tavLst>
-                                    </p:anim>
-                                  </p:childTnLst>
-                                </p:cTn>
-                              </p:par>
-                            </p:childTnLst>
-                          </p:cTn>
-                        </p:par>
-                      </p:childTnLst>
-                    </p:cTn>
-                  </p:par>
-                </p:childTnLst>
-              </p:cTn>
-              <p:prevCondLst>
-                <p:cond evt="onPrev" delay="0">
-                  <p:tgtEl>
-                    <p:sldTgt/>
-                  </p:tgtEl>
-                </p:cond>
-              </p:prevCondLst>
-              <p:nextCondLst>
-                <p:cond evt="onNext" delay="0">
-                  <p:tgtEl>
-                    <p:sldTgt/>
-                  </p:tgtEl>
-                </p:cond>
-              </p:nextCondLst>
-            </p:seq>
-          </p:childTnLst>
-        </p:cTn>
-      </p:par>
-    </p:tnLst>
-  </p:timing>
-</p:sld>
-</file>
-
-<file path=ppt/slides/slide20.xml><?xml version="1.0" encoding="utf-8"?>
+<file path=ppt/slides/slide22.xml><?xml version="1.0" encoding="utf-8"?>
 <p:sld xmlns:a="http://schemas.openxmlformats.org/drawingml/2006/main" xmlns:r="http://schemas.openxmlformats.org/officeDocument/2006/relationships" xmlns:p="http://schemas.openxmlformats.org/presentationml/2006/main">
   <p:cSld>
     <p:spTree>
@@ -11631,7 +12526,7 @@
 </p:sld>
 </file>
 
-<file path=ppt/slides/slide21.xml><?xml version="1.0" encoding="utf-8"?>
+<file path=ppt/slides/slide23.xml><?xml version="1.0" encoding="utf-8"?>
 <p:sld xmlns:a="http://schemas.openxmlformats.org/drawingml/2006/main" xmlns:r="http://schemas.openxmlformats.org/officeDocument/2006/relationships" xmlns:p="http://schemas.openxmlformats.org/presentationml/2006/main">
   <p:cSld>
     <p:spTree>
@@ -16210,7 +17105,7 @@
 </p:sld>
 </file>
 
-<file path=ppt/slides/slide22.xml><?xml version="1.0" encoding="utf-8"?>
+<file path=ppt/slides/slide24.xml><?xml version="1.0" encoding="utf-8"?>
 <p:sld xmlns:a="http://schemas.openxmlformats.org/drawingml/2006/main" xmlns:r="http://schemas.openxmlformats.org/officeDocument/2006/relationships" xmlns:p="http://schemas.openxmlformats.org/presentationml/2006/main">
   <p:cSld>
     <p:spTree>
@@ -16846,7 +17741,7 @@
 </p:sld>
 </file>
 
-<file path=ppt/slides/slide23.xml><?xml version="1.0" encoding="utf-8"?>
+<file path=ppt/slides/slide25.xml><?xml version="1.0" encoding="utf-8"?>
 <p:sld xmlns:a="http://schemas.openxmlformats.org/drawingml/2006/main" xmlns:r="http://schemas.openxmlformats.org/officeDocument/2006/relationships" xmlns:p="http://schemas.openxmlformats.org/presentationml/2006/main">
   <p:cSld>
     <p:spTree>
@@ -17028,7 +17923,7 @@
 </p:sld>
 </file>
 
-<file path=ppt/slides/slide24.xml><?xml version="1.0" encoding="utf-8"?>
+<file path=ppt/slides/slide26.xml><?xml version="1.0" encoding="utf-8"?>
 <p:sld xmlns:a="http://schemas.openxmlformats.org/drawingml/2006/main" xmlns:r="http://schemas.openxmlformats.org/officeDocument/2006/relationships" xmlns:p="http://schemas.openxmlformats.org/presentationml/2006/main">
   <p:cSld>
     <p:spTree>
@@ -17229,7 +18124,7 @@
 </p:sld>
 </file>
 
-<file path=ppt/slides/slide25.xml><?xml version="1.0" encoding="utf-8"?>
+<file path=ppt/slides/slide27.xml><?xml version="1.0" encoding="utf-8"?>
 <p:sld xmlns:a="http://schemas.openxmlformats.org/drawingml/2006/main" xmlns:r="http://schemas.openxmlformats.org/officeDocument/2006/relationships" xmlns:p="http://schemas.openxmlformats.org/presentationml/2006/main">
   <p:cSld>
     <p:spTree>
@@ -17795,7 +18690,7 @@
 </p:sld>
 </file>
 
-<file path=ppt/slides/slide26.xml><?xml version="1.0" encoding="utf-8"?>
+<file path=ppt/slides/slide28.xml><?xml version="1.0" encoding="utf-8"?>
 <p:sld xmlns:a="http://schemas.openxmlformats.org/drawingml/2006/main" xmlns:r="http://schemas.openxmlformats.org/officeDocument/2006/relationships" xmlns:p="http://schemas.openxmlformats.org/presentationml/2006/main">
   <p:cSld>
     <p:spTree>
@@ -18757,7 +19652,7 @@
 </p:sld>
 </file>
 
-<file path=ppt/slides/slide27.xml><?xml version="1.0" encoding="utf-8"?>
+<file path=ppt/slides/slide29.xml><?xml version="1.0" encoding="utf-8"?>
 <p:sld xmlns:a="http://schemas.openxmlformats.org/drawingml/2006/main" xmlns:r="http://schemas.openxmlformats.org/officeDocument/2006/relationships" xmlns:p="http://schemas.openxmlformats.org/presentationml/2006/main">
   <p:cSld>
     <p:spTree>
@@ -20020,7 +20915,665 @@
 </p:sld>
 </file>
 
-<file path=ppt/slides/slide28.xml><?xml version="1.0" encoding="utf-8"?>
+<file path=ppt/slides/slide3.xml><?xml version="1.0" encoding="utf-8"?>
+<p:sld xmlns:a="http://schemas.openxmlformats.org/drawingml/2006/main" xmlns:r="http://schemas.openxmlformats.org/officeDocument/2006/relationships" xmlns:p="http://schemas.openxmlformats.org/presentationml/2006/main">
+  <p:cSld>
+    <p:spTree>
+      <p:nvGrpSpPr>
+        <p:cNvPr id="1" name=""/>
+        <p:cNvGrpSpPr/>
+        <p:nvPr/>
+      </p:nvGrpSpPr>
+      <p:grpSpPr>
+        <a:xfrm>
+          <a:off x="0" y="0"/>
+          <a:ext cx="0" cy="0"/>
+          <a:chOff x="0" y="0"/>
+          <a:chExt cx="0" cy="0"/>
+        </a:xfrm>
+      </p:grpSpPr>
+      <p:sp>
+        <p:nvSpPr>
+          <p:cNvPr id="2" name="标题 1"/>
+          <p:cNvSpPr>
+            <a:spLocks noGrp="1"/>
+          </p:cNvSpPr>
+          <p:nvPr>
+            <p:ph type="title"/>
+          </p:nvPr>
+        </p:nvSpPr>
+        <p:spPr/>
+        <p:txBody>
+          <a:bodyPr/>
+          <a:lstStyle/>
+          <a:p>
+            <a:r>
+              <a:rPr lang="zh-CN" altLang="en-US" dirty="0"/>
+              <a:t>内容回顾</a:t>
+            </a:r>
+          </a:p>
+        </p:txBody>
+      </p:sp>
+      <p:sp>
+        <p:nvSpPr>
+          <p:cNvPr id="3" name="内容占位符 2"/>
+          <p:cNvSpPr>
+            <a:spLocks noGrp="1"/>
+          </p:cNvSpPr>
+          <p:nvPr>
+            <p:ph idx="1"/>
+          </p:nvPr>
+        </p:nvSpPr>
+        <p:spPr/>
+        <p:txBody>
+          <a:bodyPr/>
+          <a:lstStyle/>
+          <a:p>
+            <a:r>
+              <a:rPr lang="zh-CN" altLang="en-US" dirty="0"/>
+              <a:t>因果图法设计测试用例</a:t>
+            </a:r>
+            <a:endParaRPr lang="en-US" altLang="zh-CN" dirty="0"/>
+          </a:p>
+          <a:p>
+            <a:pPr lvl="1"/>
+            <a:r>
+              <a:rPr lang="zh-CN" altLang="en-US" dirty="0"/>
+              <a:t>什么是因果图</a:t>
+            </a:r>
+            <a:endParaRPr lang="en-US" altLang="zh-CN" dirty="0"/>
+          </a:p>
+          <a:p>
+            <a:pPr lvl="1"/>
+            <a:r>
+              <a:rPr lang="zh-CN" altLang="en-US" dirty="0"/>
+              <a:t>因果图符号表示</a:t>
+            </a:r>
+            <a:endParaRPr lang="en-US" altLang="zh-CN" dirty="0"/>
+          </a:p>
+          <a:p>
+            <a:pPr lvl="1"/>
+            <a:r>
+              <a:rPr lang="zh-CN" altLang="en-US" dirty="0"/>
+              <a:t>因果图法适用的场景</a:t>
+            </a:r>
+            <a:endParaRPr lang="en-US" altLang="zh-CN" dirty="0"/>
+          </a:p>
+          <a:p>
+            <a:pPr lvl="1"/>
+            <a:r>
+              <a:rPr lang="zh-CN" altLang="en-US" dirty="0"/>
+              <a:t>因果图法使用步骤</a:t>
+            </a:r>
+            <a:endParaRPr lang="en-US" altLang="zh-CN" dirty="0"/>
+          </a:p>
+          <a:p>
+            <a:endParaRPr lang="zh-CN" altLang="en-US" dirty="0"/>
+          </a:p>
+        </p:txBody>
+      </p:sp>
+    </p:spTree>
+    <p:extLst>
+      <p:ext uri="{BB962C8B-B14F-4D97-AF65-F5344CB8AC3E}">
+        <p14:creationId xmlns:p14="http://schemas.microsoft.com/office/powerpoint/2010/main" val="1258409678"/>
+      </p:ext>
+    </p:extLst>
+  </p:cSld>
+  <p:clrMapOvr>
+    <a:masterClrMapping/>
+  </p:clrMapOvr>
+  <p:transition>
+    <p:blinds dir="vert"/>
+  </p:transition>
+  <p:timing>
+    <p:tnLst>
+      <p:par>
+        <p:cTn id="1" dur="indefinite" restart="never" nodeType="tmRoot">
+          <p:childTnLst>
+            <p:seq concurrent="1" nextAc="seek">
+              <p:cTn id="2" dur="indefinite" nodeType="mainSeq">
+                <p:childTnLst>
+                  <p:par>
+                    <p:cTn id="3" fill="hold">
+                      <p:stCondLst>
+                        <p:cond delay="indefinite"/>
+                      </p:stCondLst>
+                      <p:childTnLst>
+                        <p:par>
+                          <p:cTn id="4" fill="hold">
+                            <p:stCondLst>
+                              <p:cond delay="0"/>
+                            </p:stCondLst>
+                            <p:childTnLst>
+                              <p:par>
+                                <p:cTn id="5" presetID="2" presetClass="entr" presetSubtype="4" fill="hold" nodeType="clickEffect">
+                                  <p:stCondLst>
+                                    <p:cond delay="0"/>
+                                  </p:stCondLst>
+                                  <p:childTnLst>
+                                    <p:set>
+                                      <p:cBhvr>
+                                        <p:cTn id="6" dur="1" fill="hold">
+                                          <p:stCondLst>
+                                            <p:cond delay="0"/>
+                                          </p:stCondLst>
+                                        </p:cTn>
+                                        <p:tgtEl>
+                                          <p:spTgt spid="3">
+                                            <p:txEl>
+                                              <p:pRg st="0" end="0"/>
+                                            </p:txEl>
+                                          </p:spTgt>
+                                        </p:tgtEl>
+                                        <p:attrNameLst>
+                                          <p:attrName>style.visibility</p:attrName>
+                                        </p:attrNameLst>
+                                      </p:cBhvr>
+                                      <p:to>
+                                        <p:strVal val="visible"/>
+                                      </p:to>
+                                    </p:set>
+                                    <p:anim calcmode="lin" valueType="num">
+                                      <p:cBhvr additive="base">
+                                        <p:cTn id="7" dur="500" fill="hold"/>
+                                        <p:tgtEl>
+                                          <p:spTgt spid="3">
+                                            <p:txEl>
+                                              <p:pRg st="0" end="0"/>
+                                            </p:txEl>
+                                          </p:spTgt>
+                                        </p:tgtEl>
+                                        <p:attrNameLst>
+                                          <p:attrName>ppt_x</p:attrName>
+                                        </p:attrNameLst>
+                                      </p:cBhvr>
+                                      <p:tavLst>
+                                        <p:tav tm="0">
+                                          <p:val>
+                                            <p:strVal val="#ppt_x"/>
+                                          </p:val>
+                                        </p:tav>
+                                        <p:tav tm="100000">
+                                          <p:val>
+                                            <p:strVal val="#ppt_x"/>
+                                          </p:val>
+                                        </p:tav>
+                                      </p:tavLst>
+                                    </p:anim>
+                                    <p:anim calcmode="lin" valueType="num">
+                                      <p:cBhvr additive="base">
+                                        <p:cTn id="8" dur="500" fill="hold"/>
+                                        <p:tgtEl>
+                                          <p:spTgt spid="3">
+                                            <p:txEl>
+                                              <p:pRg st="0" end="0"/>
+                                            </p:txEl>
+                                          </p:spTgt>
+                                        </p:tgtEl>
+                                        <p:attrNameLst>
+                                          <p:attrName>ppt_y</p:attrName>
+                                        </p:attrNameLst>
+                                      </p:cBhvr>
+                                      <p:tavLst>
+                                        <p:tav tm="0">
+                                          <p:val>
+                                            <p:strVal val="1+#ppt_h/2"/>
+                                          </p:val>
+                                        </p:tav>
+                                        <p:tav tm="100000">
+                                          <p:val>
+                                            <p:strVal val="#ppt_y"/>
+                                          </p:val>
+                                        </p:tav>
+                                      </p:tavLst>
+                                    </p:anim>
+                                  </p:childTnLst>
+                                </p:cTn>
+                              </p:par>
+                            </p:childTnLst>
+                          </p:cTn>
+                        </p:par>
+                      </p:childTnLst>
+                    </p:cTn>
+                  </p:par>
+                  <p:par>
+                    <p:cTn id="9" fill="hold">
+                      <p:stCondLst>
+                        <p:cond delay="indefinite"/>
+                      </p:stCondLst>
+                      <p:childTnLst>
+                        <p:par>
+                          <p:cTn id="10" fill="hold">
+                            <p:stCondLst>
+                              <p:cond delay="0"/>
+                            </p:stCondLst>
+                            <p:childTnLst>
+                              <p:par>
+                                <p:cTn id="11" presetID="2" presetClass="entr" presetSubtype="4" fill="hold" nodeType="clickEffect">
+                                  <p:stCondLst>
+                                    <p:cond delay="0"/>
+                                  </p:stCondLst>
+                                  <p:childTnLst>
+                                    <p:set>
+                                      <p:cBhvr>
+                                        <p:cTn id="12" dur="1" fill="hold">
+                                          <p:stCondLst>
+                                            <p:cond delay="0"/>
+                                          </p:stCondLst>
+                                        </p:cTn>
+                                        <p:tgtEl>
+                                          <p:spTgt spid="3">
+                                            <p:txEl>
+                                              <p:pRg st="1" end="1"/>
+                                            </p:txEl>
+                                          </p:spTgt>
+                                        </p:tgtEl>
+                                        <p:attrNameLst>
+                                          <p:attrName>style.visibility</p:attrName>
+                                        </p:attrNameLst>
+                                      </p:cBhvr>
+                                      <p:to>
+                                        <p:strVal val="visible"/>
+                                      </p:to>
+                                    </p:set>
+                                    <p:anim calcmode="lin" valueType="num">
+                                      <p:cBhvr additive="base">
+                                        <p:cTn id="13" dur="500" fill="hold"/>
+                                        <p:tgtEl>
+                                          <p:spTgt spid="3">
+                                            <p:txEl>
+                                              <p:pRg st="1" end="1"/>
+                                            </p:txEl>
+                                          </p:spTgt>
+                                        </p:tgtEl>
+                                        <p:attrNameLst>
+                                          <p:attrName>ppt_x</p:attrName>
+                                        </p:attrNameLst>
+                                      </p:cBhvr>
+                                      <p:tavLst>
+                                        <p:tav tm="0">
+                                          <p:val>
+                                            <p:strVal val="#ppt_x"/>
+                                          </p:val>
+                                        </p:tav>
+                                        <p:tav tm="100000">
+                                          <p:val>
+                                            <p:strVal val="#ppt_x"/>
+                                          </p:val>
+                                        </p:tav>
+                                      </p:tavLst>
+                                    </p:anim>
+                                    <p:anim calcmode="lin" valueType="num">
+                                      <p:cBhvr additive="base">
+                                        <p:cTn id="14" dur="500" fill="hold"/>
+                                        <p:tgtEl>
+                                          <p:spTgt spid="3">
+                                            <p:txEl>
+                                              <p:pRg st="1" end="1"/>
+                                            </p:txEl>
+                                          </p:spTgt>
+                                        </p:tgtEl>
+                                        <p:attrNameLst>
+                                          <p:attrName>ppt_y</p:attrName>
+                                        </p:attrNameLst>
+                                      </p:cBhvr>
+                                      <p:tavLst>
+                                        <p:tav tm="0">
+                                          <p:val>
+                                            <p:strVal val="1+#ppt_h/2"/>
+                                          </p:val>
+                                        </p:tav>
+                                        <p:tav tm="100000">
+                                          <p:val>
+                                            <p:strVal val="#ppt_y"/>
+                                          </p:val>
+                                        </p:tav>
+                                      </p:tavLst>
+                                    </p:anim>
+                                  </p:childTnLst>
+                                </p:cTn>
+                              </p:par>
+                            </p:childTnLst>
+                          </p:cTn>
+                        </p:par>
+                      </p:childTnLst>
+                    </p:cTn>
+                  </p:par>
+                  <p:par>
+                    <p:cTn id="15" fill="hold">
+                      <p:stCondLst>
+                        <p:cond delay="indefinite"/>
+                      </p:stCondLst>
+                      <p:childTnLst>
+                        <p:par>
+                          <p:cTn id="16" fill="hold">
+                            <p:stCondLst>
+                              <p:cond delay="0"/>
+                            </p:stCondLst>
+                            <p:childTnLst>
+                              <p:par>
+                                <p:cTn id="17" presetID="2" presetClass="entr" presetSubtype="4" fill="hold" nodeType="clickEffect">
+                                  <p:stCondLst>
+                                    <p:cond delay="0"/>
+                                  </p:stCondLst>
+                                  <p:childTnLst>
+                                    <p:set>
+                                      <p:cBhvr>
+                                        <p:cTn id="18" dur="1" fill="hold">
+                                          <p:stCondLst>
+                                            <p:cond delay="0"/>
+                                          </p:stCondLst>
+                                        </p:cTn>
+                                        <p:tgtEl>
+                                          <p:spTgt spid="3">
+                                            <p:txEl>
+                                              <p:pRg st="2" end="2"/>
+                                            </p:txEl>
+                                          </p:spTgt>
+                                        </p:tgtEl>
+                                        <p:attrNameLst>
+                                          <p:attrName>style.visibility</p:attrName>
+                                        </p:attrNameLst>
+                                      </p:cBhvr>
+                                      <p:to>
+                                        <p:strVal val="visible"/>
+                                      </p:to>
+                                    </p:set>
+                                    <p:anim calcmode="lin" valueType="num">
+                                      <p:cBhvr additive="base">
+                                        <p:cTn id="19" dur="500" fill="hold"/>
+                                        <p:tgtEl>
+                                          <p:spTgt spid="3">
+                                            <p:txEl>
+                                              <p:pRg st="2" end="2"/>
+                                            </p:txEl>
+                                          </p:spTgt>
+                                        </p:tgtEl>
+                                        <p:attrNameLst>
+                                          <p:attrName>ppt_x</p:attrName>
+                                        </p:attrNameLst>
+                                      </p:cBhvr>
+                                      <p:tavLst>
+                                        <p:tav tm="0">
+                                          <p:val>
+                                            <p:strVal val="#ppt_x"/>
+                                          </p:val>
+                                        </p:tav>
+                                        <p:tav tm="100000">
+                                          <p:val>
+                                            <p:strVal val="#ppt_x"/>
+                                          </p:val>
+                                        </p:tav>
+                                      </p:tavLst>
+                                    </p:anim>
+                                    <p:anim calcmode="lin" valueType="num">
+                                      <p:cBhvr additive="base">
+                                        <p:cTn id="20" dur="500" fill="hold"/>
+                                        <p:tgtEl>
+                                          <p:spTgt spid="3">
+                                            <p:txEl>
+                                              <p:pRg st="2" end="2"/>
+                                            </p:txEl>
+                                          </p:spTgt>
+                                        </p:tgtEl>
+                                        <p:attrNameLst>
+                                          <p:attrName>ppt_y</p:attrName>
+                                        </p:attrNameLst>
+                                      </p:cBhvr>
+                                      <p:tavLst>
+                                        <p:tav tm="0">
+                                          <p:val>
+                                            <p:strVal val="1+#ppt_h/2"/>
+                                          </p:val>
+                                        </p:tav>
+                                        <p:tav tm="100000">
+                                          <p:val>
+                                            <p:strVal val="#ppt_y"/>
+                                          </p:val>
+                                        </p:tav>
+                                      </p:tavLst>
+                                    </p:anim>
+                                  </p:childTnLst>
+                                </p:cTn>
+                              </p:par>
+                            </p:childTnLst>
+                          </p:cTn>
+                        </p:par>
+                      </p:childTnLst>
+                    </p:cTn>
+                  </p:par>
+                  <p:par>
+                    <p:cTn id="21" fill="hold">
+                      <p:stCondLst>
+                        <p:cond delay="indefinite"/>
+                      </p:stCondLst>
+                      <p:childTnLst>
+                        <p:par>
+                          <p:cTn id="22" fill="hold">
+                            <p:stCondLst>
+                              <p:cond delay="0"/>
+                            </p:stCondLst>
+                            <p:childTnLst>
+                              <p:par>
+                                <p:cTn id="23" presetID="2" presetClass="entr" presetSubtype="4" fill="hold" nodeType="clickEffect">
+                                  <p:stCondLst>
+                                    <p:cond delay="0"/>
+                                  </p:stCondLst>
+                                  <p:childTnLst>
+                                    <p:set>
+                                      <p:cBhvr>
+                                        <p:cTn id="24" dur="1" fill="hold">
+                                          <p:stCondLst>
+                                            <p:cond delay="0"/>
+                                          </p:stCondLst>
+                                        </p:cTn>
+                                        <p:tgtEl>
+                                          <p:spTgt spid="3">
+                                            <p:txEl>
+                                              <p:pRg st="3" end="3"/>
+                                            </p:txEl>
+                                          </p:spTgt>
+                                        </p:tgtEl>
+                                        <p:attrNameLst>
+                                          <p:attrName>style.visibility</p:attrName>
+                                        </p:attrNameLst>
+                                      </p:cBhvr>
+                                      <p:to>
+                                        <p:strVal val="visible"/>
+                                      </p:to>
+                                    </p:set>
+                                    <p:anim calcmode="lin" valueType="num">
+                                      <p:cBhvr additive="base">
+                                        <p:cTn id="25" dur="500" fill="hold"/>
+                                        <p:tgtEl>
+                                          <p:spTgt spid="3">
+                                            <p:txEl>
+                                              <p:pRg st="3" end="3"/>
+                                            </p:txEl>
+                                          </p:spTgt>
+                                        </p:tgtEl>
+                                        <p:attrNameLst>
+                                          <p:attrName>ppt_x</p:attrName>
+                                        </p:attrNameLst>
+                                      </p:cBhvr>
+                                      <p:tavLst>
+                                        <p:tav tm="0">
+                                          <p:val>
+                                            <p:strVal val="#ppt_x"/>
+                                          </p:val>
+                                        </p:tav>
+                                        <p:tav tm="100000">
+                                          <p:val>
+                                            <p:strVal val="#ppt_x"/>
+                                          </p:val>
+                                        </p:tav>
+                                      </p:tavLst>
+                                    </p:anim>
+                                    <p:anim calcmode="lin" valueType="num">
+                                      <p:cBhvr additive="base">
+                                        <p:cTn id="26" dur="500" fill="hold"/>
+                                        <p:tgtEl>
+                                          <p:spTgt spid="3">
+                                            <p:txEl>
+                                              <p:pRg st="3" end="3"/>
+                                            </p:txEl>
+                                          </p:spTgt>
+                                        </p:tgtEl>
+                                        <p:attrNameLst>
+                                          <p:attrName>ppt_y</p:attrName>
+                                        </p:attrNameLst>
+                                      </p:cBhvr>
+                                      <p:tavLst>
+                                        <p:tav tm="0">
+                                          <p:val>
+                                            <p:strVal val="1+#ppt_h/2"/>
+                                          </p:val>
+                                        </p:tav>
+                                        <p:tav tm="100000">
+                                          <p:val>
+                                            <p:strVal val="#ppt_y"/>
+                                          </p:val>
+                                        </p:tav>
+                                      </p:tavLst>
+                                    </p:anim>
+                                  </p:childTnLst>
+                                </p:cTn>
+                              </p:par>
+                            </p:childTnLst>
+                          </p:cTn>
+                        </p:par>
+                      </p:childTnLst>
+                    </p:cTn>
+                  </p:par>
+                  <p:par>
+                    <p:cTn id="27" fill="hold">
+                      <p:stCondLst>
+                        <p:cond delay="indefinite"/>
+                      </p:stCondLst>
+                      <p:childTnLst>
+                        <p:par>
+                          <p:cTn id="28" fill="hold">
+                            <p:stCondLst>
+                              <p:cond delay="0"/>
+                            </p:stCondLst>
+                            <p:childTnLst>
+                              <p:par>
+                                <p:cTn id="29" presetID="2" presetClass="entr" presetSubtype="4" fill="hold" nodeType="clickEffect">
+                                  <p:stCondLst>
+                                    <p:cond delay="0"/>
+                                  </p:stCondLst>
+                                  <p:childTnLst>
+                                    <p:set>
+                                      <p:cBhvr>
+                                        <p:cTn id="30" dur="1" fill="hold">
+                                          <p:stCondLst>
+                                            <p:cond delay="0"/>
+                                          </p:stCondLst>
+                                        </p:cTn>
+                                        <p:tgtEl>
+                                          <p:spTgt spid="3">
+                                            <p:txEl>
+                                              <p:pRg st="4" end="4"/>
+                                            </p:txEl>
+                                          </p:spTgt>
+                                        </p:tgtEl>
+                                        <p:attrNameLst>
+                                          <p:attrName>style.visibility</p:attrName>
+                                        </p:attrNameLst>
+                                      </p:cBhvr>
+                                      <p:to>
+                                        <p:strVal val="visible"/>
+                                      </p:to>
+                                    </p:set>
+                                    <p:anim calcmode="lin" valueType="num">
+                                      <p:cBhvr additive="base">
+                                        <p:cTn id="31" dur="500" fill="hold"/>
+                                        <p:tgtEl>
+                                          <p:spTgt spid="3">
+                                            <p:txEl>
+                                              <p:pRg st="4" end="4"/>
+                                            </p:txEl>
+                                          </p:spTgt>
+                                        </p:tgtEl>
+                                        <p:attrNameLst>
+                                          <p:attrName>ppt_x</p:attrName>
+                                        </p:attrNameLst>
+                                      </p:cBhvr>
+                                      <p:tavLst>
+                                        <p:tav tm="0">
+                                          <p:val>
+                                            <p:strVal val="#ppt_x"/>
+                                          </p:val>
+                                        </p:tav>
+                                        <p:tav tm="100000">
+                                          <p:val>
+                                            <p:strVal val="#ppt_x"/>
+                                          </p:val>
+                                        </p:tav>
+                                      </p:tavLst>
+                                    </p:anim>
+                                    <p:anim calcmode="lin" valueType="num">
+                                      <p:cBhvr additive="base">
+                                        <p:cTn id="32" dur="500" fill="hold"/>
+                                        <p:tgtEl>
+                                          <p:spTgt spid="3">
+                                            <p:txEl>
+                                              <p:pRg st="4" end="4"/>
+                                            </p:txEl>
+                                          </p:spTgt>
+                                        </p:tgtEl>
+                                        <p:attrNameLst>
+                                          <p:attrName>ppt_y</p:attrName>
+                                        </p:attrNameLst>
+                                      </p:cBhvr>
+                                      <p:tavLst>
+                                        <p:tav tm="0">
+                                          <p:val>
+                                            <p:strVal val="1+#ppt_h/2"/>
+                                          </p:val>
+                                        </p:tav>
+                                        <p:tav tm="100000">
+                                          <p:val>
+                                            <p:strVal val="#ppt_y"/>
+                                          </p:val>
+                                        </p:tav>
+                                      </p:tavLst>
+                                    </p:anim>
+                                  </p:childTnLst>
+                                </p:cTn>
+                              </p:par>
+                            </p:childTnLst>
+                          </p:cTn>
+                        </p:par>
+                      </p:childTnLst>
+                    </p:cTn>
+                  </p:par>
+                </p:childTnLst>
+              </p:cTn>
+              <p:prevCondLst>
+                <p:cond evt="onPrev" delay="0">
+                  <p:tgtEl>
+                    <p:sldTgt/>
+                  </p:tgtEl>
+                </p:cond>
+              </p:prevCondLst>
+              <p:nextCondLst>
+                <p:cond evt="onNext" delay="0">
+                  <p:tgtEl>
+                    <p:sldTgt/>
+                  </p:tgtEl>
+                </p:cond>
+              </p:nextCondLst>
+            </p:seq>
+          </p:childTnLst>
+        </p:cTn>
+      </p:par>
+    </p:tnLst>
+  </p:timing>
+</p:sld>
+</file>
+
+<file path=ppt/slides/slide30.xml><?xml version="1.0" encoding="utf-8"?>
 <p:sld xmlns:a="http://schemas.openxmlformats.org/drawingml/2006/main" xmlns:r="http://schemas.openxmlformats.org/officeDocument/2006/relationships" xmlns:p="http://schemas.openxmlformats.org/presentationml/2006/main">
   <p:cSld>
     <p:spTree>
@@ -23959,7 +25512,7 @@
 </p:sld>
 </file>
 
-<file path=ppt/slides/slide29.xml><?xml version="1.0" encoding="utf-8"?>
+<file path=ppt/slides/slide31.xml><?xml version="1.0" encoding="utf-8"?>
 <p:sld xmlns:a="http://schemas.openxmlformats.org/drawingml/2006/main" xmlns:r="http://schemas.openxmlformats.org/officeDocument/2006/relationships" xmlns:p="http://schemas.openxmlformats.org/presentationml/2006/main">
   <p:cSld>
     <p:spTree>
@@ -30179,8 +31732,1411 @@
 </p:sld>
 </file>
 
-<file path=ppt/slides/slide3.xml><?xml version="1.0" encoding="utf-8"?>
+<file path=ppt/slides/slide32.xml><?xml version="1.0" encoding="utf-8"?>
 <p:sld xmlns:a="http://schemas.openxmlformats.org/drawingml/2006/main" xmlns:r="http://schemas.openxmlformats.org/officeDocument/2006/relationships" xmlns:p="http://schemas.openxmlformats.org/presentationml/2006/main">
+  <p:cSld>
+    <p:spTree>
+      <p:nvGrpSpPr>
+        <p:cNvPr id="1" name=""/>
+        <p:cNvGrpSpPr/>
+        <p:nvPr/>
+      </p:nvGrpSpPr>
+      <p:grpSpPr>
+        <a:xfrm>
+          <a:off x="0" y="0"/>
+          <a:ext cx="0" cy="0"/>
+          <a:chOff x="0" y="0"/>
+          <a:chExt cx="0" cy="0"/>
+        </a:xfrm>
+      </p:grpSpPr>
+      <p:sp>
+        <p:nvSpPr>
+          <p:cNvPr id="124931" name="Rectangle 2"/>
+          <p:cNvSpPr>
+            <a:spLocks noGrp="1" noChangeArrowheads="1"/>
+          </p:cNvSpPr>
+          <p:nvPr>
+            <p:ph type="title"/>
+          </p:nvPr>
+        </p:nvSpPr>
+        <p:spPr/>
+        <p:txBody>
+          <a:bodyPr/>
+          <a:lstStyle/>
+          <a:p>
+            <a:r>
+              <a:rPr lang="en-US" altLang="zh-CN" dirty="0" smtClean="0"/>
+              <a:t> </a:t>
+            </a:r>
+            <a:r>
+              <a:rPr lang="zh-CN" altLang="en-US" dirty="0" smtClean="0"/>
+              <a:t>基于正交表的</a:t>
+            </a:r>
+            <a:r>
+              <a:rPr lang="zh-CN" altLang="en-US" dirty="0"/>
+              <a:t>测试</a:t>
+            </a:r>
+            <a:r>
+              <a:rPr lang="zh-CN" altLang="en-US" dirty="0" smtClean="0"/>
+              <a:t>小结</a:t>
+            </a:r>
+          </a:p>
+        </p:txBody>
+      </p:sp>
+      <p:sp>
+        <p:nvSpPr>
+          <p:cNvPr id="124932" name="Rectangle 3"/>
+          <p:cNvSpPr>
+            <a:spLocks noGrp="1" noChangeArrowheads="1"/>
+          </p:cNvSpPr>
+          <p:nvPr>
+            <p:ph idx="1"/>
+          </p:nvPr>
+        </p:nvSpPr>
+        <p:spPr/>
+        <p:txBody>
+          <a:bodyPr/>
+          <a:lstStyle/>
+          <a:p>
+            <a:r>
+              <a:rPr lang="zh-CN" altLang="en-US" dirty="0" smtClean="0"/>
+              <a:t>该主要难点在于如何根据系统的输入条件选择合适的正交表，以及根据测试用例的指标测量结果分析出最优的输入组合</a:t>
+            </a:r>
+            <a:endParaRPr lang="en-US" altLang="zh-CN" dirty="0" smtClean="0"/>
+          </a:p>
+          <a:p>
+            <a:r>
+              <a:rPr lang="zh-CN" altLang="en-US" dirty="0" smtClean="0"/>
+              <a:t>适用场景：当输入条件较多，并且条件中参数值较多，若组合设计用例数量较大，则考虑使用正交实验法设计测试用例</a:t>
+            </a:r>
+            <a:endParaRPr lang="zh-CN" altLang="en-US" dirty="0"/>
+          </a:p>
+        </p:txBody>
+      </p:sp>
+    </p:spTree>
+  </p:cSld>
+  <p:clrMapOvr>
+    <a:masterClrMapping/>
+  </p:clrMapOvr>
+  <p:transition/>
+  <p:timing>
+    <p:tnLst>
+      <p:par>
+        <p:cTn id="1" dur="indefinite" restart="never" nodeType="tmRoot">
+          <p:childTnLst>
+            <p:seq concurrent="1" nextAc="seek">
+              <p:cTn id="2" dur="indefinite" nodeType="mainSeq">
+                <p:childTnLst>
+                  <p:par>
+                    <p:cTn id="3" fill="hold">
+                      <p:stCondLst>
+                        <p:cond delay="indefinite"/>
+                      </p:stCondLst>
+                      <p:childTnLst>
+                        <p:par>
+                          <p:cTn id="4" fill="hold">
+                            <p:stCondLst>
+                              <p:cond delay="0"/>
+                            </p:stCondLst>
+                            <p:childTnLst>
+                              <p:par>
+                                <p:cTn id="5" presetID="2" presetClass="entr" presetSubtype="4" fill="hold" nodeType="clickEffect">
+                                  <p:stCondLst>
+                                    <p:cond delay="0"/>
+                                  </p:stCondLst>
+                                  <p:childTnLst>
+                                    <p:set>
+                                      <p:cBhvr>
+                                        <p:cTn id="6" dur="1" fill="hold">
+                                          <p:stCondLst>
+                                            <p:cond delay="0"/>
+                                          </p:stCondLst>
+                                        </p:cTn>
+                                        <p:tgtEl>
+                                          <p:spTgt spid="124932">
+                                            <p:txEl>
+                                              <p:pRg st="0" end="0"/>
+                                            </p:txEl>
+                                          </p:spTgt>
+                                        </p:tgtEl>
+                                        <p:attrNameLst>
+                                          <p:attrName>style.visibility</p:attrName>
+                                        </p:attrNameLst>
+                                      </p:cBhvr>
+                                      <p:to>
+                                        <p:strVal val="visible"/>
+                                      </p:to>
+                                    </p:set>
+                                    <p:anim calcmode="lin" valueType="num">
+                                      <p:cBhvr additive="base">
+                                        <p:cTn id="7" dur="500" fill="hold"/>
+                                        <p:tgtEl>
+                                          <p:spTgt spid="124932">
+                                            <p:txEl>
+                                              <p:pRg st="0" end="0"/>
+                                            </p:txEl>
+                                          </p:spTgt>
+                                        </p:tgtEl>
+                                        <p:attrNameLst>
+                                          <p:attrName>ppt_x</p:attrName>
+                                        </p:attrNameLst>
+                                      </p:cBhvr>
+                                      <p:tavLst>
+                                        <p:tav tm="0">
+                                          <p:val>
+                                            <p:strVal val="#ppt_x"/>
+                                          </p:val>
+                                        </p:tav>
+                                        <p:tav tm="100000">
+                                          <p:val>
+                                            <p:strVal val="#ppt_x"/>
+                                          </p:val>
+                                        </p:tav>
+                                      </p:tavLst>
+                                    </p:anim>
+                                    <p:anim calcmode="lin" valueType="num">
+                                      <p:cBhvr additive="base">
+                                        <p:cTn id="8" dur="500" fill="hold"/>
+                                        <p:tgtEl>
+                                          <p:spTgt spid="124932">
+                                            <p:txEl>
+                                              <p:pRg st="0" end="0"/>
+                                            </p:txEl>
+                                          </p:spTgt>
+                                        </p:tgtEl>
+                                        <p:attrNameLst>
+                                          <p:attrName>ppt_y</p:attrName>
+                                        </p:attrNameLst>
+                                      </p:cBhvr>
+                                      <p:tavLst>
+                                        <p:tav tm="0">
+                                          <p:val>
+                                            <p:strVal val="1+#ppt_h/2"/>
+                                          </p:val>
+                                        </p:tav>
+                                        <p:tav tm="100000">
+                                          <p:val>
+                                            <p:strVal val="#ppt_y"/>
+                                          </p:val>
+                                        </p:tav>
+                                      </p:tavLst>
+                                    </p:anim>
+                                  </p:childTnLst>
+                                </p:cTn>
+                              </p:par>
+                            </p:childTnLst>
+                          </p:cTn>
+                        </p:par>
+                      </p:childTnLst>
+                    </p:cTn>
+                  </p:par>
+                  <p:par>
+                    <p:cTn id="9" fill="hold">
+                      <p:stCondLst>
+                        <p:cond delay="indefinite"/>
+                      </p:stCondLst>
+                      <p:childTnLst>
+                        <p:par>
+                          <p:cTn id="10" fill="hold">
+                            <p:stCondLst>
+                              <p:cond delay="0"/>
+                            </p:stCondLst>
+                            <p:childTnLst>
+                              <p:par>
+                                <p:cTn id="11" presetID="2" presetClass="entr" presetSubtype="4" fill="hold" nodeType="clickEffect">
+                                  <p:stCondLst>
+                                    <p:cond delay="0"/>
+                                  </p:stCondLst>
+                                  <p:childTnLst>
+                                    <p:set>
+                                      <p:cBhvr>
+                                        <p:cTn id="12" dur="1" fill="hold">
+                                          <p:stCondLst>
+                                            <p:cond delay="0"/>
+                                          </p:stCondLst>
+                                        </p:cTn>
+                                        <p:tgtEl>
+                                          <p:spTgt spid="124932">
+                                            <p:txEl>
+                                              <p:pRg st="1" end="1"/>
+                                            </p:txEl>
+                                          </p:spTgt>
+                                        </p:tgtEl>
+                                        <p:attrNameLst>
+                                          <p:attrName>style.visibility</p:attrName>
+                                        </p:attrNameLst>
+                                      </p:cBhvr>
+                                      <p:to>
+                                        <p:strVal val="visible"/>
+                                      </p:to>
+                                    </p:set>
+                                    <p:anim calcmode="lin" valueType="num">
+                                      <p:cBhvr additive="base">
+                                        <p:cTn id="13" dur="500" fill="hold"/>
+                                        <p:tgtEl>
+                                          <p:spTgt spid="124932">
+                                            <p:txEl>
+                                              <p:pRg st="1" end="1"/>
+                                            </p:txEl>
+                                          </p:spTgt>
+                                        </p:tgtEl>
+                                        <p:attrNameLst>
+                                          <p:attrName>ppt_x</p:attrName>
+                                        </p:attrNameLst>
+                                      </p:cBhvr>
+                                      <p:tavLst>
+                                        <p:tav tm="0">
+                                          <p:val>
+                                            <p:strVal val="#ppt_x"/>
+                                          </p:val>
+                                        </p:tav>
+                                        <p:tav tm="100000">
+                                          <p:val>
+                                            <p:strVal val="#ppt_x"/>
+                                          </p:val>
+                                        </p:tav>
+                                      </p:tavLst>
+                                    </p:anim>
+                                    <p:anim calcmode="lin" valueType="num">
+                                      <p:cBhvr additive="base">
+                                        <p:cTn id="14" dur="500" fill="hold"/>
+                                        <p:tgtEl>
+                                          <p:spTgt spid="124932">
+                                            <p:txEl>
+                                              <p:pRg st="1" end="1"/>
+                                            </p:txEl>
+                                          </p:spTgt>
+                                        </p:tgtEl>
+                                        <p:attrNameLst>
+                                          <p:attrName>ppt_y</p:attrName>
+                                        </p:attrNameLst>
+                                      </p:cBhvr>
+                                      <p:tavLst>
+                                        <p:tav tm="0">
+                                          <p:val>
+                                            <p:strVal val="1+#ppt_h/2"/>
+                                          </p:val>
+                                        </p:tav>
+                                        <p:tav tm="100000">
+                                          <p:val>
+                                            <p:strVal val="#ppt_y"/>
+                                          </p:val>
+                                        </p:tav>
+                                      </p:tavLst>
+                                    </p:anim>
+                                  </p:childTnLst>
+                                </p:cTn>
+                              </p:par>
+                            </p:childTnLst>
+                          </p:cTn>
+                        </p:par>
+                      </p:childTnLst>
+                    </p:cTn>
+                  </p:par>
+                </p:childTnLst>
+              </p:cTn>
+              <p:prevCondLst>
+                <p:cond evt="onPrev" delay="0">
+                  <p:tgtEl>
+                    <p:sldTgt/>
+                  </p:tgtEl>
+                </p:cond>
+              </p:prevCondLst>
+              <p:nextCondLst>
+                <p:cond evt="onNext" delay="0">
+                  <p:tgtEl>
+                    <p:sldTgt/>
+                  </p:tgtEl>
+                </p:cond>
+              </p:nextCondLst>
+            </p:seq>
+          </p:childTnLst>
+        </p:cTn>
+      </p:par>
+    </p:tnLst>
+  </p:timing>
+</p:sld>
+</file>
+
+<file path=ppt/slides/slide33.xml><?xml version="1.0" encoding="utf-8"?>
+<p:sld xmlns:a="http://schemas.openxmlformats.org/drawingml/2006/main" xmlns:r="http://schemas.openxmlformats.org/officeDocument/2006/relationships" xmlns:p="http://schemas.openxmlformats.org/presentationml/2006/main">
+  <p:cSld>
+    <p:spTree>
+      <p:nvGrpSpPr>
+        <p:cNvPr id="1" name=""/>
+        <p:cNvGrpSpPr/>
+        <p:nvPr/>
+      </p:nvGrpSpPr>
+      <p:grpSpPr>
+        <a:xfrm>
+          <a:off x="0" y="0"/>
+          <a:ext cx="0" cy="0"/>
+          <a:chOff x="0" y="0"/>
+          <a:chExt cx="0" cy="0"/>
+        </a:xfrm>
+      </p:grpSpPr>
+      <p:sp>
+        <p:nvSpPr>
+          <p:cNvPr id="2" name="标题 1"/>
+          <p:cNvSpPr>
+            <a:spLocks noGrp="1"/>
+          </p:cNvSpPr>
+          <p:nvPr>
+            <p:ph type="title"/>
+          </p:nvPr>
+        </p:nvSpPr>
+        <p:spPr/>
+        <p:txBody>
+          <a:bodyPr/>
+          <a:lstStyle/>
+          <a:p>
+            <a:r>
+              <a:rPr lang="en-US" altLang="zh-CN" smtClean="0"/>
+              <a:t>Practice</a:t>
+            </a:r>
+            <a:endParaRPr lang="zh-CN" altLang="en-US" dirty="0"/>
+          </a:p>
+        </p:txBody>
+      </p:sp>
+      <p:sp>
+        <p:nvSpPr>
+          <p:cNvPr id="3" name="内容占位符 2"/>
+          <p:cNvSpPr>
+            <a:spLocks noGrp="1"/>
+          </p:cNvSpPr>
+          <p:nvPr>
+            <p:ph idx="1"/>
+          </p:nvPr>
+        </p:nvSpPr>
+        <p:spPr>
+          <a:xfrm>
+            <a:off x="695400" y="1320552"/>
+            <a:ext cx="7056784" cy="4267200"/>
+          </a:xfrm>
+        </p:spPr>
+        <p:txBody>
+          <a:bodyPr/>
+          <a:lstStyle/>
+          <a:p>
+            <a:pPr marL="0" indent="0">
+              <a:buNone/>
+            </a:pPr>
+            <a:r>
+              <a:rPr lang="en-US" altLang="zh-CN" dirty="0" smtClean="0"/>
+              <a:t>1 Microsoft Word 2013</a:t>
+            </a:r>
+            <a:r>
+              <a:rPr lang="zh-CN" altLang="en-US" dirty="0" smtClean="0"/>
+              <a:t>版本中打印设置分打印范围（所有页，当前页，设定页）；打印页面（单面，双面）；方向（纵向、横向）；纸张类型（</a:t>
+            </a:r>
+            <a:r>
+              <a:rPr lang="en-US" altLang="zh-CN" dirty="0" smtClean="0"/>
+              <a:t>A4,B3,A5,B5,</a:t>
+            </a:r>
+            <a:r>
+              <a:rPr lang="zh-CN" altLang="en-US" dirty="0" smtClean="0"/>
+              <a:t>信纸）；页边距（正常，宽，窄，适中）请使用正交实验法设计测试用例</a:t>
+            </a:r>
+            <a:endParaRPr lang="en-US" altLang="zh-CN" dirty="0" smtClean="0"/>
+          </a:p>
+        </p:txBody>
+      </p:sp>
+      <p:pic>
+        <p:nvPicPr>
+          <p:cNvPr id="4" name="图片 3"/>
+          <p:cNvPicPr>
+            <a:picLocks noChangeAspect="1"/>
+          </p:cNvPicPr>
+          <p:nvPr/>
+        </p:nvPicPr>
+        <p:blipFill>
+          <a:blip r:embed="rId2"/>
+          <a:stretch>
+            <a:fillRect/>
+          </a:stretch>
+        </p:blipFill>
+        <p:spPr>
+          <a:xfrm>
+            <a:off x="8040216" y="1124744"/>
+            <a:ext cx="3245847" cy="5376651"/>
+          </a:xfrm>
+          <a:prstGeom prst="rect">
+            <a:avLst/>
+          </a:prstGeom>
+        </p:spPr>
+      </p:pic>
+    </p:spTree>
+  </p:cSld>
+  <p:clrMapOvr>
+    <a:masterClrMapping/>
+  </p:clrMapOvr>
+  <p:transition>
+    <p:blinds dir="vert"/>
+  </p:transition>
+  <p:timing>
+    <p:tnLst>
+      <p:par>
+        <p:cTn id="1" dur="indefinite" restart="never" nodeType="tmRoot"/>
+      </p:par>
+    </p:tnLst>
+  </p:timing>
+</p:sld>
+</file>
+
+<file path=ppt/slides/slide34.xml><?xml version="1.0" encoding="utf-8"?>
+<p:sld xmlns:a="http://schemas.openxmlformats.org/drawingml/2006/main" xmlns:r="http://schemas.openxmlformats.org/officeDocument/2006/relationships" xmlns:p="http://schemas.openxmlformats.org/presentationml/2006/main">
+  <p:cSld>
+    <p:spTree>
+      <p:nvGrpSpPr>
+        <p:cNvPr id="1" name=""/>
+        <p:cNvGrpSpPr/>
+        <p:nvPr/>
+      </p:nvGrpSpPr>
+      <p:grpSpPr>
+        <a:xfrm>
+          <a:off x="0" y="0"/>
+          <a:ext cx="0" cy="0"/>
+          <a:chOff x="0" y="0"/>
+          <a:chExt cx="0" cy="0"/>
+        </a:xfrm>
+      </p:grpSpPr>
+      <p:sp>
+        <p:nvSpPr>
+          <p:cNvPr id="2" name="标题 1"/>
+          <p:cNvSpPr>
+            <a:spLocks noGrp="1"/>
+          </p:cNvSpPr>
+          <p:nvPr>
+            <p:ph type="title"/>
+          </p:nvPr>
+        </p:nvSpPr>
+        <p:spPr/>
+        <p:txBody>
+          <a:bodyPr/>
+          <a:lstStyle/>
+          <a:p>
+            <a:r>
+              <a:rPr lang="en-US" altLang="zh-CN" smtClean="0"/>
+              <a:t>Practice</a:t>
+            </a:r>
+            <a:endParaRPr lang="zh-CN" altLang="en-US" dirty="0"/>
+          </a:p>
+        </p:txBody>
+      </p:sp>
+      <p:sp>
+        <p:nvSpPr>
+          <p:cNvPr id="3" name="内容占位符 2"/>
+          <p:cNvSpPr>
+            <a:spLocks noGrp="1"/>
+          </p:cNvSpPr>
+          <p:nvPr>
+            <p:ph idx="1"/>
+          </p:nvPr>
+        </p:nvSpPr>
+        <p:spPr>
+          <a:xfrm>
+            <a:off x="695400" y="1320552"/>
+            <a:ext cx="5472608" cy="4267200"/>
+          </a:xfrm>
+        </p:spPr>
+        <p:txBody>
+          <a:bodyPr/>
+          <a:lstStyle/>
+          <a:p>
+            <a:r>
+              <a:rPr lang="zh-CN" altLang="en-US" dirty="0" smtClean="0"/>
+              <a:t>根据如下需求，使用正交实验</a:t>
+            </a:r>
+            <a:endParaRPr lang="en-US" altLang="zh-CN" dirty="0" smtClean="0"/>
+          </a:p>
+          <a:p>
+            <a:pPr marL="0" indent="0">
+              <a:buNone/>
+            </a:pPr>
+            <a:r>
+              <a:rPr lang="zh-CN" altLang="en-US" dirty="0" smtClean="0"/>
+              <a:t>设计测试用例</a:t>
+            </a:r>
+            <a:endParaRPr lang="zh-CN" altLang="en-US" dirty="0"/>
+          </a:p>
+        </p:txBody>
+      </p:sp>
+      <p:pic>
+        <p:nvPicPr>
+          <p:cNvPr id="5" name="图片 4"/>
+          <p:cNvPicPr>
+            <a:picLocks noChangeAspect="1"/>
+          </p:cNvPicPr>
+          <p:nvPr/>
+        </p:nvPicPr>
+        <p:blipFill>
+          <a:blip r:embed="rId2"/>
+          <a:stretch>
+            <a:fillRect/>
+          </a:stretch>
+        </p:blipFill>
+        <p:spPr>
+          <a:xfrm>
+            <a:off x="6038193" y="861896"/>
+            <a:ext cx="5754413" cy="5690652"/>
+          </a:xfrm>
+          <a:prstGeom prst="rect">
+            <a:avLst/>
+          </a:prstGeom>
+        </p:spPr>
+      </p:pic>
+    </p:spTree>
+  </p:cSld>
+  <p:clrMapOvr>
+    <a:masterClrMapping/>
+  </p:clrMapOvr>
+  <p:transition>
+    <p:blinds dir="vert"/>
+  </p:transition>
+  <p:timing>
+    <p:tnLst>
+      <p:par>
+        <p:cTn id="1" dur="indefinite" restart="never" nodeType="tmRoot"/>
+      </p:par>
+    </p:tnLst>
+  </p:timing>
+</p:sld>
+</file>
+
+<file path=ppt/slides/slide35.xml><?xml version="1.0" encoding="utf-8"?>
+<p:sld xmlns:a="http://schemas.openxmlformats.org/drawingml/2006/main" xmlns:r="http://schemas.openxmlformats.org/officeDocument/2006/relationships" xmlns:p="http://schemas.openxmlformats.org/presentationml/2006/main">
+  <p:cSld>
+    <p:spTree>
+      <p:nvGrpSpPr>
+        <p:cNvPr id="1" name=""/>
+        <p:cNvGrpSpPr/>
+        <p:nvPr/>
+      </p:nvGrpSpPr>
+      <p:grpSpPr>
+        <a:xfrm>
+          <a:off x="0" y="0"/>
+          <a:ext cx="0" cy="0"/>
+          <a:chOff x="0" y="0"/>
+          <a:chExt cx="0" cy="0"/>
+        </a:xfrm>
+      </p:grpSpPr>
+      <p:sp>
+        <p:nvSpPr>
+          <p:cNvPr id="15363" name="内容占位符 2"/>
+          <p:cNvSpPr>
+            <a:spLocks noGrp="1"/>
+          </p:cNvSpPr>
+          <p:nvPr>
+            <p:ph idx="1"/>
+          </p:nvPr>
+        </p:nvSpPr>
+        <p:spPr>
+          <a:xfrm>
+            <a:off x="1991544" y="2595776"/>
+            <a:ext cx="8001000" cy="1769328"/>
+          </a:xfrm>
+        </p:spPr>
+        <p:txBody>
+          <a:bodyPr/>
+          <a:lstStyle/>
+          <a:p>
+            <a:pPr marL="0" indent="0" algn="ctr">
+              <a:buNone/>
+            </a:pPr>
+            <a:r>
+              <a:rPr lang="en-US" altLang="zh-CN" sz="4400" b="1" dirty="0" smtClean="0">
+                <a:latin typeface="黑体" panose="02010609060101010101" pitchFamily="49" charset="-122"/>
+                <a:ea typeface="黑体" panose="02010609060101010101" pitchFamily="49" charset="-122"/>
+              </a:rPr>
+              <a:t>Question</a:t>
+            </a:r>
+            <a:endParaRPr lang="zh-CN" altLang="en-US" sz="4400" dirty="0"/>
+          </a:p>
+        </p:txBody>
+      </p:sp>
+    </p:spTree>
+  </p:cSld>
+  <p:clrMapOvr>
+    <a:masterClrMapping/>
+  </p:clrMapOvr>
+  <p:transition/>
+  <p:timing>
+    <p:tnLst>
+      <p:par>
+        <p:cTn id="1" dur="indefinite" restart="never" nodeType="tmRoot"/>
+      </p:par>
+    </p:tnLst>
+  </p:timing>
+</p:sld>
+</file>
+
+<file path=ppt/slides/slide4.xml><?xml version="1.0" encoding="utf-8"?>
+<p:sld xmlns:a="http://schemas.openxmlformats.org/drawingml/2006/main" xmlns:r="http://schemas.openxmlformats.org/officeDocument/2006/relationships" xmlns:p="http://schemas.openxmlformats.org/presentationml/2006/main" show="0">
+  <p:cSld>
+    <p:spTree>
+      <p:nvGrpSpPr>
+        <p:cNvPr id="1" name=""/>
+        <p:cNvGrpSpPr/>
+        <p:nvPr/>
+      </p:nvGrpSpPr>
+      <p:grpSpPr>
+        <a:xfrm>
+          <a:off x="0" y="0"/>
+          <a:ext cx="0" cy="0"/>
+          <a:chOff x="0" y="0"/>
+          <a:chExt cx="0" cy="0"/>
+        </a:xfrm>
+      </p:grpSpPr>
+      <p:sp>
+        <p:nvSpPr>
+          <p:cNvPr id="2" name="标题 1"/>
+          <p:cNvSpPr>
+            <a:spLocks noGrp="1"/>
+          </p:cNvSpPr>
+          <p:nvPr>
+            <p:ph type="title"/>
+          </p:nvPr>
+        </p:nvSpPr>
+        <p:spPr/>
+        <p:txBody>
+          <a:bodyPr/>
+          <a:lstStyle/>
+          <a:p>
+            <a:r>
+              <a:rPr lang="zh-CN" altLang="en-US" dirty="0"/>
+              <a:t>内容回顾</a:t>
+            </a:r>
+          </a:p>
+        </p:txBody>
+      </p:sp>
+      <p:sp>
+        <p:nvSpPr>
+          <p:cNvPr id="3" name="内容占位符 2"/>
+          <p:cNvSpPr>
+            <a:spLocks noGrp="1"/>
+          </p:cNvSpPr>
+          <p:nvPr>
+            <p:ph idx="1"/>
+          </p:nvPr>
+        </p:nvSpPr>
+        <p:spPr/>
+        <p:txBody>
+          <a:bodyPr/>
+          <a:lstStyle/>
+          <a:p>
+            <a:r>
+              <a:rPr lang="zh-CN" altLang="en-US" dirty="0" smtClean="0"/>
+              <a:t>边界值分析法设计测试用例</a:t>
+            </a:r>
+            <a:endParaRPr lang="en-US" altLang="zh-CN" dirty="0" smtClean="0"/>
+          </a:p>
+          <a:p>
+            <a:pPr lvl="1"/>
+            <a:r>
+              <a:rPr lang="zh-CN" altLang="en-US" dirty="0" smtClean="0"/>
+              <a:t>什么是边界值测试？</a:t>
+            </a:r>
+            <a:endParaRPr lang="en-US" altLang="zh-CN" dirty="0" smtClean="0"/>
+          </a:p>
+          <a:p>
+            <a:pPr lvl="2"/>
+            <a:r>
+              <a:rPr lang="zh-CN" altLang="en-US" dirty="0" smtClean="0"/>
+              <a:t>对被测对象的边界及边界附近进行测试</a:t>
+            </a:r>
+            <a:endParaRPr lang="en-US" altLang="zh-CN" dirty="0" smtClean="0"/>
+          </a:p>
+          <a:p>
+            <a:pPr lvl="1"/>
+            <a:r>
+              <a:rPr lang="zh-CN" altLang="en-US" dirty="0" smtClean="0"/>
+              <a:t>为什么进行边界值测试</a:t>
+            </a:r>
+            <a:endParaRPr lang="en-US" altLang="zh-CN" dirty="0" smtClean="0"/>
+          </a:p>
+          <a:p>
+            <a:pPr lvl="2"/>
+            <a:r>
+              <a:rPr lang="zh-CN" altLang="en-US" dirty="0" smtClean="0"/>
+              <a:t>大量研究表明，边界附近容易出现问题</a:t>
+            </a:r>
+            <a:endParaRPr lang="en-US" altLang="zh-CN" dirty="0" smtClean="0"/>
+          </a:p>
+          <a:p>
+            <a:pPr lvl="1"/>
+            <a:r>
+              <a:rPr lang="zh-CN" altLang="en-US" dirty="0"/>
+              <a:t>边界</a:t>
+            </a:r>
+            <a:r>
+              <a:rPr lang="zh-CN" altLang="en-US" dirty="0" smtClean="0"/>
+              <a:t>值测试怎样做</a:t>
+            </a:r>
+            <a:endParaRPr lang="zh-CN" altLang="en-US" dirty="0"/>
+          </a:p>
+        </p:txBody>
+      </p:sp>
+    </p:spTree>
+  </p:cSld>
+  <p:clrMapOvr>
+    <a:masterClrMapping/>
+  </p:clrMapOvr>
+  <p:transition>
+    <p:blinds dir="vert"/>
+  </p:transition>
+  <p:timing>
+    <p:tnLst>
+      <p:par>
+        <p:cTn id="1" dur="indefinite" restart="never" nodeType="tmRoot">
+          <p:childTnLst>
+            <p:seq concurrent="1" nextAc="seek">
+              <p:cTn id="2" dur="indefinite" nodeType="mainSeq">
+                <p:childTnLst>
+                  <p:par>
+                    <p:cTn id="3" fill="hold">
+                      <p:stCondLst>
+                        <p:cond delay="indefinite"/>
+                      </p:stCondLst>
+                      <p:childTnLst>
+                        <p:par>
+                          <p:cTn id="4" fill="hold">
+                            <p:stCondLst>
+                              <p:cond delay="0"/>
+                            </p:stCondLst>
+                            <p:childTnLst>
+                              <p:par>
+                                <p:cTn id="5" presetID="2" presetClass="entr" presetSubtype="4" fill="hold" nodeType="clickEffect">
+                                  <p:stCondLst>
+                                    <p:cond delay="0"/>
+                                  </p:stCondLst>
+                                  <p:childTnLst>
+                                    <p:set>
+                                      <p:cBhvr>
+                                        <p:cTn id="6" dur="1" fill="hold">
+                                          <p:stCondLst>
+                                            <p:cond delay="0"/>
+                                          </p:stCondLst>
+                                        </p:cTn>
+                                        <p:tgtEl>
+                                          <p:spTgt spid="3">
+                                            <p:txEl>
+                                              <p:pRg st="0" end="0"/>
+                                            </p:txEl>
+                                          </p:spTgt>
+                                        </p:tgtEl>
+                                        <p:attrNameLst>
+                                          <p:attrName>style.visibility</p:attrName>
+                                        </p:attrNameLst>
+                                      </p:cBhvr>
+                                      <p:to>
+                                        <p:strVal val="visible"/>
+                                      </p:to>
+                                    </p:set>
+                                    <p:anim calcmode="lin" valueType="num">
+                                      <p:cBhvr additive="base">
+                                        <p:cTn id="7" dur="500" fill="hold"/>
+                                        <p:tgtEl>
+                                          <p:spTgt spid="3">
+                                            <p:txEl>
+                                              <p:pRg st="0" end="0"/>
+                                            </p:txEl>
+                                          </p:spTgt>
+                                        </p:tgtEl>
+                                        <p:attrNameLst>
+                                          <p:attrName>ppt_x</p:attrName>
+                                        </p:attrNameLst>
+                                      </p:cBhvr>
+                                      <p:tavLst>
+                                        <p:tav tm="0">
+                                          <p:val>
+                                            <p:strVal val="#ppt_x"/>
+                                          </p:val>
+                                        </p:tav>
+                                        <p:tav tm="100000">
+                                          <p:val>
+                                            <p:strVal val="#ppt_x"/>
+                                          </p:val>
+                                        </p:tav>
+                                      </p:tavLst>
+                                    </p:anim>
+                                    <p:anim calcmode="lin" valueType="num">
+                                      <p:cBhvr additive="base">
+                                        <p:cTn id="8" dur="500" fill="hold"/>
+                                        <p:tgtEl>
+                                          <p:spTgt spid="3">
+                                            <p:txEl>
+                                              <p:pRg st="0" end="0"/>
+                                            </p:txEl>
+                                          </p:spTgt>
+                                        </p:tgtEl>
+                                        <p:attrNameLst>
+                                          <p:attrName>ppt_y</p:attrName>
+                                        </p:attrNameLst>
+                                      </p:cBhvr>
+                                      <p:tavLst>
+                                        <p:tav tm="0">
+                                          <p:val>
+                                            <p:strVal val="1+#ppt_h/2"/>
+                                          </p:val>
+                                        </p:tav>
+                                        <p:tav tm="100000">
+                                          <p:val>
+                                            <p:strVal val="#ppt_y"/>
+                                          </p:val>
+                                        </p:tav>
+                                      </p:tavLst>
+                                    </p:anim>
+                                  </p:childTnLst>
+                                </p:cTn>
+                              </p:par>
+                            </p:childTnLst>
+                          </p:cTn>
+                        </p:par>
+                      </p:childTnLst>
+                    </p:cTn>
+                  </p:par>
+                  <p:par>
+                    <p:cTn id="9" fill="hold">
+                      <p:stCondLst>
+                        <p:cond delay="indefinite"/>
+                      </p:stCondLst>
+                      <p:childTnLst>
+                        <p:par>
+                          <p:cTn id="10" fill="hold">
+                            <p:stCondLst>
+                              <p:cond delay="0"/>
+                            </p:stCondLst>
+                            <p:childTnLst>
+                              <p:par>
+                                <p:cTn id="11" presetID="2" presetClass="entr" presetSubtype="4" fill="hold" nodeType="clickEffect">
+                                  <p:stCondLst>
+                                    <p:cond delay="0"/>
+                                  </p:stCondLst>
+                                  <p:childTnLst>
+                                    <p:set>
+                                      <p:cBhvr>
+                                        <p:cTn id="12" dur="1" fill="hold">
+                                          <p:stCondLst>
+                                            <p:cond delay="0"/>
+                                          </p:stCondLst>
+                                        </p:cTn>
+                                        <p:tgtEl>
+                                          <p:spTgt spid="3">
+                                            <p:txEl>
+                                              <p:pRg st="1" end="1"/>
+                                            </p:txEl>
+                                          </p:spTgt>
+                                        </p:tgtEl>
+                                        <p:attrNameLst>
+                                          <p:attrName>style.visibility</p:attrName>
+                                        </p:attrNameLst>
+                                      </p:cBhvr>
+                                      <p:to>
+                                        <p:strVal val="visible"/>
+                                      </p:to>
+                                    </p:set>
+                                    <p:anim calcmode="lin" valueType="num">
+                                      <p:cBhvr additive="base">
+                                        <p:cTn id="13" dur="500" fill="hold"/>
+                                        <p:tgtEl>
+                                          <p:spTgt spid="3">
+                                            <p:txEl>
+                                              <p:pRg st="1" end="1"/>
+                                            </p:txEl>
+                                          </p:spTgt>
+                                        </p:tgtEl>
+                                        <p:attrNameLst>
+                                          <p:attrName>ppt_x</p:attrName>
+                                        </p:attrNameLst>
+                                      </p:cBhvr>
+                                      <p:tavLst>
+                                        <p:tav tm="0">
+                                          <p:val>
+                                            <p:strVal val="#ppt_x"/>
+                                          </p:val>
+                                        </p:tav>
+                                        <p:tav tm="100000">
+                                          <p:val>
+                                            <p:strVal val="#ppt_x"/>
+                                          </p:val>
+                                        </p:tav>
+                                      </p:tavLst>
+                                    </p:anim>
+                                    <p:anim calcmode="lin" valueType="num">
+                                      <p:cBhvr additive="base">
+                                        <p:cTn id="14" dur="500" fill="hold"/>
+                                        <p:tgtEl>
+                                          <p:spTgt spid="3">
+                                            <p:txEl>
+                                              <p:pRg st="1" end="1"/>
+                                            </p:txEl>
+                                          </p:spTgt>
+                                        </p:tgtEl>
+                                        <p:attrNameLst>
+                                          <p:attrName>ppt_y</p:attrName>
+                                        </p:attrNameLst>
+                                      </p:cBhvr>
+                                      <p:tavLst>
+                                        <p:tav tm="0">
+                                          <p:val>
+                                            <p:strVal val="1+#ppt_h/2"/>
+                                          </p:val>
+                                        </p:tav>
+                                        <p:tav tm="100000">
+                                          <p:val>
+                                            <p:strVal val="#ppt_y"/>
+                                          </p:val>
+                                        </p:tav>
+                                      </p:tavLst>
+                                    </p:anim>
+                                  </p:childTnLst>
+                                </p:cTn>
+                              </p:par>
+                            </p:childTnLst>
+                          </p:cTn>
+                        </p:par>
+                      </p:childTnLst>
+                    </p:cTn>
+                  </p:par>
+                  <p:par>
+                    <p:cTn id="15" fill="hold">
+                      <p:stCondLst>
+                        <p:cond delay="indefinite"/>
+                      </p:stCondLst>
+                      <p:childTnLst>
+                        <p:par>
+                          <p:cTn id="16" fill="hold">
+                            <p:stCondLst>
+                              <p:cond delay="0"/>
+                            </p:stCondLst>
+                            <p:childTnLst>
+                              <p:par>
+                                <p:cTn id="17" presetID="2" presetClass="entr" presetSubtype="4" fill="hold" nodeType="clickEffect">
+                                  <p:stCondLst>
+                                    <p:cond delay="0"/>
+                                  </p:stCondLst>
+                                  <p:childTnLst>
+                                    <p:set>
+                                      <p:cBhvr>
+                                        <p:cTn id="18" dur="1" fill="hold">
+                                          <p:stCondLst>
+                                            <p:cond delay="0"/>
+                                          </p:stCondLst>
+                                        </p:cTn>
+                                        <p:tgtEl>
+                                          <p:spTgt spid="3">
+                                            <p:txEl>
+                                              <p:pRg st="2" end="2"/>
+                                            </p:txEl>
+                                          </p:spTgt>
+                                        </p:tgtEl>
+                                        <p:attrNameLst>
+                                          <p:attrName>style.visibility</p:attrName>
+                                        </p:attrNameLst>
+                                      </p:cBhvr>
+                                      <p:to>
+                                        <p:strVal val="visible"/>
+                                      </p:to>
+                                    </p:set>
+                                    <p:anim calcmode="lin" valueType="num">
+                                      <p:cBhvr additive="base">
+                                        <p:cTn id="19" dur="500" fill="hold"/>
+                                        <p:tgtEl>
+                                          <p:spTgt spid="3">
+                                            <p:txEl>
+                                              <p:pRg st="2" end="2"/>
+                                            </p:txEl>
+                                          </p:spTgt>
+                                        </p:tgtEl>
+                                        <p:attrNameLst>
+                                          <p:attrName>ppt_x</p:attrName>
+                                        </p:attrNameLst>
+                                      </p:cBhvr>
+                                      <p:tavLst>
+                                        <p:tav tm="0">
+                                          <p:val>
+                                            <p:strVal val="#ppt_x"/>
+                                          </p:val>
+                                        </p:tav>
+                                        <p:tav tm="100000">
+                                          <p:val>
+                                            <p:strVal val="#ppt_x"/>
+                                          </p:val>
+                                        </p:tav>
+                                      </p:tavLst>
+                                    </p:anim>
+                                    <p:anim calcmode="lin" valueType="num">
+                                      <p:cBhvr additive="base">
+                                        <p:cTn id="20" dur="500" fill="hold"/>
+                                        <p:tgtEl>
+                                          <p:spTgt spid="3">
+                                            <p:txEl>
+                                              <p:pRg st="2" end="2"/>
+                                            </p:txEl>
+                                          </p:spTgt>
+                                        </p:tgtEl>
+                                        <p:attrNameLst>
+                                          <p:attrName>ppt_y</p:attrName>
+                                        </p:attrNameLst>
+                                      </p:cBhvr>
+                                      <p:tavLst>
+                                        <p:tav tm="0">
+                                          <p:val>
+                                            <p:strVal val="1+#ppt_h/2"/>
+                                          </p:val>
+                                        </p:tav>
+                                        <p:tav tm="100000">
+                                          <p:val>
+                                            <p:strVal val="#ppt_y"/>
+                                          </p:val>
+                                        </p:tav>
+                                      </p:tavLst>
+                                    </p:anim>
+                                  </p:childTnLst>
+                                </p:cTn>
+                              </p:par>
+                            </p:childTnLst>
+                          </p:cTn>
+                        </p:par>
+                      </p:childTnLst>
+                    </p:cTn>
+                  </p:par>
+                  <p:par>
+                    <p:cTn id="21" fill="hold">
+                      <p:stCondLst>
+                        <p:cond delay="indefinite"/>
+                      </p:stCondLst>
+                      <p:childTnLst>
+                        <p:par>
+                          <p:cTn id="22" fill="hold">
+                            <p:stCondLst>
+                              <p:cond delay="0"/>
+                            </p:stCondLst>
+                            <p:childTnLst>
+                              <p:par>
+                                <p:cTn id="23" presetID="2" presetClass="entr" presetSubtype="4" fill="hold" nodeType="clickEffect">
+                                  <p:stCondLst>
+                                    <p:cond delay="0"/>
+                                  </p:stCondLst>
+                                  <p:childTnLst>
+                                    <p:set>
+                                      <p:cBhvr>
+                                        <p:cTn id="24" dur="1" fill="hold">
+                                          <p:stCondLst>
+                                            <p:cond delay="0"/>
+                                          </p:stCondLst>
+                                        </p:cTn>
+                                        <p:tgtEl>
+                                          <p:spTgt spid="3">
+                                            <p:txEl>
+                                              <p:pRg st="3" end="3"/>
+                                            </p:txEl>
+                                          </p:spTgt>
+                                        </p:tgtEl>
+                                        <p:attrNameLst>
+                                          <p:attrName>style.visibility</p:attrName>
+                                        </p:attrNameLst>
+                                      </p:cBhvr>
+                                      <p:to>
+                                        <p:strVal val="visible"/>
+                                      </p:to>
+                                    </p:set>
+                                    <p:anim calcmode="lin" valueType="num">
+                                      <p:cBhvr additive="base">
+                                        <p:cTn id="25" dur="500" fill="hold"/>
+                                        <p:tgtEl>
+                                          <p:spTgt spid="3">
+                                            <p:txEl>
+                                              <p:pRg st="3" end="3"/>
+                                            </p:txEl>
+                                          </p:spTgt>
+                                        </p:tgtEl>
+                                        <p:attrNameLst>
+                                          <p:attrName>ppt_x</p:attrName>
+                                        </p:attrNameLst>
+                                      </p:cBhvr>
+                                      <p:tavLst>
+                                        <p:tav tm="0">
+                                          <p:val>
+                                            <p:strVal val="#ppt_x"/>
+                                          </p:val>
+                                        </p:tav>
+                                        <p:tav tm="100000">
+                                          <p:val>
+                                            <p:strVal val="#ppt_x"/>
+                                          </p:val>
+                                        </p:tav>
+                                      </p:tavLst>
+                                    </p:anim>
+                                    <p:anim calcmode="lin" valueType="num">
+                                      <p:cBhvr additive="base">
+                                        <p:cTn id="26" dur="500" fill="hold"/>
+                                        <p:tgtEl>
+                                          <p:spTgt spid="3">
+                                            <p:txEl>
+                                              <p:pRg st="3" end="3"/>
+                                            </p:txEl>
+                                          </p:spTgt>
+                                        </p:tgtEl>
+                                        <p:attrNameLst>
+                                          <p:attrName>ppt_y</p:attrName>
+                                        </p:attrNameLst>
+                                      </p:cBhvr>
+                                      <p:tavLst>
+                                        <p:tav tm="0">
+                                          <p:val>
+                                            <p:strVal val="1+#ppt_h/2"/>
+                                          </p:val>
+                                        </p:tav>
+                                        <p:tav tm="100000">
+                                          <p:val>
+                                            <p:strVal val="#ppt_y"/>
+                                          </p:val>
+                                        </p:tav>
+                                      </p:tavLst>
+                                    </p:anim>
+                                  </p:childTnLst>
+                                </p:cTn>
+                              </p:par>
+                            </p:childTnLst>
+                          </p:cTn>
+                        </p:par>
+                      </p:childTnLst>
+                    </p:cTn>
+                  </p:par>
+                  <p:par>
+                    <p:cTn id="27" fill="hold">
+                      <p:stCondLst>
+                        <p:cond delay="indefinite"/>
+                      </p:stCondLst>
+                      <p:childTnLst>
+                        <p:par>
+                          <p:cTn id="28" fill="hold">
+                            <p:stCondLst>
+                              <p:cond delay="0"/>
+                            </p:stCondLst>
+                            <p:childTnLst>
+                              <p:par>
+                                <p:cTn id="29" presetID="2" presetClass="entr" presetSubtype="4" fill="hold" nodeType="clickEffect">
+                                  <p:stCondLst>
+                                    <p:cond delay="0"/>
+                                  </p:stCondLst>
+                                  <p:childTnLst>
+                                    <p:set>
+                                      <p:cBhvr>
+                                        <p:cTn id="30" dur="1" fill="hold">
+                                          <p:stCondLst>
+                                            <p:cond delay="0"/>
+                                          </p:stCondLst>
+                                        </p:cTn>
+                                        <p:tgtEl>
+                                          <p:spTgt spid="3">
+                                            <p:txEl>
+                                              <p:pRg st="4" end="4"/>
+                                            </p:txEl>
+                                          </p:spTgt>
+                                        </p:tgtEl>
+                                        <p:attrNameLst>
+                                          <p:attrName>style.visibility</p:attrName>
+                                        </p:attrNameLst>
+                                      </p:cBhvr>
+                                      <p:to>
+                                        <p:strVal val="visible"/>
+                                      </p:to>
+                                    </p:set>
+                                    <p:anim calcmode="lin" valueType="num">
+                                      <p:cBhvr additive="base">
+                                        <p:cTn id="31" dur="500" fill="hold"/>
+                                        <p:tgtEl>
+                                          <p:spTgt spid="3">
+                                            <p:txEl>
+                                              <p:pRg st="4" end="4"/>
+                                            </p:txEl>
+                                          </p:spTgt>
+                                        </p:tgtEl>
+                                        <p:attrNameLst>
+                                          <p:attrName>ppt_x</p:attrName>
+                                        </p:attrNameLst>
+                                      </p:cBhvr>
+                                      <p:tavLst>
+                                        <p:tav tm="0">
+                                          <p:val>
+                                            <p:strVal val="#ppt_x"/>
+                                          </p:val>
+                                        </p:tav>
+                                        <p:tav tm="100000">
+                                          <p:val>
+                                            <p:strVal val="#ppt_x"/>
+                                          </p:val>
+                                        </p:tav>
+                                      </p:tavLst>
+                                    </p:anim>
+                                    <p:anim calcmode="lin" valueType="num">
+                                      <p:cBhvr additive="base">
+                                        <p:cTn id="32" dur="500" fill="hold"/>
+                                        <p:tgtEl>
+                                          <p:spTgt spid="3">
+                                            <p:txEl>
+                                              <p:pRg st="4" end="4"/>
+                                            </p:txEl>
+                                          </p:spTgt>
+                                        </p:tgtEl>
+                                        <p:attrNameLst>
+                                          <p:attrName>ppt_y</p:attrName>
+                                        </p:attrNameLst>
+                                      </p:cBhvr>
+                                      <p:tavLst>
+                                        <p:tav tm="0">
+                                          <p:val>
+                                            <p:strVal val="1+#ppt_h/2"/>
+                                          </p:val>
+                                        </p:tav>
+                                        <p:tav tm="100000">
+                                          <p:val>
+                                            <p:strVal val="#ppt_y"/>
+                                          </p:val>
+                                        </p:tav>
+                                      </p:tavLst>
+                                    </p:anim>
+                                  </p:childTnLst>
+                                </p:cTn>
+                              </p:par>
+                            </p:childTnLst>
+                          </p:cTn>
+                        </p:par>
+                      </p:childTnLst>
+                    </p:cTn>
+                  </p:par>
+                  <p:par>
+                    <p:cTn id="33" fill="hold">
+                      <p:stCondLst>
+                        <p:cond delay="indefinite"/>
+                      </p:stCondLst>
+                      <p:childTnLst>
+                        <p:par>
+                          <p:cTn id="34" fill="hold">
+                            <p:stCondLst>
+                              <p:cond delay="0"/>
+                            </p:stCondLst>
+                            <p:childTnLst>
+                              <p:par>
+                                <p:cTn id="35" presetID="2" presetClass="entr" presetSubtype="4" fill="hold" nodeType="clickEffect">
+                                  <p:stCondLst>
+                                    <p:cond delay="0"/>
+                                  </p:stCondLst>
+                                  <p:childTnLst>
+                                    <p:set>
+                                      <p:cBhvr>
+                                        <p:cTn id="36" dur="1" fill="hold">
+                                          <p:stCondLst>
+                                            <p:cond delay="0"/>
+                                          </p:stCondLst>
+                                        </p:cTn>
+                                        <p:tgtEl>
+                                          <p:spTgt spid="3">
+                                            <p:txEl>
+                                              <p:pRg st="5" end="5"/>
+                                            </p:txEl>
+                                          </p:spTgt>
+                                        </p:tgtEl>
+                                        <p:attrNameLst>
+                                          <p:attrName>style.visibility</p:attrName>
+                                        </p:attrNameLst>
+                                      </p:cBhvr>
+                                      <p:to>
+                                        <p:strVal val="visible"/>
+                                      </p:to>
+                                    </p:set>
+                                    <p:anim calcmode="lin" valueType="num">
+                                      <p:cBhvr additive="base">
+                                        <p:cTn id="37" dur="500" fill="hold"/>
+                                        <p:tgtEl>
+                                          <p:spTgt spid="3">
+                                            <p:txEl>
+                                              <p:pRg st="5" end="5"/>
+                                            </p:txEl>
+                                          </p:spTgt>
+                                        </p:tgtEl>
+                                        <p:attrNameLst>
+                                          <p:attrName>ppt_x</p:attrName>
+                                        </p:attrNameLst>
+                                      </p:cBhvr>
+                                      <p:tavLst>
+                                        <p:tav tm="0">
+                                          <p:val>
+                                            <p:strVal val="#ppt_x"/>
+                                          </p:val>
+                                        </p:tav>
+                                        <p:tav tm="100000">
+                                          <p:val>
+                                            <p:strVal val="#ppt_x"/>
+                                          </p:val>
+                                        </p:tav>
+                                      </p:tavLst>
+                                    </p:anim>
+                                    <p:anim calcmode="lin" valueType="num">
+                                      <p:cBhvr additive="base">
+                                        <p:cTn id="38" dur="500" fill="hold"/>
+                                        <p:tgtEl>
+                                          <p:spTgt spid="3">
+                                            <p:txEl>
+                                              <p:pRg st="5" end="5"/>
+                                            </p:txEl>
+                                          </p:spTgt>
+                                        </p:tgtEl>
+                                        <p:attrNameLst>
+                                          <p:attrName>ppt_y</p:attrName>
+                                        </p:attrNameLst>
+                                      </p:cBhvr>
+                                      <p:tavLst>
+                                        <p:tav tm="0">
+                                          <p:val>
+                                            <p:strVal val="1+#ppt_h/2"/>
+                                          </p:val>
+                                        </p:tav>
+                                        <p:tav tm="100000">
+                                          <p:val>
+                                            <p:strVal val="#ppt_y"/>
+                                          </p:val>
+                                        </p:tav>
+                                      </p:tavLst>
+                                    </p:anim>
+                                  </p:childTnLst>
+                                </p:cTn>
+                              </p:par>
+                            </p:childTnLst>
+                          </p:cTn>
+                        </p:par>
+                      </p:childTnLst>
+                    </p:cTn>
+                  </p:par>
+                </p:childTnLst>
+              </p:cTn>
+              <p:prevCondLst>
+                <p:cond evt="onPrev" delay="0">
+                  <p:tgtEl>
+                    <p:sldTgt/>
+                  </p:tgtEl>
+                </p:cond>
+              </p:prevCondLst>
+              <p:nextCondLst>
+                <p:cond evt="onNext" delay="0">
+                  <p:tgtEl>
+                    <p:sldTgt/>
+                  </p:tgtEl>
+                </p:cond>
+              </p:nextCondLst>
+            </p:seq>
+          </p:childTnLst>
+        </p:cTn>
+      </p:par>
+    </p:tnLst>
+  </p:timing>
+</p:sld>
+</file>
+
+<file path=ppt/slides/slide5.xml><?xml version="1.0" encoding="utf-8"?>
+<p:sld xmlns:a="http://schemas.openxmlformats.org/drawingml/2006/main" xmlns:r="http://schemas.openxmlformats.org/officeDocument/2006/relationships" xmlns:p="http://schemas.openxmlformats.org/presentationml/2006/main" show="0">
   <p:cSld>
     <p:spTree>
       <p:nvGrpSpPr>
@@ -31076,646 +34032,8 @@
 </p:sld>
 </file>
 
-<file path=ppt/slides/slide30.xml><?xml version="1.0" encoding="utf-8"?>
-<p:sld xmlns:a="http://schemas.openxmlformats.org/drawingml/2006/main" xmlns:r="http://schemas.openxmlformats.org/officeDocument/2006/relationships" xmlns:p="http://schemas.openxmlformats.org/presentationml/2006/main">
-  <p:cSld>
-    <p:spTree>
-      <p:nvGrpSpPr>
-        <p:cNvPr id="1" name=""/>
-        <p:cNvGrpSpPr/>
-        <p:nvPr/>
-      </p:nvGrpSpPr>
-      <p:grpSpPr>
-        <a:xfrm>
-          <a:off x="0" y="0"/>
-          <a:ext cx="0" cy="0"/>
-          <a:chOff x="0" y="0"/>
-          <a:chExt cx="0" cy="0"/>
-        </a:xfrm>
-      </p:grpSpPr>
-      <p:sp>
-        <p:nvSpPr>
-          <p:cNvPr id="124931" name="Rectangle 2"/>
-          <p:cNvSpPr>
-            <a:spLocks noGrp="1" noChangeArrowheads="1"/>
-          </p:cNvSpPr>
-          <p:nvPr>
-            <p:ph type="title"/>
-          </p:nvPr>
-        </p:nvSpPr>
-        <p:spPr/>
-        <p:txBody>
-          <a:bodyPr/>
-          <a:lstStyle/>
-          <a:p>
-            <a:r>
-              <a:rPr lang="en-US" altLang="zh-CN" dirty="0" smtClean="0"/>
-              <a:t> </a:t>
-            </a:r>
-            <a:r>
-              <a:rPr lang="zh-CN" altLang="en-US" dirty="0" smtClean="0"/>
-              <a:t>基于正交表的</a:t>
-            </a:r>
-            <a:r>
-              <a:rPr lang="zh-CN" altLang="en-US" dirty="0"/>
-              <a:t>测试</a:t>
-            </a:r>
-            <a:r>
-              <a:rPr lang="zh-CN" altLang="en-US" dirty="0" smtClean="0"/>
-              <a:t>小结</a:t>
-            </a:r>
-          </a:p>
-        </p:txBody>
-      </p:sp>
-      <p:sp>
-        <p:nvSpPr>
-          <p:cNvPr id="124932" name="Rectangle 3"/>
-          <p:cNvSpPr>
-            <a:spLocks noGrp="1" noChangeArrowheads="1"/>
-          </p:cNvSpPr>
-          <p:nvPr>
-            <p:ph idx="1"/>
-          </p:nvPr>
-        </p:nvSpPr>
-        <p:spPr/>
-        <p:txBody>
-          <a:bodyPr/>
-          <a:lstStyle/>
-          <a:p>
-            <a:r>
-              <a:rPr lang="zh-CN" altLang="en-US" dirty="0" smtClean="0"/>
-              <a:t>该主要难点在于如何根据系统的输入条件选择合适的正交表，以及根据测试用例的指标测量结果分析出最优的输入组合</a:t>
-            </a:r>
-            <a:endParaRPr lang="en-US" altLang="zh-CN" dirty="0" smtClean="0"/>
-          </a:p>
-          <a:p>
-            <a:r>
-              <a:rPr lang="zh-CN" altLang="en-US" dirty="0" smtClean="0"/>
-              <a:t>适用场景：当输入条件较多，并且条件中参数值较多，若组合设计用例数量较大，则考虑使用正交实验法设计测试用例</a:t>
-            </a:r>
-            <a:endParaRPr lang="zh-CN" altLang="en-US" dirty="0"/>
-          </a:p>
-        </p:txBody>
-      </p:sp>
-    </p:spTree>
-  </p:cSld>
-  <p:clrMapOvr>
-    <a:masterClrMapping/>
-  </p:clrMapOvr>
-  <p:transition/>
-  <p:timing>
-    <p:tnLst>
-      <p:par>
-        <p:cTn id="1" dur="indefinite" restart="never" nodeType="tmRoot">
-          <p:childTnLst>
-            <p:seq concurrent="1" nextAc="seek">
-              <p:cTn id="2" dur="indefinite" nodeType="mainSeq">
-                <p:childTnLst>
-                  <p:par>
-                    <p:cTn id="3" fill="hold">
-                      <p:stCondLst>
-                        <p:cond delay="indefinite"/>
-                      </p:stCondLst>
-                      <p:childTnLst>
-                        <p:par>
-                          <p:cTn id="4" fill="hold">
-                            <p:stCondLst>
-                              <p:cond delay="0"/>
-                            </p:stCondLst>
-                            <p:childTnLst>
-                              <p:par>
-                                <p:cTn id="5" presetID="2" presetClass="entr" presetSubtype="4" fill="hold" nodeType="clickEffect">
-                                  <p:stCondLst>
-                                    <p:cond delay="0"/>
-                                  </p:stCondLst>
-                                  <p:childTnLst>
-                                    <p:set>
-                                      <p:cBhvr>
-                                        <p:cTn id="6" dur="1" fill="hold">
-                                          <p:stCondLst>
-                                            <p:cond delay="0"/>
-                                          </p:stCondLst>
-                                        </p:cTn>
-                                        <p:tgtEl>
-                                          <p:spTgt spid="124932">
-                                            <p:txEl>
-                                              <p:pRg st="0" end="0"/>
-                                            </p:txEl>
-                                          </p:spTgt>
-                                        </p:tgtEl>
-                                        <p:attrNameLst>
-                                          <p:attrName>style.visibility</p:attrName>
-                                        </p:attrNameLst>
-                                      </p:cBhvr>
-                                      <p:to>
-                                        <p:strVal val="visible"/>
-                                      </p:to>
-                                    </p:set>
-                                    <p:anim calcmode="lin" valueType="num">
-                                      <p:cBhvr additive="base">
-                                        <p:cTn id="7" dur="500" fill="hold"/>
-                                        <p:tgtEl>
-                                          <p:spTgt spid="124932">
-                                            <p:txEl>
-                                              <p:pRg st="0" end="0"/>
-                                            </p:txEl>
-                                          </p:spTgt>
-                                        </p:tgtEl>
-                                        <p:attrNameLst>
-                                          <p:attrName>ppt_x</p:attrName>
-                                        </p:attrNameLst>
-                                      </p:cBhvr>
-                                      <p:tavLst>
-                                        <p:tav tm="0">
-                                          <p:val>
-                                            <p:strVal val="#ppt_x"/>
-                                          </p:val>
-                                        </p:tav>
-                                        <p:tav tm="100000">
-                                          <p:val>
-                                            <p:strVal val="#ppt_x"/>
-                                          </p:val>
-                                        </p:tav>
-                                      </p:tavLst>
-                                    </p:anim>
-                                    <p:anim calcmode="lin" valueType="num">
-                                      <p:cBhvr additive="base">
-                                        <p:cTn id="8" dur="500" fill="hold"/>
-                                        <p:tgtEl>
-                                          <p:spTgt spid="124932">
-                                            <p:txEl>
-                                              <p:pRg st="0" end="0"/>
-                                            </p:txEl>
-                                          </p:spTgt>
-                                        </p:tgtEl>
-                                        <p:attrNameLst>
-                                          <p:attrName>ppt_y</p:attrName>
-                                        </p:attrNameLst>
-                                      </p:cBhvr>
-                                      <p:tavLst>
-                                        <p:tav tm="0">
-                                          <p:val>
-                                            <p:strVal val="1+#ppt_h/2"/>
-                                          </p:val>
-                                        </p:tav>
-                                        <p:tav tm="100000">
-                                          <p:val>
-                                            <p:strVal val="#ppt_y"/>
-                                          </p:val>
-                                        </p:tav>
-                                      </p:tavLst>
-                                    </p:anim>
-                                  </p:childTnLst>
-                                </p:cTn>
-                              </p:par>
-                            </p:childTnLst>
-                          </p:cTn>
-                        </p:par>
-                      </p:childTnLst>
-                    </p:cTn>
-                  </p:par>
-                  <p:par>
-                    <p:cTn id="9" fill="hold">
-                      <p:stCondLst>
-                        <p:cond delay="indefinite"/>
-                      </p:stCondLst>
-                      <p:childTnLst>
-                        <p:par>
-                          <p:cTn id="10" fill="hold">
-                            <p:stCondLst>
-                              <p:cond delay="0"/>
-                            </p:stCondLst>
-                            <p:childTnLst>
-                              <p:par>
-                                <p:cTn id="11" presetID="2" presetClass="entr" presetSubtype="4" fill="hold" nodeType="clickEffect">
-                                  <p:stCondLst>
-                                    <p:cond delay="0"/>
-                                  </p:stCondLst>
-                                  <p:childTnLst>
-                                    <p:set>
-                                      <p:cBhvr>
-                                        <p:cTn id="12" dur="1" fill="hold">
-                                          <p:stCondLst>
-                                            <p:cond delay="0"/>
-                                          </p:stCondLst>
-                                        </p:cTn>
-                                        <p:tgtEl>
-                                          <p:spTgt spid="124932">
-                                            <p:txEl>
-                                              <p:pRg st="1" end="1"/>
-                                            </p:txEl>
-                                          </p:spTgt>
-                                        </p:tgtEl>
-                                        <p:attrNameLst>
-                                          <p:attrName>style.visibility</p:attrName>
-                                        </p:attrNameLst>
-                                      </p:cBhvr>
-                                      <p:to>
-                                        <p:strVal val="visible"/>
-                                      </p:to>
-                                    </p:set>
-                                    <p:anim calcmode="lin" valueType="num">
-                                      <p:cBhvr additive="base">
-                                        <p:cTn id="13" dur="500" fill="hold"/>
-                                        <p:tgtEl>
-                                          <p:spTgt spid="124932">
-                                            <p:txEl>
-                                              <p:pRg st="1" end="1"/>
-                                            </p:txEl>
-                                          </p:spTgt>
-                                        </p:tgtEl>
-                                        <p:attrNameLst>
-                                          <p:attrName>ppt_x</p:attrName>
-                                        </p:attrNameLst>
-                                      </p:cBhvr>
-                                      <p:tavLst>
-                                        <p:tav tm="0">
-                                          <p:val>
-                                            <p:strVal val="#ppt_x"/>
-                                          </p:val>
-                                        </p:tav>
-                                        <p:tav tm="100000">
-                                          <p:val>
-                                            <p:strVal val="#ppt_x"/>
-                                          </p:val>
-                                        </p:tav>
-                                      </p:tavLst>
-                                    </p:anim>
-                                    <p:anim calcmode="lin" valueType="num">
-                                      <p:cBhvr additive="base">
-                                        <p:cTn id="14" dur="500" fill="hold"/>
-                                        <p:tgtEl>
-                                          <p:spTgt spid="124932">
-                                            <p:txEl>
-                                              <p:pRg st="1" end="1"/>
-                                            </p:txEl>
-                                          </p:spTgt>
-                                        </p:tgtEl>
-                                        <p:attrNameLst>
-                                          <p:attrName>ppt_y</p:attrName>
-                                        </p:attrNameLst>
-                                      </p:cBhvr>
-                                      <p:tavLst>
-                                        <p:tav tm="0">
-                                          <p:val>
-                                            <p:strVal val="1+#ppt_h/2"/>
-                                          </p:val>
-                                        </p:tav>
-                                        <p:tav tm="100000">
-                                          <p:val>
-                                            <p:strVal val="#ppt_y"/>
-                                          </p:val>
-                                        </p:tav>
-                                      </p:tavLst>
-                                    </p:anim>
-                                  </p:childTnLst>
-                                </p:cTn>
-                              </p:par>
-                            </p:childTnLst>
-                          </p:cTn>
-                        </p:par>
-                      </p:childTnLst>
-                    </p:cTn>
-                  </p:par>
-                </p:childTnLst>
-              </p:cTn>
-              <p:prevCondLst>
-                <p:cond evt="onPrev" delay="0">
-                  <p:tgtEl>
-                    <p:sldTgt/>
-                  </p:tgtEl>
-                </p:cond>
-              </p:prevCondLst>
-              <p:nextCondLst>
-                <p:cond evt="onNext" delay="0">
-                  <p:tgtEl>
-                    <p:sldTgt/>
-                  </p:tgtEl>
-                </p:cond>
-              </p:nextCondLst>
-            </p:seq>
-          </p:childTnLst>
-        </p:cTn>
-      </p:par>
-    </p:tnLst>
-  </p:timing>
-</p:sld>
-</file>
-
-<file path=ppt/slides/slide31.xml><?xml version="1.0" encoding="utf-8"?>
-<p:sld xmlns:a="http://schemas.openxmlformats.org/drawingml/2006/main" xmlns:r="http://schemas.openxmlformats.org/officeDocument/2006/relationships" xmlns:p="http://schemas.openxmlformats.org/presentationml/2006/main">
-  <p:cSld>
-    <p:spTree>
-      <p:nvGrpSpPr>
-        <p:cNvPr id="1" name=""/>
-        <p:cNvGrpSpPr/>
-        <p:nvPr/>
-      </p:nvGrpSpPr>
-      <p:grpSpPr>
-        <a:xfrm>
-          <a:off x="0" y="0"/>
-          <a:ext cx="0" cy="0"/>
-          <a:chOff x="0" y="0"/>
-          <a:chExt cx="0" cy="0"/>
-        </a:xfrm>
-      </p:grpSpPr>
-      <p:sp>
-        <p:nvSpPr>
-          <p:cNvPr id="2" name="标题 1"/>
-          <p:cNvSpPr>
-            <a:spLocks noGrp="1"/>
-          </p:cNvSpPr>
-          <p:nvPr>
-            <p:ph type="title"/>
-          </p:nvPr>
-        </p:nvSpPr>
-        <p:spPr/>
-        <p:txBody>
-          <a:bodyPr/>
-          <a:lstStyle/>
-          <a:p>
-            <a:r>
-              <a:rPr lang="en-US" altLang="zh-CN" smtClean="0"/>
-              <a:t>Practice</a:t>
-            </a:r>
-            <a:endParaRPr lang="zh-CN" altLang="en-US" dirty="0"/>
-          </a:p>
-        </p:txBody>
-      </p:sp>
-      <p:sp>
-        <p:nvSpPr>
-          <p:cNvPr id="3" name="内容占位符 2"/>
-          <p:cNvSpPr>
-            <a:spLocks noGrp="1"/>
-          </p:cNvSpPr>
-          <p:nvPr>
-            <p:ph idx="1"/>
-          </p:nvPr>
-        </p:nvSpPr>
-        <p:spPr>
-          <a:xfrm>
-            <a:off x="695400" y="1320552"/>
-            <a:ext cx="7056784" cy="4267200"/>
-          </a:xfrm>
-        </p:spPr>
-        <p:txBody>
-          <a:bodyPr/>
-          <a:lstStyle/>
-          <a:p>
-            <a:pPr marL="0" indent="0">
-              <a:buNone/>
-            </a:pPr>
-            <a:r>
-              <a:rPr lang="en-US" altLang="zh-CN" dirty="0" smtClean="0"/>
-              <a:t>1 Microsoft Word 2013</a:t>
-            </a:r>
-            <a:r>
-              <a:rPr lang="zh-CN" altLang="en-US" dirty="0" smtClean="0"/>
-              <a:t>版本中打印设置分打印范围（所有页，当前页，设定页）；打印页面（单面，双面）；方向（纵向、横向）；纸张类型（</a:t>
-            </a:r>
-            <a:r>
-              <a:rPr lang="en-US" altLang="zh-CN" dirty="0" smtClean="0"/>
-              <a:t>A4,B3,A5,B5,</a:t>
-            </a:r>
-            <a:r>
-              <a:rPr lang="zh-CN" altLang="en-US" dirty="0" smtClean="0"/>
-              <a:t>信纸）；页边距（正常，宽，窄，适中）请使用正交实验法设计测试用例</a:t>
-            </a:r>
-            <a:endParaRPr lang="en-US" altLang="zh-CN" dirty="0" smtClean="0"/>
-          </a:p>
-        </p:txBody>
-      </p:sp>
-      <p:pic>
-        <p:nvPicPr>
-          <p:cNvPr id="4" name="图片 3"/>
-          <p:cNvPicPr>
-            <a:picLocks noChangeAspect="1"/>
-          </p:cNvPicPr>
-          <p:nvPr/>
-        </p:nvPicPr>
-        <p:blipFill>
-          <a:blip r:embed="rId2"/>
-          <a:stretch>
-            <a:fillRect/>
-          </a:stretch>
-        </p:blipFill>
-        <p:spPr>
-          <a:xfrm>
-            <a:off x="8040216" y="1124744"/>
-            <a:ext cx="3245847" cy="5376651"/>
-          </a:xfrm>
-          <a:prstGeom prst="rect">
-            <a:avLst/>
-          </a:prstGeom>
-        </p:spPr>
-      </p:pic>
-    </p:spTree>
-  </p:cSld>
-  <p:clrMapOvr>
-    <a:masterClrMapping/>
-  </p:clrMapOvr>
-  <p:transition>
-    <p:blinds dir="vert"/>
-  </p:transition>
-  <p:timing>
-    <p:tnLst>
-      <p:par>
-        <p:cTn id="1" dur="indefinite" restart="never" nodeType="tmRoot"/>
-      </p:par>
-    </p:tnLst>
-  </p:timing>
-</p:sld>
-</file>
-
-<file path=ppt/slides/slide32.xml><?xml version="1.0" encoding="utf-8"?>
-<p:sld xmlns:a="http://schemas.openxmlformats.org/drawingml/2006/main" xmlns:r="http://schemas.openxmlformats.org/officeDocument/2006/relationships" xmlns:p="http://schemas.openxmlformats.org/presentationml/2006/main">
-  <p:cSld>
-    <p:spTree>
-      <p:nvGrpSpPr>
-        <p:cNvPr id="1" name=""/>
-        <p:cNvGrpSpPr/>
-        <p:nvPr/>
-      </p:nvGrpSpPr>
-      <p:grpSpPr>
-        <a:xfrm>
-          <a:off x="0" y="0"/>
-          <a:ext cx="0" cy="0"/>
-          <a:chOff x="0" y="0"/>
-          <a:chExt cx="0" cy="0"/>
-        </a:xfrm>
-      </p:grpSpPr>
-      <p:sp>
-        <p:nvSpPr>
-          <p:cNvPr id="2" name="标题 1"/>
-          <p:cNvSpPr>
-            <a:spLocks noGrp="1"/>
-          </p:cNvSpPr>
-          <p:nvPr>
-            <p:ph type="title"/>
-          </p:nvPr>
-        </p:nvSpPr>
-        <p:spPr/>
-        <p:txBody>
-          <a:bodyPr/>
-          <a:lstStyle/>
-          <a:p>
-            <a:r>
-              <a:rPr lang="en-US" altLang="zh-CN" smtClean="0"/>
-              <a:t>Practice</a:t>
-            </a:r>
-            <a:endParaRPr lang="zh-CN" altLang="en-US" dirty="0"/>
-          </a:p>
-        </p:txBody>
-      </p:sp>
-      <p:sp>
-        <p:nvSpPr>
-          <p:cNvPr id="3" name="内容占位符 2"/>
-          <p:cNvSpPr>
-            <a:spLocks noGrp="1"/>
-          </p:cNvSpPr>
-          <p:nvPr>
-            <p:ph idx="1"/>
-          </p:nvPr>
-        </p:nvSpPr>
-        <p:spPr>
-          <a:xfrm>
-            <a:off x="695400" y="1320552"/>
-            <a:ext cx="5472608" cy="4267200"/>
-          </a:xfrm>
-        </p:spPr>
-        <p:txBody>
-          <a:bodyPr/>
-          <a:lstStyle/>
-          <a:p>
-            <a:r>
-              <a:rPr lang="zh-CN" altLang="en-US" dirty="0" smtClean="0"/>
-              <a:t>根据如下需求，使用正交实验</a:t>
-            </a:r>
-            <a:endParaRPr lang="en-US" altLang="zh-CN" dirty="0" smtClean="0"/>
-          </a:p>
-          <a:p>
-            <a:pPr marL="0" indent="0">
-              <a:buNone/>
-            </a:pPr>
-            <a:r>
-              <a:rPr lang="zh-CN" altLang="en-US" dirty="0" smtClean="0"/>
-              <a:t>设计测试用例</a:t>
-            </a:r>
-            <a:endParaRPr lang="zh-CN" altLang="en-US" dirty="0"/>
-          </a:p>
-        </p:txBody>
-      </p:sp>
-      <p:pic>
-        <p:nvPicPr>
-          <p:cNvPr id="5" name="图片 4"/>
-          <p:cNvPicPr>
-            <a:picLocks noChangeAspect="1"/>
-          </p:cNvPicPr>
-          <p:nvPr/>
-        </p:nvPicPr>
-        <p:blipFill>
-          <a:blip r:embed="rId2"/>
-          <a:stretch>
-            <a:fillRect/>
-          </a:stretch>
-        </p:blipFill>
-        <p:spPr>
-          <a:xfrm>
-            <a:off x="6038193" y="861896"/>
-            <a:ext cx="5754413" cy="5690652"/>
-          </a:xfrm>
-          <a:prstGeom prst="rect">
-            <a:avLst/>
-          </a:prstGeom>
-        </p:spPr>
-      </p:pic>
-    </p:spTree>
-  </p:cSld>
-  <p:clrMapOvr>
-    <a:masterClrMapping/>
-  </p:clrMapOvr>
-  <p:transition>
-    <p:blinds dir="vert"/>
-  </p:transition>
-  <p:timing>
-    <p:tnLst>
-      <p:par>
-        <p:cTn id="1" dur="indefinite" restart="never" nodeType="tmRoot"/>
-      </p:par>
-    </p:tnLst>
-  </p:timing>
-</p:sld>
-</file>
-
-<file path=ppt/slides/slide33.xml><?xml version="1.0" encoding="utf-8"?>
-<p:sld xmlns:a="http://schemas.openxmlformats.org/drawingml/2006/main" xmlns:r="http://schemas.openxmlformats.org/officeDocument/2006/relationships" xmlns:p="http://schemas.openxmlformats.org/presentationml/2006/main">
-  <p:cSld>
-    <p:spTree>
-      <p:nvGrpSpPr>
-        <p:cNvPr id="1" name=""/>
-        <p:cNvGrpSpPr/>
-        <p:nvPr/>
-      </p:nvGrpSpPr>
-      <p:grpSpPr>
-        <a:xfrm>
-          <a:off x="0" y="0"/>
-          <a:ext cx="0" cy="0"/>
-          <a:chOff x="0" y="0"/>
-          <a:chExt cx="0" cy="0"/>
-        </a:xfrm>
-      </p:grpSpPr>
-      <p:sp>
-        <p:nvSpPr>
-          <p:cNvPr id="15363" name="内容占位符 2"/>
-          <p:cNvSpPr>
-            <a:spLocks noGrp="1"/>
-          </p:cNvSpPr>
-          <p:nvPr>
-            <p:ph idx="1"/>
-          </p:nvPr>
-        </p:nvSpPr>
-        <p:spPr>
-          <a:xfrm>
-            <a:off x="1991544" y="2595776"/>
-            <a:ext cx="8001000" cy="1769328"/>
-          </a:xfrm>
-        </p:spPr>
-        <p:txBody>
-          <a:bodyPr/>
-          <a:lstStyle/>
-          <a:p>
-            <a:pPr marL="0" indent="0" algn="ctr">
-              <a:buNone/>
-            </a:pPr>
-            <a:r>
-              <a:rPr lang="en-US" altLang="zh-CN" sz="4400" b="1" dirty="0" smtClean="0">
-                <a:latin typeface="黑体" panose="02010609060101010101" pitchFamily="49" charset="-122"/>
-                <a:ea typeface="黑体" panose="02010609060101010101" pitchFamily="49" charset="-122"/>
-              </a:rPr>
-              <a:t>Question</a:t>
-            </a:r>
-            <a:endParaRPr lang="zh-CN" altLang="en-US" sz="4400" dirty="0"/>
-          </a:p>
-        </p:txBody>
-      </p:sp>
-    </p:spTree>
-  </p:cSld>
-  <p:clrMapOvr>
-    <a:masterClrMapping/>
-  </p:clrMapOvr>
-  <p:transition/>
-  <p:timing>
-    <p:tnLst>
-      <p:par>
-        <p:cTn id="1" dur="indefinite" restart="never" nodeType="tmRoot"/>
-      </p:par>
-    </p:tnLst>
-  </p:timing>
-</p:sld>
-</file>
-
-<file path=ppt/slides/slide4.xml><?xml version="1.0" encoding="utf-8"?>
-<p:sld xmlns:a="http://schemas.openxmlformats.org/drawingml/2006/main" xmlns:r="http://schemas.openxmlformats.org/officeDocument/2006/relationships" xmlns:p="http://schemas.openxmlformats.org/presentationml/2006/main">
+<file path=ppt/slides/slide6.xml><?xml version="1.0" encoding="utf-8"?>
+<p:sld xmlns:a="http://schemas.openxmlformats.org/drawingml/2006/main" xmlns:r="http://schemas.openxmlformats.org/officeDocument/2006/relationships" xmlns:p="http://schemas.openxmlformats.org/presentationml/2006/main" show="0">
   <p:cSld>
     <p:spTree>
       <p:nvGrpSpPr>
@@ -32494,7 +34812,7 @@
 </p:sld>
 </file>
 
-<file path=ppt/slides/slide5.xml><?xml version="1.0" encoding="utf-8"?>
+<file path=ppt/slides/slide7.xml><?xml version="1.0" encoding="utf-8"?>
 <p:sld xmlns:a="http://schemas.openxmlformats.org/drawingml/2006/main" xmlns:r="http://schemas.openxmlformats.org/officeDocument/2006/relationships" xmlns:p="http://schemas.openxmlformats.org/presentationml/2006/main" show="0">
   <p:cSld>
     <p:spTree>
@@ -33290,7 +35608,7 @@
 </p:sld>
 </file>
 
-<file path=ppt/slides/slide6.xml><?xml version="1.0" encoding="utf-8"?>
+<file path=ppt/slides/slide8.xml><?xml version="1.0" encoding="utf-8"?>
 <p:sld xmlns:a="http://schemas.openxmlformats.org/drawingml/2006/main" xmlns:r="http://schemas.openxmlformats.org/officeDocument/2006/relationships" xmlns:p="http://schemas.openxmlformats.org/presentationml/2006/main" show="0">
   <p:cSld>
     <p:spTree>
@@ -34198,7 +36516,7 @@
 </p:sld>
 </file>
 
-<file path=ppt/slides/slide7.xml><?xml version="1.0" encoding="utf-8"?>
+<file path=ppt/slides/slide9.xml><?xml version="1.0" encoding="utf-8"?>
 <p:sld xmlns:a="http://schemas.openxmlformats.org/drawingml/2006/main" xmlns:r="http://schemas.openxmlformats.org/officeDocument/2006/relationships" xmlns:p="http://schemas.openxmlformats.org/presentationml/2006/main">
   <p:cSld>
     <p:spTree>
@@ -34688,1000 +37006,6 @@
                                           <p:spTgt spid="3">
                                             <p:txEl>
                                               <p:pRg st="3" end="3"/>
-                                            </p:txEl>
-                                          </p:spTgt>
-                                        </p:tgtEl>
-                                        <p:attrNameLst>
-                                          <p:attrName>ppt_y</p:attrName>
-                                        </p:attrNameLst>
-                                      </p:cBhvr>
-                                      <p:tavLst>
-                                        <p:tav tm="0">
-                                          <p:val>
-                                            <p:strVal val="1+#ppt_h/2"/>
-                                          </p:val>
-                                        </p:tav>
-                                        <p:tav tm="100000">
-                                          <p:val>
-                                            <p:strVal val="#ppt_y"/>
-                                          </p:val>
-                                        </p:tav>
-                                      </p:tavLst>
-                                    </p:anim>
-                                  </p:childTnLst>
-                                </p:cTn>
-                              </p:par>
-                            </p:childTnLst>
-                          </p:cTn>
-                        </p:par>
-                      </p:childTnLst>
-                    </p:cTn>
-                  </p:par>
-                </p:childTnLst>
-              </p:cTn>
-              <p:prevCondLst>
-                <p:cond evt="onPrev" delay="0">
-                  <p:tgtEl>
-                    <p:sldTgt/>
-                  </p:tgtEl>
-                </p:cond>
-              </p:prevCondLst>
-              <p:nextCondLst>
-                <p:cond evt="onNext" delay="0">
-                  <p:tgtEl>
-                    <p:sldTgt/>
-                  </p:tgtEl>
-                </p:cond>
-              </p:nextCondLst>
-            </p:seq>
-          </p:childTnLst>
-        </p:cTn>
-      </p:par>
-    </p:tnLst>
-  </p:timing>
-</p:sld>
-</file>
-
-<file path=ppt/slides/slide8.xml><?xml version="1.0" encoding="utf-8"?>
-<p:sld xmlns:a="http://schemas.openxmlformats.org/drawingml/2006/main" xmlns:r="http://schemas.openxmlformats.org/officeDocument/2006/relationships" xmlns:p="http://schemas.openxmlformats.org/presentationml/2006/main">
-  <p:cSld>
-    <p:spTree>
-      <p:nvGrpSpPr>
-        <p:cNvPr id="1" name=""/>
-        <p:cNvGrpSpPr/>
-        <p:nvPr/>
-      </p:nvGrpSpPr>
-      <p:grpSpPr>
-        <a:xfrm>
-          <a:off x="0" y="0"/>
-          <a:ext cx="0" cy="0"/>
-          <a:chOff x="0" y="0"/>
-          <a:chExt cx="0" cy="0"/>
-        </a:xfrm>
-      </p:grpSpPr>
-      <p:sp>
-        <p:nvSpPr>
-          <p:cNvPr id="4099" name="Rectangle 2"/>
-          <p:cNvSpPr>
-            <a:spLocks noGrp="1" noChangeArrowheads="1"/>
-          </p:cNvSpPr>
-          <p:nvPr>
-            <p:ph type="title"/>
-          </p:nvPr>
-        </p:nvSpPr>
-        <p:spPr/>
-        <p:txBody>
-          <a:bodyPr/>
-          <a:lstStyle/>
-          <a:p>
-            <a:pPr algn="ctr" eaLnBrk="1" hangingPunct="1"/>
-            <a:r>
-              <a:rPr lang="zh-CN" altLang="en-US" b="1" dirty="0" smtClean="0">
-                <a:latin typeface="楷体" panose="02010609060101010101" pitchFamily="49" charset="-122"/>
-              </a:rPr>
-              <a:t>目 录</a:t>
-            </a:r>
-          </a:p>
-        </p:txBody>
-      </p:sp>
-      <p:sp>
-        <p:nvSpPr>
-          <p:cNvPr id="4100" name="Rectangle 3"/>
-          <p:cNvSpPr>
-            <a:spLocks noGrp="1" noChangeArrowheads="1"/>
-          </p:cNvSpPr>
-          <p:nvPr>
-            <p:ph type="body" idx="1"/>
-          </p:nvPr>
-        </p:nvSpPr>
-        <p:spPr>
-          <a:xfrm>
-            <a:off x="3503712" y="1412776"/>
-            <a:ext cx="5517430" cy="4267200"/>
-          </a:xfrm>
-        </p:spPr>
-        <p:txBody>
-          <a:bodyPr/>
-          <a:lstStyle/>
-          <a:p>
-            <a:pPr lvl="1" eaLnBrk="1" hangingPunct="1">
-              <a:buFont typeface="Wingdings" panose="05000000000000000000" pitchFamily="2" charset="2"/>
-              <a:buChar char="Ø"/>
-              <a:defRPr/>
-            </a:pPr>
-            <a:r>
-              <a:rPr lang="zh-CN" altLang="en-US" sz="2800" dirty="0" smtClean="0">
-                <a:solidFill>
-                  <a:schemeClr val="tx1">
-                    <a:lumMod val="10000"/>
-                  </a:schemeClr>
-                </a:solidFill>
-                <a:latin typeface="楷体" panose="02010609060101010101" pitchFamily="49" charset="-122"/>
-              </a:rPr>
-              <a:t>认识正交表</a:t>
-            </a:r>
-            <a:endParaRPr lang="en-US" altLang="zh-CN" sz="2800" dirty="0" smtClean="0">
-              <a:solidFill>
-                <a:schemeClr val="tx1">
-                  <a:lumMod val="10000"/>
-                </a:schemeClr>
-              </a:solidFill>
-              <a:latin typeface="楷体" panose="02010609060101010101" pitchFamily="49" charset="-122"/>
-            </a:endParaRPr>
-          </a:p>
-          <a:p>
-            <a:pPr lvl="1" eaLnBrk="1" hangingPunct="1">
-              <a:buFont typeface="Wingdings" panose="05000000000000000000" pitchFamily="2" charset="2"/>
-              <a:buChar char="Ø"/>
-              <a:defRPr/>
-            </a:pPr>
-            <a:r>
-              <a:rPr lang="zh-CN" altLang="en-US" sz="2800" dirty="0" smtClean="0">
-                <a:solidFill>
-                  <a:schemeClr val="tx1">
-                    <a:lumMod val="10000"/>
-                  </a:schemeClr>
-                </a:solidFill>
-                <a:latin typeface="楷体" panose="02010609060101010101" pitchFamily="49" charset="-122"/>
-              </a:rPr>
-              <a:t>正交表法设计测试用例</a:t>
-            </a:r>
-            <a:endParaRPr lang="en-US" altLang="zh-CN" sz="2800" dirty="0">
-              <a:solidFill>
-                <a:schemeClr val="tx1">
-                  <a:lumMod val="10000"/>
-                </a:schemeClr>
-              </a:solidFill>
-              <a:latin typeface="楷体" panose="02010609060101010101" pitchFamily="49" charset="-122"/>
-            </a:endParaRPr>
-          </a:p>
-        </p:txBody>
-      </p:sp>
-    </p:spTree>
-  </p:cSld>
-  <p:clrMapOvr>
-    <a:masterClrMapping/>
-  </p:clrMapOvr>
-  <p:transition/>
-  <p:timing>
-    <p:tnLst>
-      <p:par>
-        <p:cTn id="1" dur="indefinite" restart="never" nodeType="tmRoot">
-          <p:childTnLst>
-            <p:seq concurrent="1" nextAc="seek">
-              <p:cTn id="2" dur="indefinite" nodeType="mainSeq">
-                <p:childTnLst>
-                  <p:par>
-                    <p:cTn id="3" fill="hold">
-                      <p:stCondLst>
-                        <p:cond delay="indefinite"/>
-                      </p:stCondLst>
-                      <p:childTnLst>
-                        <p:par>
-                          <p:cTn id="4" fill="hold">
-                            <p:stCondLst>
-                              <p:cond delay="0"/>
-                            </p:stCondLst>
-                            <p:childTnLst>
-                              <p:par>
-                                <p:cTn id="5" presetID="3" presetClass="emph" presetSubtype="2" fill="hold" nodeType="clickEffect">
-                                  <p:stCondLst>
-                                    <p:cond delay="0"/>
-                                  </p:stCondLst>
-                                  <p:childTnLst>
-                                    <p:animClr clrSpc="rgb" dir="cw">
-                                      <p:cBhvr override="childStyle">
-                                        <p:cTn id="6" dur="1250" fill="hold"/>
-                                        <p:tgtEl>
-                                          <p:spTgt spid="4100">
-                                            <p:txEl>
-                                              <p:pRg st="0" end="0"/>
-                                            </p:txEl>
-                                          </p:spTgt>
-                                        </p:tgtEl>
-                                        <p:attrNameLst>
-                                          <p:attrName>style.color</p:attrName>
-                                        </p:attrNameLst>
-                                      </p:cBhvr>
-                                      <p:to>
-                                        <a:srgbClr val="FF0000"/>
-                                      </p:to>
-                                    </p:animClr>
-                                  </p:childTnLst>
-                                </p:cTn>
-                              </p:par>
-                            </p:childTnLst>
-                          </p:cTn>
-                        </p:par>
-                      </p:childTnLst>
-                    </p:cTn>
-                  </p:par>
-                </p:childTnLst>
-              </p:cTn>
-              <p:prevCondLst>
-                <p:cond evt="onPrev" delay="0">
-                  <p:tgtEl>
-                    <p:sldTgt/>
-                  </p:tgtEl>
-                </p:cond>
-              </p:prevCondLst>
-              <p:nextCondLst>
-                <p:cond evt="onNext" delay="0">
-                  <p:tgtEl>
-                    <p:sldTgt/>
-                  </p:tgtEl>
-                </p:cond>
-              </p:nextCondLst>
-            </p:seq>
-          </p:childTnLst>
-        </p:cTn>
-      </p:par>
-    </p:tnLst>
-  </p:timing>
-</p:sld>
-</file>
-
-<file path=ppt/slides/slide9.xml><?xml version="1.0" encoding="utf-8"?>
-<p:sld xmlns:a="http://schemas.openxmlformats.org/drawingml/2006/main" xmlns:r="http://schemas.openxmlformats.org/officeDocument/2006/relationships" xmlns:p="http://schemas.openxmlformats.org/presentationml/2006/main">
-  <p:cSld>
-    <p:spTree>
-      <p:nvGrpSpPr>
-        <p:cNvPr id="1" name=""/>
-        <p:cNvGrpSpPr/>
-        <p:nvPr/>
-      </p:nvGrpSpPr>
-      <p:grpSpPr>
-        <a:xfrm>
-          <a:off x="0" y="0"/>
-          <a:ext cx="0" cy="0"/>
-          <a:chOff x="0" y="0"/>
-          <a:chExt cx="0" cy="0"/>
-        </a:xfrm>
-      </p:grpSpPr>
-      <p:sp>
-        <p:nvSpPr>
-          <p:cNvPr id="2" name="标题 1"/>
-          <p:cNvSpPr>
-            <a:spLocks noGrp="1"/>
-          </p:cNvSpPr>
-          <p:nvPr>
-            <p:ph type="title"/>
-          </p:nvPr>
-        </p:nvSpPr>
-        <p:spPr/>
-        <p:txBody>
-          <a:bodyPr/>
-          <a:lstStyle/>
-          <a:p>
-            <a:r>
-              <a:rPr lang="zh-CN" altLang="en-US" dirty="0"/>
-              <a:t>认识正交表</a:t>
-            </a:r>
-          </a:p>
-        </p:txBody>
-      </p:sp>
-      <p:sp>
-        <p:nvSpPr>
-          <p:cNvPr id="3" name="内容占位符 2"/>
-          <p:cNvSpPr>
-            <a:spLocks noGrp="1"/>
-          </p:cNvSpPr>
-          <p:nvPr>
-            <p:ph idx="1"/>
-          </p:nvPr>
-        </p:nvSpPr>
-        <p:spPr>
-          <a:xfrm>
-            <a:off x="695400" y="1268760"/>
-            <a:ext cx="11017224" cy="4267200"/>
-          </a:xfrm>
-        </p:spPr>
-        <p:txBody>
-          <a:bodyPr/>
-          <a:lstStyle/>
-          <a:p>
-            <a:pPr>
-              <a:lnSpc>
-                <a:spcPct val="120000"/>
-              </a:lnSpc>
-            </a:pPr>
-            <a:r>
-              <a:rPr lang="zh-CN" altLang="en-US" dirty="0" smtClean="0"/>
-              <a:t>为提高某化工产品的转化率，选择三个有关因素进行条件试验，反应温度（</a:t>
-            </a:r>
-            <a:r>
-              <a:rPr lang="en-US" altLang="zh-CN" dirty="0" smtClean="0"/>
-              <a:t>A</a:t>
-            </a:r>
-            <a:r>
-              <a:rPr lang="zh-CN" altLang="en-US" dirty="0" smtClean="0"/>
-              <a:t>），反应时间（</a:t>
-            </a:r>
-            <a:r>
-              <a:rPr lang="en-US" altLang="zh-CN" dirty="0" smtClean="0"/>
-              <a:t>B</a:t>
-            </a:r>
-            <a:r>
-              <a:rPr lang="zh-CN" altLang="en-US" dirty="0" smtClean="0"/>
-              <a:t>）</a:t>
-            </a:r>
-            <a:r>
-              <a:rPr lang="en-US" altLang="zh-CN" dirty="0" smtClean="0"/>
-              <a:t>,</a:t>
-            </a:r>
-            <a:r>
-              <a:rPr lang="zh-CN" altLang="en-US" dirty="0" smtClean="0"/>
-              <a:t>用碱量（</a:t>
-            </a:r>
-            <a:r>
-              <a:rPr lang="en-US" altLang="zh-CN" dirty="0" smtClean="0"/>
-              <a:t>C</a:t>
-            </a:r>
-            <a:r>
-              <a:rPr lang="zh-CN" altLang="en-US" dirty="0" smtClean="0"/>
-              <a:t>），并确定了它们的实验范围如下：</a:t>
-            </a:r>
-            <a:endParaRPr lang="en-US" altLang="zh-CN" dirty="0" smtClean="0"/>
-          </a:p>
-          <a:p>
-            <a:pPr lvl="2">
-              <a:lnSpc>
-                <a:spcPct val="120000"/>
-              </a:lnSpc>
-            </a:pPr>
-            <a:r>
-              <a:rPr lang="en-US" altLang="zh-CN" dirty="0" smtClean="0"/>
-              <a:t>A:   A1 = 80</a:t>
-            </a:r>
-            <a:r>
-              <a:rPr lang="zh-CN" altLang="en-US" dirty="0" smtClean="0"/>
-              <a:t>℃，</a:t>
-            </a:r>
-            <a:r>
-              <a:rPr lang="en-US" altLang="zh-CN" dirty="0" smtClean="0"/>
-              <a:t> A2 = 85</a:t>
-            </a:r>
-            <a:r>
-              <a:rPr lang="zh-CN" altLang="en-US" dirty="0" smtClean="0"/>
-              <a:t>℃，</a:t>
-            </a:r>
-            <a:r>
-              <a:rPr lang="en-US" altLang="zh-CN" dirty="0" smtClean="0"/>
-              <a:t> A3 = 90</a:t>
-            </a:r>
-            <a:r>
-              <a:rPr lang="zh-CN" altLang="en-US" dirty="0" smtClean="0"/>
-              <a:t>℃</a:t>
-            </a:r>
-            <a:endParaRPr lang="en-US" altLang="zh-CN" dirty="0" smtClean="0"/>
-          </a:p>
-          <a:p>
-            <a:pPr lvl="2">
-              <a:lnSpc>
-                <a:spcPct val="120000"/>
-              </a:lnSpc>
-            </a:pPr>
-            <a:r>
-              <a:rPr lang="en-US" altLang="zh-CN" dirty="0" smtClean="0"/>
-              <a:t>B:   B1 = 90</a:t>
-            </a:r>
-            <a:r>
-              <a:rPr lang="zh-CN" altLang="en-US" dirty="0" smtClean="0"/>
-              <a:t>分钟，</a:t>
-            </a:r>
-            <a:r>
-              <a:rPr lang="en-US" altLang="zh-CN" dirty="0" smtClean="0"/>
-              <a:t>B2 = 120</a:t>
-            </a:r>
-            <a:r>
-              <a:rPr lang="zh-CN" altLang="en-US" dirty="0" smtClean="0"/>
-              <a:t>分钟，</a:t>
-            </a:r>
-            <a:r>
-              <a:rPr lang="en-US" altLang="zh-CN" dirty="0" smtClean="0"/>
-              <a:t>B3 = 150</a:t>
-            </a:r>
-            <a:r>
-              <a:rPr lang="zh-CN" altLang="en-US" dirty="0" smtClean="0"/>
-              <a:t>分钟</a:t>
-            </a:r>
-            <a:endParaRPr lang="en-US" altLang="zh-CN" dirty="0" smtClean="0"/>
-          </a:p>
-          <a:p>
-            <a:pPr lvl="2">
-              <a:lnSpc>
-                <a:spcPct val="120000"/>
-              </a:lnSpc>
-            </a:pPr>
-            <a:r>
-              <a:rPr lang="en-US" altLang="zh-CN" dirty="0" smtClean="0"/>
-              <a:t>C</a:t>
-            </a:r>
-            <a:r>
-              <a:rPr lang="zh-CN" altLang="en-US" dirty="0" smtClean="0"/>
-              <a:t>：</a:t>
-            </a:r>
-            <a:r>
-              <a:rPr lang="en-US" altLang="zh-CN" dirty="0" smtClean="0"/>
-              <a:t>C1 = 5%,  C2 = 6% </a:t>
-            </a:r>
-            <a:r>
-              <a:rPr lang="zh-CN" altLang="en-US" dirty="0" smtClean="0"/>
-              <a:t>，</a:t>
-            </a:r>
-            <a:r>
-              <a:rPr lang="en-US" altLang="zh-CN" dirty="0" smtClean="0"/>
-              <a:t>C3 = 7%</a:t>
-            </a:r>
-          </a:p>
-          <a:p>
-            <a:pPr lvl="1">
-              <a:lnSpc>
-                <a:spcPct val="120000"/>
-              </a:lnSpc>
-            </a:pPr>
-            <a:r>
-              <a:rPr lang="zh-CN" altLang="en-US" dirty="0" smtClean="0"/>
-              <a:t>实验目的：搞清楚因子</a:t>
-            </a:r>
-            <a:r>
-              <a:rPr lang="en-US" altLang="zh-CN" dirty="0" smtClean="0"/>
-              <a:t>A</a:t>
-            </a:r>
-            <a:r>
-              <a:rPr lang="zh-CN" altLang="en-US" dirty="0" smtClean="0"/>
-              <a:t>、</a:t>
-            </a:r>
-            <a:r>
-              <a:rPr lang="en-US" altLang="zh-CN" dirty="0" smtClean="0"/>
-              <a:t>B</a:t>
-            </a:r>
-            <a:r>
-              <a:rPr lang="zh-CN" altLang="en-US" dirty="0" smtClean="0"/>
-              <a:t>、</a:t>
-            </a:r>
-            <a:r>
-              <a:rPr lang="en-US" altLang="zh-CN" dirty="0" smtClean="0"/>
-              <a:t>C</a:t>
-            </a:r>
-            <a:r>
-              <a:rPr lang="zh-CN" altLang="en-US" dirty="0" smtClean="0"/>
-              <a:t>对转化率有什么影响，哪些是主要的，哪些是次要的，从而确定最适生产条件，即温度、时间、用碱量各多少转化率最高</a:t>
-            </a:r>
-            <a:endParaRPr lang="en-US" altLang="zh-CN" dirty="0" smtClean="0"/>
-          </a:p>
-          <a:p>
-            <a:pPr>
-              <a:lnSpc>
-                <a:spcPct val="120000"/>
-              </a:lnSpc>
-            </a:pPr>
-            <a:endParaRPr lang="zh-CN" altLang="en-US" dirty="0"/>
-          </a:p>
-        </p:txBody>
-      </p:sp>
-    </p:spTree>
-  </p:cSld>
-  <p:clrMapOvr>
-    <a:masterClrMapping/>
-  </p:clrMapOvr>
-  <p:transition>
-    <p:blinds dir="vert"/>
-  </p:transition>
-  <p:timing>
-    <p:tnLst>
-      <p:par>
-        <p:cTn id="1" dur="indefinite" restart="never" nodeType="tmRoot">
-          <p:childTnLst>
-            <p:seq concurrent="1" nextAc="seek">
-              <p:cTn id="2" dur="indefinite" nodeType="mainSeq">
-                <p:childTnLst>
-                  <p:par>
-                    <p:cTn id="3" fill="hold">
-                      <p:stCondLst>
-                        <p:cond delay="indefinite"/>
-                      </p:stCondLst>
-                      <p:childTnLst>
-                        <p:par>
-                          <p:cTn id="4" fill="hold">
-                            <p:stCondLst>
-                              <p:cond delay="0"/>
-                            </p:stCondLst>
-                            <p:childTnLst>
-                              <p:par>
-                                <p:cTn id="5" presetID="2" presetClass="entr" presetSubtype="4" fill="hold" nodeType="clickEffect">
-                                  <p:stCondLst>
-                                    <p:cond delay="0"/>
-                                  </p:stCondLst>
-                                  <p:childTnLst>
-                                    <p:set>
-                                      <p:cBhvr>
-                                        <p:cTn id="6" dur="1" fill="hold">
-                                          <p:stCondLst>
-                                            <p:cond delay="0"/>
-                                          </p:stCondLst>
-                                        </p:cTn>
-                                        <p:tgtEl>
-                                          <p:spTgt spid="3">
-                                            <p:txEl>
-                                              <p:pRg st="0" end="0"/>
-                                            </p:txEl>
-                                          </p:spTgt>
-                                        </p:tgtEl>
-                                        <p:attrNameLst>
-                                          <p:attrName>style.visibility</p:attrName>
-                                        </p:attrNameLst>
-                                      </p:cBhvr>
-                                      <p:to>
-                                        <p:strVal val="visible"/>
-                                      </p:to>
-                                    </p:set>
-                                    <p:anim calcmode="lin" valueType="num">
-                                      <p:cBhvr additive="base">
-                                        <p:cTn id="7" dur="500" fill="hold"/>
-                                        <p:tgtEl>
-                                          <p:spTgt spid="3">
-                                            <p:txEl>
-                                              <p:pRg st="0" end="0"/>
-                                            </p:txEl>
-                                          </p:spTgt>
-                                        </p:tgtEl>
-                                        <p:attrNameLst>
-                                          <p:attrName>ppt_x</p:attrName>
-                                        </p:attrNameLst>
-                                      </p:cBhvr>
-                                      <p:tavLst>
-                                        <p:tav tm="0">
-                                          <p:val>
-                                            <p:strVal val="#ppt_x"/>
-                                          </p:val>
-                                        </p:tav>
-                                        <p:tav tm="100000">
-                                          <p:val>
-                                            <p:strVal val="#ppt_x"/>
-                                          </p:val>
-                                        </p:tav>
-                                      </p:tavLst>
-                                    </p:anim>
-                                    <p:anim calcmode="lin" valueType="num">
-                                      <p:cBhvr additive="base">
-                                        <p:cTn id="8" dur="500" fill="hold"/>
-                                        <p:tgtEl>
-                                          <p:spTgt spid="3">
-                                            <p:txEl>
-                                              <p:pRg st="0" end="0"/>
-                                            </p:txEl>
-                                          </p:spTgt>
-                                        </p:tgtEl>
-                                        <p:attrNameLst>
-                                          <p:attrName>ppt_y</p:attrName>
-                                        </p:attrNameLst>
-                                      </p:cBhvr>
-                                      <p:tavLst>
-                                        <p:tav tm="0">
-                                          <p:val>
-                                            <p:strVal val="1+#ppt_h/2"/>
-                                          </p:val>
-                                        </p:tav>
-                                        <p:tav tm="100000">
-                                          <p:val>
-                                            <p:strVal val="#ppt_y"/>
-                                          </p:val>
-                                        </p:tav>
-                                      </p:tavLst>
-                                    </p:anim>
-                                  </p:childTnLst>
-                                </p:cTn>
-                              </p:par>
-                            </p:childTnLst>
-                          </p:cTn>
-                        </p:par>
-                      </p:childTnLst>
-                    </p:cTn>
-                  </p:par>
-                  <p:par>
-                    <p:cTn id="9" fill="hold">
-                      <p:stCondLst>
-                        <p:cond delay="indefinite"/>
-                      </p:stCondLst>
-                      <p:childTnLst>
-                        <p:par>
-                          <p:cTn id="10" fill="hold">
-                            <p:stCondLst>
-                              <p:cond delay="0"/>
-                            </p:stCondLst>
-                            <p:childTnLst>
-                              <p:par>
-                                <p:cTn id="11" presetID="2" presetClass="entr" presetSubtype="4" fill="hold" nodeType="clickEffect">
-                                  <p:stCondLst>
-                                    <p:cond delay="0"/>
-                                  </p:stCondLst>
-                                  <p:childTnLst>
-                                    <p:set>
-                                      <p:cBhvr>
-                                        <p:cTn id="12" dur="1" fill="hold">
-                                          <p:stCondLst>
-                                            <p:cond delay="0"/>
-                                          </p:stCondLst>
-                                        </p:cTn>
-                                        <p:tgtEl>
-                                          <p:spTgt spid="3">
-                                            <p:txEl>
-                                              <p:pRg st="1" end="1"/>
-                                            </p:txEl>
-                                          </p:spTgt>
-                                        </p:tgtEl>
-                                        <p:attrNameLst>
-                                          <p:attrName>style.visibility</p:attrName>
-                                        </p:attrNameLst>
-                                      </p:cBhvr>
-                                      <p:to>
-                                        <p:strVal val="visible"/>
-                                      </p:to>
-                                    </p:set>
-                                    <p:anim calcmode="lin" valueType="num">
-                                      <p:cBhvr additive="base">
-                                        <p:cTn id="13" dur="500" fill="hold"/>
-                                        <p:tgtEl>
-                                          <p:spTgt spid="3">
-                                            <p:txEl>
-                                              <p:pRg st="1" end="1"/>
-                                            </p:txEl>
-                                          </p:spTgt>
-                                        </p:tgtEl>
-                                        <p:attrNameLst>
-                                          <p:attrName>ppt_x</p:attrName>
-                                        </p:attrNameLst>
-                                      </p:cBhvr>
-                                      <p:tavLst>
-                                        <p:tav tm="0">
-                                          <p:val>
-                                            <p:strVal val="#ppt_x"/>
-                                          </p:val>
-                                        </p:tav>
-                                        <p:tav tm="100000">
-                                          <p:val>
-                                            <p:strVal val="#ppt_x"/>
-                                          </p:val>
-                                        </p:tav>
-                                      </p:tavLst>
-                                    </p:anim>
-                                    <p:anim calcmode="lin" valueType="num">
-                                      <p:cBhvr additive="base">
-                                        <p:cTn id="14" dur="500" fill="hold"/>
-                                        <p:tgtEl>
-                                          <p:spTgt spid="3">
-                                            <p:txEl>
-                                              <p:pRg st="1" end="1"/>
-                                            </p:txEl>
-                                          </p:spTgt>
-                                        </p:tgtEl>
-                                        <p:attrNameLst>
-                                          <p:attrName>ppt_y</p:attrName>
-                                        </p:attrNameLst>
-                                      </p:cBhvr>
-                                      <p:tavLst>
-                                        <p:tav tm="0">
-                                          <p:val>
-                                            <p:strVal val="1+#ppt_h/2"/>
-                                          </p:val>
-                                        </p:tav>
-                                        <p:tav tm="100000">
-                                          <p:val>
-                                            <p:strVal val="#ppt_y"/>
-                                          </p:val>
-                                        </p:tav>
-                                      </p:tavLst>
-                                    </p:anim>
-                                  </p:childTnLst>
-                                </p:cTn>
-                              </p:par>
-                            </p:childTnLst>
-                          </p:cTn>
-                        </p:par>
-                      </p:childTnLst>
-                    </p:cTn>
-                  </p:par>
-                  <p:par>
-                    <p:cTn id="15" fill="hold">
-                      <p:stCondLst>
-                        <p:cond delay="indefinite"/>
-                      </p:stCondLst>
-                      <p:childTnLst>
-                        <p:par>
-                          <p:cTn id="16" fill="hold">
-                            <p:stCondLst>
-                              <p:cond delay="0"/>
-                            </p:stCondLst>
-                            <p:childTnLst>
-                              <p:par>
-                                <p:cTn id="17" presetID="2" presetClass="entr" presetSubtype="4" fill="hold" nodeType="clickEffect">
-                                  <p:stCondLst>
-                                    <p:cond delay="0"/>
-                                  </p:stCondLst>
-                                  <p:childTnLst>
-                                    <p:set>
-                                      <p:cBhvr>
-                                        <p:cTn id="18" dur="1" fill="hold">
-                                          <p:stCondLst>
-                                            <p:cond delay="0"/>
-                                          </p:stCondLst>
-                                        </p:cTn>
-                                        <p:tgtEl>
-                                          <p:spTgt spid="3">
-                                            <p:txEl>
-                                              <p:pRg st="2" end="2"/>
-                                            </p:txEl>
-                                          </p:spTgt>
-                                        </p:tgtEl>
-                                        <p:attrNameLst>
-                                          <p:attrName>style.visibility</p:attrName>
-                                        </p:attrNameLst>
-                                      </p:cBhvr>
-                                      <p:to>
-                                        <p:strVal val="visible"/>
-                                      </p:to>
-                                    </p:set>
-                                    <p:anim calcmode="lin" valueType="num">
-                                      <p:cBhvr additive="base">
-                                        <p:cTn id="19" dur="500" fill="hold"/>
-                                        <p:tgtEl>
-                                          <p:spTgt spid="3">
-                                            <p:txEl>
-                                              <p:pRg st="2" end="2"/>
-                                            </p:txEl>
-                                          </p:spTgt>
-                                        </p:tgtEl>
-                                        <p:attrNameLst>
-                                          <p:attrName>ppt_x</p:attrName>
-                                        </p:attrNameLst>
-                                      </p:cBhvr>
-                                      <p:tavLst>
-                                        <p:tav tm="0">
-                                          <p:val>
-                                            <p:strVal val="#ppt_x"/>
-                                          </p:val>
-                                        </p:tav>
-                                        <p:tav tm="100000">
-                                          <p:val>
-                                            <p:strVal val="#ppt_x"/>
-                                          </p:val>
-                                        </p:tav>
-                                      </p:tavLst>
-                                    </p:anim>
-                                    <p:anim calcmode="lin" valueType="num">
-                                      <p:cBhvr additive="base">
-                                        <p:cTn id="20" dur="500" fill="hold"/>
-                                        <p:tgtEl>
-                                          <p:spTgt spid="3">
-                                            <p:txEl>
-                                              <p:pRg st="2" end="2"/>
-                                            </p:txEl>
-                                          </p:spTgt>
-                                        </p:tgtEl>
-                                        <p:attrNameLst>
-                                          <p:attrName>ppt_y</p:attrName>
-                                        </p:attrNameLst>
-                                      </p:cBhvr>
-                                      <p:tavLst>
-                                        <p:tav tm="0">
-                                          <p:val>
-                                            <p:strVal val="1+#ppt_h/2"/>
-                                          </p:val>
-                                        </p:tav>
-                                        <p:tav tm="100000">
-                                          <p:val>
-                                            <p:strVal val="#ppt_y"/>
-                                          </p:val>
-                                        </p:tav>
-                                      </p:tavLst>
-                                    </p:anim>
-                                  </p:childTnLst>
-                                </p:cTn>
-                              </p:par>
-                            </p:childTnLst>
-                          </p:cTn>
-                        </p:par>
-                      </p:childTnLst>
-                    </p:cTn>
-                  </p:par>
-                  <p:par>
-                    <p:cTn id="21" fill="hold">
-                      <p:stCondLst>
-                        <p:cond delay="indefinite"/>
-                      </p:stCondLst>
-                      <p:childTnLst>
-                        <p:par>
-                          <p:cTn id="22" fill="hold">
-                            <p:stCondLst>
-                              <p:cond delay="0"/>
-                            </p:stCondLst>
-                            <p:childTnLst>
-                              <p:par>
-                                <p:cTn id="23" presetID="2" presetClass="entr" presetSubtype="4" fill="hold" nodeType="clickEffect">
-                                  <p:stCondLst>
-                                    <p:cond delay="0"/>
-                                  </p:stCondLst>
-                                  <p:childTnLst>
-                                    <p:set>
-                                      <p:cBhvr>
-                                        <p:cTn id="24" dur="1" fill="hold">
-                                          <p:stCondLst>
-                                            <p:cond delay="0"/>
-                                          </p:stCondLst>
-                                        </p:cTn>
-                                        <p:tgtEl>
-                                          <p:spTgt spid="3">
-                                            <p:txEl>
-                                              <p:pRg st="3" end="3"/>
-                                            </p:txEl>
-                                          </p:spTgt>
-                                        </p:tgtEl>
-                                        <p:attrNameLst>
-                                          <p:attrName>style.visibility</p:attrName>
-                                        </p:attrNameLst>
-                                      </p:cBhvr>
-                                      <p:to>
-                                        <p:strVal val="visible"/>
-                                      </p:to>
-                                    </p:set>
-                                    <p:anim calcmode="lin" valueType="num">
-                                      <p:cBhvr additive="base">
-                                        <p:cTn id="25" dur="500" fill="hold"/>
-                                        <p:tgtEl>
-                                          <p:spTgt spid="3">
-                                            <p:txEl>
-                                              <p:pRg st="3" end="3"/>
-                                            </p:txEl>
-                                          </p:spTgt>
-                                        </p:tgtEl>
-                                        <p:attrNameLst>
-                                          <p:attrName>ppt_x</p:attrName>
-                                        </p:attrNameLst>
-                                      </p:cBhvr>
-                                      <p:tavLst>
-                                        <p:tav tm="0">
-                                          <p:val>
-                                            <p:strVal val="#ppt_x"/>
-                                          </p:val>
-                                        </p:tav>
-                                        <p:tav tm="100000">
-                                          <p:val>
-                                            <p:strVal val="#ppt_x"/>
-                                          </p:val>
-                                        </p:tav>
-                                      </p:tavLst>
-                                    </p:anim>
-                                    <p:anim calcmode="lin" valueType="num">
-                                      <p:cBhvr additive="base">
-                                        <p:cTn id="26" dur="500" fill="hold"/>
-                                        <p:tgtEl>
-                                          <p:spTgt spid="3">
-                                            <p:txEl>
-                                              <p:pRg st="3" end="3"/>
-                                            </p:txEl>
-                                          </p:spTgt>
-                                        </p:tgtEl>
-                                        <p:attrNameLst>
-                                          <p:attrName>ppt_y</p:attrName>
-                                        </p:attrNameLst>
-                                      </p:cBhvr>
-                                      <p:tavLst>
-                                        <p:tav tm="0">
-                                          <p:val>
-                                            <p:strVal val="1+#ppt_h/2"/>
-                                          </p:val>
-                                        </p:tav>
-                                        <p:tav tm="100000">
-                                          <p:val>
-                                            <p:strVal val="#ppt_y"/>
-                                          </p:val>
-                                        </p:tav>
-                                      </p:tavLst>
-                                    </p:anim>
-                                  </p:childTnLst>
-                                </p:cTn>
-                              </p:par>
-                            </p:childTnLst>
-                          </p:cTn>
-                        </p:par>
-                      </p:childTnLst>
-                    </p:cTn>
-                  </p:par>
-                  <p:par>
-                    <p:cTn id="27" fill="hold">
-                      <p:stCondLst>
-                        <p:cond delay="indefinite"/>
-                      </p:stCondLst>
-                      <p:childTnLst>
-                        <p:par>
-                          <p:cTn id="28" fill="hold">
-                            <p:stCondLst>
-                              <p:cond delay="0"/>
-                            </p:stCondLst>
-                            <p:childTnLst>
-                              <p:par>
-                                <p:cTn id="29" presetID="2" presetClass="entr" presetSubtype="4" fill="hold" nodeType="clickEffect">
-                                  <p:stCondLst>
-                                    <p:cond delay="0"/>
-                                  </p:stCondLst>
-                                  <p:childTnLst>
-                                    <p:set>
-                                      <p:cBhvr>
-                                        <p:cTn id="30" dur="1" fill="hold">
-                                          <p:stCondLst>
-                                            <p:cond delay="0"/>
-                                          </p:stCondLst>
-                                        </p:cTn>
-                                        <p:tgtEl>
-                                          <p:spTgt spid="3">
-                                            <p:txEl>
-                                              <p:pRg st="4" end="4"/>
-                                            </p:txEl>
-                                          </p:spTgt>
-                                        </p:tgtEl>
-                                        <p:attrNameLst>
-                                          <p:attrName>style.visibility</p:attrName>
-                                        </p:attrNameLst>
-                                      </p:cBhvr>
-                                      <p:to>
-                                        <p:strVal val="visible"/>
-                                      </p:to>
-                                    </p:set>
-                                    <p:anim calcmode="lin" valueType="num">
-                                      <p:cBhvr additive="base">
-                                        <p:cTn id="31" dur="500" fill="hold"/>
-                                        <p:tgtEl>
-                                          <p:spTgt spid="3">
-                                            <p:txEl>
-                                              <p:pRg st="4" end="4"/>
-                                            </p:txEl>
-                                          </p:spTgt>
-                                        </p:tgtEl>
-                                        <p:attrNameLst>
-                                          <p:attrName>ppt_x</p:attrName>
-                                        </p:attrNameLst>
-                                      </p:cBhvr>
-                                      <p:tavLst>
-                                        <p:tav tm="0">
-                                          <p:val>
-                                            <p:strVal val="#ppt_x"/>
-                                          </p:val>
-                                        </p:tav>
-                                        <p:tav tm="100000">
-                                          <p:val>
-                                            <p:strVal val="#ppt_x"/>
-                                          </p:val>
-                                        </p:tav>
-                                      </p:tavLst>
-                                    </p:anim>
-                                    <p:anim calcmode="lin" valueType="num">
-                                      <p:cBhvr additive="base">
-                                        <p:cTn id="32" dur="500" fill="hold"/>
-                                        <p:tgtEl>
-                                          <p:spTgt spid="3">
-                                            <p:txEl>
-                                              <p:pRg st="4" end="4"/>
                                             </p:txEl>
                                           </p:spTgt>
                                         </p:tgtEl>
@@ -36330,7 +37654,7 @@
   </a:extraClrSchemeLst>
   <a:extLst>
     <a:ext uri="{05A4C25C-085E-4340-85A3-A5531E510DB2}">
-      <thm15:themeFamily xmlns="" xmlns:thm15="http://schemas.microsoft.com/office/thememl/2012/main" name="Office Theme" id="{62F939B6-93AF-4DB8-9C6B-D6C7DFDC589F}" vid="{4A3C46E8-61CC-4603-A589-7422A47A8E4A}"/>
+      <thm15:themeFamily xmlns:thm15="http://schemas.microsoft.com/office/thememl/2012/main" name="Office Theme" id="{62F939B6-93AF-4DB8-9C6B-D6C7DFDC589F}" vid="{4A3C46E8-61CC-4603-A589-7422A47A8E4A}"/>
     </a:ext>
   </a:extLst>
 </a:theme>
@@ -36618,7 +37942,7 @@
   <a:extraClrSchemeLst/>
   <a:extLst>
     <a:ext uri="{05A4C25C-085E-4340-85A3-A5531E510DB2}">
-      <thm15:themeFamily xmlns="" xmlns:thm15="http://schemas.microsoft.com/office/thememl/2012/main" name="Office Theme" id="{62F939B6-93AF-4DB8-9C6B-D6C7DFDC589F}" vid="{4A3C46E8-61CC-4603-A589-7422A47A8E4A}"/>
+      <thm15:themeFamily xmlns:thm15="http://schemas.microsoft.com/office/thememl/2012/main" name="Office Theme" id="{62F939B6-93AF-4DB8-9C6B-D6C7DFDC589F}" vid="{4A3C46E8-61CC-4603-A589-7422A47A8E4A}"/>
     </a:ext>
   </a:extLst>
 </a:theme>
@@ -36906,7 +38230,7 @@
   <a:extraClrSchemeLst/>
   <a:extLst>
     <a:ext uri="{05A4C25C-085E-4340-85A3-A5531E510DB2}">
-      <thm15:themeFamily xmlns="" xmlns:thm15="http://schemas.microsoft.com/office/thememl/2012/main" name="Office Theme" id="{62F939B6-93AF-4DB8-9C6B-D6C7DFDC589F}" vid="{4A3C46E8-61CC-4603-A589-7422A47A8E4A}"/>
+      <thm15:themeFamily xmlns:thm15="http://schemas.microsoft.com/office/thememl/2012/main" name="Office Theme" id="{62F939B6-93AF-4DB8-9C6B-D6C7DFDC589F}" vid="{4A3C46E8-61CC-4603-A589-7422A47A8E4A}"/>
     </a:ext>
   </a:extLst>
 </a:theme>
